--- a/Tesis/Presentaciones/Presentacion_Tesis.pptx
+++ b/Tesis/Presentaciones/Presentacion_Tesis.pptx
@@ -9,25 +9,35 @@
     <p:sldId id="266" r:id="rId3"/>
     <p:sldId id="275" r:id="rId4"/>
     <p:sldId id="276" r:id="rId5"/>
-    <p:sldId id="267" r:id="rId6"/>
-    <p:sldId id="268" r:id="rId7"/>
-    <p:sldId id="269" r:id="rId8"/>
-    <p:sldId id="270" r:id="rId9"/>
-    <p:sldId id="278" r:id="rId10"/>
-    <p:sldId id="271" r:id="rId11"/>
-    <p:sldId id="279" r:id="rId12"/>
-    <p:sldId id="272" r:id="rId13"/>
-    <p:sldId id="280" r:id="rId14"/>
-    <p:sldId id="281" r:id="rId15"/>
-    <p:sldId id="282" r:id="rId16"/>
-    <p:sldId id="260" r:id="rId17"/>
-    <p:sldId id="283" r:id="rId18"/>
-    <p:sldId id="264" r:id="rId19"/>
-    <p:sldId id="284" r:id="rId20"/>
-    <p:sldId id="285" r:id="rId21"/>
-    <p:sldId id="286" r:id="rId22"/>
-    <p:sldId id="273" r:id="rId23"/>
-    <p:sldId id="274" r:id="rId24"/>
+    <p:sldId id="287" r:id="rId6"/>
+    <p:sldId id="267" r:id="rId7"/>
+    <p:sldId id="294" r:id="rId8"/>
+    <p:sldId id="288" r:id="rId9"/>
+    <p:sldId id="268" r:id="rId10"/>
+    <p:sldId id="289" r:id="rId11"/>
+    <p:sldId id="290" r:id="rId12"/>
+    <p:sldId id="295" r:id="rId13"/>
+    <p:sldId id="269" r:id="rId14"/>
+    <p:sldId id="270" r:id="rId15"/>
+    <p:sldId id="278" r:id="rId16"/>
+    <p:sldId id="271" r:id="rId17"/>
+    <p:sldId id="279" r:id="rId18"/>
+    <p:sldId id="272" r:id="rId19"/>
+    <p:sldId id="280" r:id="rId20"/>
+    <p:sldId id="281" r:id="rId21"/>
+    <p:sldId id="282" r:id="rId22"/>
+    <p:sldId id="291" r:id="rId23"/>
+    <p:sldId id="260" r:id="rId24"/>
+    <p:sldId id="283" r:id="rId25"/>
+    <p:sldId id="292" r:id="rId26"/>
+    <p:sldId id="264" r:id="rId27"/>
+    <p:sldId id="284" r:id="rId28"/>
+    <p:sldId id="285" r:id="rId29"/>
+    <p:sldId id="286" r:id="rId30"/>
+    <p:sldId id="293" r:id="rId31"/>
+    <p:sldId id="273" r:id="rId32"/>
+    <p:sldId id="296" r:id="rId33"/>
+    <p:sldId id="274" r:id="rId34"/>
   </p:sldIdLst>
   <p:sldSz cx="12192000" cy="6858000"/>
   <p:notesSz cx="6858000" cy="9144000"/>
@@ -276,7 +286,7 @@
           <a:p>
             <a:fld id="{F2C6371F-A3E4-41F7-9230-11EE04045570}" type="datetimeFigureOut">
               <a:rPr lang="es-MX" smtClean="0"/>
-              <a:t>07/11/2017</a:t>
+              <a:t>08/11/2017</a:t>
             </a:fld>
             <a:endParaRPr lang="es-MX"/>
           </a:p>
@@ -446,7 +456,7 @@
           <a:p>
             <a:fld id="{F2C6371F-A3E4-41F7-9230-11EE04045570}" type="datetimeFigureOut">
               <a:rPr lang="es-MX" smtClean="0"/>
-              <a:t>07/11/2017</a:t>
+              <a:t>08/11/2017</a:t>
             </a:fld>
             <a:endParaRPr lang="es-MX"/>
           </a:p>
@@ -626,7 +636,7 @@
           <a:p>
             <a:fld id="{F2C6371F-A3E4-41F7-9230-11EE04045570}" type="datetimeFigureOut">
               <a:rPr lang="es-MX" smtClean="0"/>
-              <a:t>07/11/2017</a:t>
+              <a:t>08/11/2017</a:t>
             </a:fld>
             <a:endParaRPr lang="es-MX"/>
           </a:p>
@@ -796,7 +806,7 @@
           <a:p>
             <a:fld id="{F2C6371F-A3E4-41F7-9230-11EE04045570}" type="datetimeFigureOut">
               <a:rPr lang="es-MX" smtClean="0"/>
-              <a:t>07/11/2017</a:t>
+              <a:t>08/11/2017</a:t>
             </a:fld>
             <a:endParaRPr lang="es-MX"/>
           </a:p>
@@ -1042,7 +1052,7 @@
           <a:p>
             <a:fld id="{F2C6371F-A3E4-41F7-9230-11EE04045570}" type="datetimeFigureOut">
               <a:rPr lang="es-MX" smtClean="0"/>
-              <a:t>07/11/2017</a:t>
+              <a:t>08/11/2017</a:t>
             </a:fld>
             <a:endParaRPr lang="es-MX"/>
           </a:p>
@@ -1274,7 +1284,7 @@
           <a:p>
             <a:fld id="{F2C6371F-A3E4-41F7-9230-11EE04045570}" type="datetimeFigureOut">
               <a:rPr lang="es-MX" smtClean="0"/>
-              <a:t>07/11/2017</a:t>
+              <a:t>08/11/2017</a:t>
             </a:fld>
             <a:endParaRPr lang="es-MX"/>
           </a:p>
@@ -1641,7 +1651,7 @@
           <a:p>
             <a:fld id="{F2C6371F-A3E4-41F7-9230-11EE04045570}" type="datetimeFigureOut">
               <a:rPr lang="es-MX" smtClean="0"/>
-              <a:t>07/11/2017</a:t>
+              <a:t>08/11/2017</a:t>
             </a:fld>
             <a:endParaRPr lang="es-MX"/>
           </a:p>
@@ -1759,7 +1769,7 @@
           <a:p>
             <a:fld id="{F2C6371F-A3E4-41F7-9230-11EE04045570}" type="datetimeFigureOut">
               <a:rPr lang="es-MX" smtClean="0"/>
-              <a:t>07/11/2017</a:t>
+              <a:t>08/11/2017</a:t>
             </a:fld>
             <a:endParaRPr lang="es-MX"/>
           </a:p>
@@ -1854,7 +1864,7 @@
           <a:p>
             <a:fld id="{F2C6371F-A3E4-41F7-9230-11EE04045570}" type="datetimeFigureOut">
               <a:rPr lang="es-MX" smtClean="0"/>
-              <a:t>07/11/2017</a:t>
+              <a:t>08/11/2017</a:t>
             </a:fld>
             <a:endParaRPr lang="es-MX"/>
           </a:p>
@@ -2131,7 +2141,7 @@
           <a:p>
             <a:fld id="{F2C6371F-A3E4-41F7-9230-11EE04045570}" type="datetimeFigureOut">
               <a:rPr lang="es-MX" smtClean="0"/>
-              <a:t>07/11/2017</a:t>
+              <a:t>08/11/2017</a:t>
             </a:fld>
             <a:endParaRPr lang="es-MX"/>
           </a:p>
@@ -2384,7 +2394,7 @@
           <a:p>
             <a:fld id="{F2C6371F-A3E4-41F7-9230-11EE04045570}" type="datetimeFigureOut">
               <a:rPr lang="es-MX" smtClean="0"/>
-              <a:t>07/11/2017</a:t>
+              <a:t>08/11/2017</a:t>
             </a:fld>
             <a:endParaRPr lang="es-MX"/>
           </a:p>
@@ -2597,7 +2607,7 @@
           <a:p>
             <a:fld id="{F2C6371F-A3E4-41F7-9230-11EE04045570}" type="datetimeFigureOut">
               <a:rPr lang="es-MX" smtClean="0"/>
-              <a:t>07/11/2017</a:t>
+              <a:t>08/11/2017</a:t>
             </a:fld>
             <a:endParaRPr lang="es-MX"/>
           </a:p>
@@ -3047,8 +3057,13 @@
           <a:p>
             <a:r>
               <a:rPr lang="es-MX" dirty="0" smtClean="0"/>
-              <a:t>Tesis de Licenciatura; </a:t>
-            </a:r>
+              <a:t>Tesis de </a:t>
+            </a:r>
+            <a:r>
+              <a:rPr lang="es-MX" dirty="0" smtClean="0"/>
+              <a:t>Licenciatura </a:t>
+            </a:r>
+            <a:endParaRPr lang="es-MX" dirty="0" smtClean="0"/>
           </a:p>
           <a:p>
             <a:r>
@@ -3088,11 +3103,7 @@
           <a:p>
             <a:r>
               <a:rPr lang="es-MX" sz="2800" dirty="0" smtClean="0"/>
-              <a:t>Dr.</a:t>
-            </a:r>
-            <a:r>
-              <a:rPr lang="es-MX" sz="2800" dirty="0" smtClean="0"/>
-              <a:t> Arturo </a:t>
+              <a:t>Dr. Arturo </a:t>
             </a:r>
             <a:r>
               <a:rPr lang="es-MX" sz="2800" dirty="0" err="1" smtClean="0"/>
@@ -3138,12 +3149,16 @@
           <a:p>
             <a:pPr algn="r"/>
             <a:r>
-              <a:rPr lang="es-MX" sz="2800" dirty="0" err="1" smtClean="0"/>
-              <a:t>Dr.Germán</a:t>
-            </a:r>
-            <a:r>
               <a:rPr lang="es-MX" sz="2800" dirty="0" smtClean="0"/>
-              <a:t> Palafox </a:t>
+              <a:t>Dr</a:t>
+            </a:r>
+            <a:r>
+              <a:rPr lang="es-MX" sz="2800" dirty="0" smtClean="0"/>
+              <a:t>. Germán </a:t>
+            </a:r>
+            <a:r>
+              <a:rPr lang="es-MX" sz="2800" dirty="0" smtClean="0"/>
+              <a:t>Palafox </a:t>
             </a:r>
             <a:r>
               <a:rPr lang="es-MX" sz="2800" dirty="0" err="1" smtClean="0"/>
@@ -3200,7 +3215,43 @@
       </p:grpSpPr>
       <p:sp>
         <p:nvSpPr>
-          <p:cNvPr id="2" name="Título 1"/>
+          <p:cNvPr id="3" name="Marcador de contenido 2"/>
+          <p:cNvSpPr>
+            <a:spLocks noGrp="1"/>
+          </p:cNvSpPr>
+          <p:nvPr>
+            <p:ph idx="1"/>
+          </p:nvPr>
+        </p:nvSpPr>
+        <p:spPr>
+          <a:xfrm>
+            <a:off x="838200" y="1004758"/>
+            <a:ext cx="10515600" cy="5172205"/>
+          </a:xfrm>
+        </p:spPr>
+        <p:txBody>
+          <a:bodyPr/>
+          <a:lstStyle/>
+          <a:p>
+            <a:r>
+              <a:rPr lang="es-MX" dirty="0" smtClean="0"/>
+              <a:t>En tareas con escala de confianza:</a:t>
+            </a:r>
+          </a:p>
+          <a:p>
+            <a:endParaRPr lang="es-MX" dirty="0" smtClean="0"/>
+          </a:p>
+          <a:p>
+            <a:endParaRPr lang="es-MX" dirty="0" smtClean="0"/>
+          </a:p>
+          <a:p>
+            <a:endParaRPr lang="es-MX" dirty="0"/>
+          </a:p>
+        </p:txBody>
+      </p:sp>
+      <p:sp>
+        <p:nvSpPr>
+          <p:cNvPr id="5" name="Título 4"/>
           <p:cNvSpPr>
             <a:spLocks noGrp="1"/>
           </p:cNvSpPr>
@@ -3208,102 +3259,87 @@
             <p:ph type="title"/>
           </p:nvPr>
         </p:nvSpPr>
+        <p:spPr/>
+        <p:txBody>
+          <a:bodyPr/>
+          <a:lstStyle/>
+          <a:p>
+            <a:r>
+              <a:rPr lang="es-MX" dirty="0" smtClean="0"/>
+              <a:t/>
+            </a:r>
+            <a:br>
+              <a:rPr lang="es-MX" dirty="0" smtClean="0"/>
+            </a:br>
+            <a:endParaRPr lang="es-MX" dirty="0"/>
+          </a:p>
+        </p:txBody>
+      </p:sp>
+      <p:sp>
+        <p:nvSpPr>
+          <p:cNvPr id="6" name="Título 1"/>
+          <p:cNvSpPr txBox="1">
+            <a:spLocks/>
+          </p:cNvSpPr>
+          <p:nvPr/>
+        </p:nvSpPr>
         <p:spPr>
           <a:xfrm>
             <a:off x="0" y="76800"/>
-            <a:ext cx="5016843" cy="1325563"/>
-          </a:xfrm>
+            <a:ext cx="5016843" cy="788173"/>
+          </a:xfrm>
+          <a:prstGeom prst="rect">
+            <a:avLst/>
+          </a:prstGeom>
           <a:solidFill>
-            <a:srgbClr val="7030A0"/>
+            <a:schemeClr val="accent4">
+              <a:lumMod val="50000"/>
+            </a:schemeClr>
           </a:solidFill>
         </p:spPr>
         <p:txBody>
-          <a:bodyPr/>
-          <a:lstStyle/>
-          <a:p>
-            <a:r>
-              <a:rPr lang="es-MX" b="1" dirty="0" smtClean="0">
+          <a:bodyPr vert="horz" lIns="91440" tIns="45720" rIns="91440" bIns="45720" rtlCol="0" anchor="ctr">
+            <a:normAutofit/>
+          </a:bodyPr>
+          <a:lstStyle>
+            <a:lvl1pPr algn="l" defTabSz="914400" rtl="0" eaLnBrk="1" latinLnBrk="0" hangingPunct="1">
+              <a:lnSpc>
+                <a:spcPct val="90000"/>
+              </a:lnSpc>
+              <a:spcBef>
+                <a:spcPct val="0"/>
+              </a:spcBef>
+              <a:buNone/>
+              <a:defRPr sz="4400" kern="1200">
+                <a:solidFill>
+                  <a:schemeClr val="tx1"/>
+                </a:solidFill>
+                <a:latin typeface="+mj-lt"/>
+                <a:ea typeface="+mj-ea"/>
+                <a:cs typeface="+mj-cs"/>
+              </a:defRPr>
+            </a:lvl1pPr>
+          </a:lstStyle>
+          <a:p>
+            <a:r>
+              <a:rPr lang="es-MX" b="1" smtClean="0">
                 <a:solidFill>
                   <a:schemeClr val="bg1"/>
                 </a:solidFill>
               </a:rPr>
-              <a:t>Método</a:t>
-            </a:r>
-            <a:endParaRPr lang="es-MX" dirty="0"/>
-          </a:p>
-        </p:txBody>
-      </p:sp>
-      <p:sp>
-        <p:nvSpPr>
-          <p:cNvPr id="3" name="Marcador de contenido 2"/>
-          <p:cNvSpPr>
-            <a:spLocks noGrp="1"/>
-          </p:cNvSpPr>
-          <p:nvPr>
-            <p:ph idx="1"/>
-          </p:nvPr>
-        </p:nvSpPr>
-        <p:spPr>
-          <a:xfrm>
-            <a:off x="5815913" y="1825625"/>
-            <a:ext cx="5815913" cy="4351338"/>
-          </a:xfrm>
-        </p:spPr>
-        <p:txBody>
-          <a:bodyPr/>
-          <a:lstStyle/>
-          <a:p>
-            <a:r>
-              <a:rPr lang="es-MX" dirty="0" smtClean="0"/>
-              <a:t>Las clases A y B se construyeron de acuerdo a la literatura (</a:t>
-            </a:r>
-            <a:r>
-              <a:rPr lang="es-MX" dirty="0" err="1" smtClean="0"/>
-              <a:t>Massaro</a:t>
-            </a:r>
-            <a:r>
-              <a:rPr lang="es-MX" dirty="0" smtClean="0"/>
-              <a:t> &amp; Anderson, 1971)</a:t>
-            </a:r>
-          </a:p>
-          <a:p>
-            <a:endParaRPr lang="es-MX" dirty="0"/>
-          </a:p>
-          <a:p>
-            <a:r>
-              <a:rPr lang="es-MX" dirty="0" smtClean="0"/>
-              <a:t>Clase A: “Pocos” círculos externos</a:t>
-            </a:r>
-          </a:p>
-          <a:p>
-            <a:pPr lvl="1"/>
-            <a:r>
-              <a:rPr lang="es-MX" dirty="0" smtClean="0"/>
-              <a:t>Dos Niveles : 2 y 3 círculos externos</a:t>
-            </a:r>
-          </a:p>
-          <a:p>
-            <a:endParaRPr lang="es-MX" dirty="0"/>
-          </a:p>
-          <a:p>
-            <a:r>
-              <a:rPr lang="es-MX" dirty="0" smtClean="0"/>
-              <a:t>Clase B: “Muchos” círculos externos</a:t>
-            </a:r>
-          </a:p>
-          <a:p>
-            <a:pPr lvl="1"/>
-            <a:r>
-              <a:rPr lang="es-MX" dirty="0" smtClean="0"/>
-              <a:t>Dos Niveles: 7 y 8 círculos externos</a:t>
-            </a:r>
-            <a:endParaRPr lang="es-MX" dirty="0"/>
-          </a:p>
-        </p:txBody>
-      </p:sp>
-      <p:sp>
-        <p:nvSpPr>
-          <p:cNvPr id="4" name="Título 1"/>
+              <a:t>Marco Teórico</a:t>
+            </a:r>
+            <a:r>
+              <a:rPr lang="es-MX" smtClean="0"/>
+              <a:t> </a:t>
+            </a:r>
+            <a:endParaRPr lang="es-MX" dirty="0"/>
+          </a:p>
+        </p:txBody>
+      </p:sp>
+      <p:sp>
+        <p:nvSpPr>
+          <p:cNvPr id="7" name="Título 1"/>
           <p:cNvSpPr txBox="1">
             <a:spLocks/>
           </p:cNvSpPr>
@@ -3311,14 +3347,14 @@
         </p:nvSpPr>
         <p:spPr>
           <a:xfrm>
-            <a:off x="5346356" y="739581"/>
+            <a:off x="5346357" y="225338"/>
             <a:ext cx="6845643" cy="491095"/>
           </a:xfrm>
           <a:prstGeom prst="rect">
             <a:avLst/>
           </a:prstGeom>
           <a:solidFill>
-            <a:schemeClr val="accent3">
+            <a:schemeClr val="accent4">
               <a:lumMod val="40000"/>
               <a:lumOff val="60000"/>
             </a:schemeClr>
@@ -3351,7 +3387,7 @@
             <a:pPr algn="r"/>
             <a:r>
               <a:rPr lang="es-MX" dirty="0" smtClean="0"/>
-              <a:t>Diseño Experimental</a:t>
+              <a:t>Efecto Espejo</a:t>
             </a:r>
             <a:endParaRPr lang="es-MX" dirty="0"/>
           </a:p>
@@ -3359,7 +3395,7 @@
       </p:sp>
       <p:pic>
         <p:nvPicPr>
-          <p:cNvPr id="5" name="Imagen 4"/>
+          <p:cNvPr id="2" name="Imagen 1"/>
           <p:cNvPicPr>
             <a:picLocks noChangeAspect="1"/>
           </p:cNvPicPr>
@@ -3373,8 +3409,32 @@
         </p:blipFill>
         <p:spPr>
           <a:xfrm>
-            <a:off x="201569" y="1712194"/>
-            <a:ext cx="4938842" cy="4464770"/>
+            <a:off x="1335687" y="1979013"/>
+            <a:ext cx="9753619" cy="790834"/>
+          </a:xfrm>
+          <a:prstGeom prst="rect">
+            <a:avLst/>
+          </a:prstGeom>
+        </p:spPr>
+      </p:pic>
+      <p:pic>
+        <p:nvPicPr>
+          <p:cNvPr id="4" name="Imagen 3"/>
+          <p:cNvPicPr>
+            <a:picLocks noChangeAspect="1"/>
+          </p:cNvPicPr>
+          <p:nvPr/>
+        </p:nvPicPr>
+        <p:blipFill>
+          <a:blip r:embed="rId3"/>
+          <a:stretch>
+            <a:fillRect/>
+          </a:stretch>
+        </p:blipFill>
+        <p:spPr>
+          <a:xfrm>
+            <a:off x="3218549" y="3148012"/>
+            <a:ext cx="5095875" cy="3609975"/>
           </a:xfrm>
           <a:prstGeom prst="rect">
             <a:avLst/>
@@ -3384,7 +3444,7 @@
     </p:spTree>
     <p:extLst>
       <p:ext uri="{BB962C8B-B14F-4D97-AF65-F5344CB8AC3E}">
-        <p14:creationId xmlns:p14="http://schemas.microsoft.com/office/powerpoint/2010/main" val="224586219"/>
+        <p14:creationId xmlns:p14="http://schemas.microsoft.com/office/powerpoint/2010/main" val="911866628"/>
       </p:ext>
     </p:extLst>
   </p:cSld>
@@ -3420,7 +3480,43 @@
       </p:grpSpPr>
       <p:sp>
         <p:nvSpPr>
-          <p:cNvPr id="2" name="Título 1"/>
+          <p:cNvPr id="3" name="Marcador de contenido 2"/>
+          <p:cNvSpPr>
+            <a:spLocks noGrp="1"/>
+          </p:cNvSpPr>
+          <p:nvPr>
+            <p:ph idx="1"/>
+          </p:nvPr>
+        </p:nvSpPr>
+        <p:spPr>
+          <a:xfrm>
+            <a:off x="838200" y="1004758"/>
+            <a:ext cx="10515600" cy="5172205"/>
+          </a:xfrm>
+        </p:spPr>
+        <p:txBody>
+          <a:bodyPr/>
+          <a:lstStyle/>
+          <a:p>
+            <a:r>
+              <a:rPr lang="es-MX" dirty="0" smtClean="0"/>
+              <a:t>En tareas de detección binaria:</a:t>
+            </a:r>
+          </a:p>
+          <a:p>
+            <a:endParaRPr lang="es-MX" dirty="0" smtClean="0"/>
+          </a:p>
+          <a:p>
+            <a:endParaRPr lang="es-MX" dirty="0" smtClean="0"/>
+          </a:p>
+          <a:p>
+            <a:endParaRPr lang="es-MX" dirty="0"/>
+          </a:p>
+        </p:txBody>
+      </p:sp>
+      <p:sp>
+        <p:nvSpPr>
+          <p:cNvPr id="5" name="Título 4"/>
           <p:cNvSpPr>
             <a:spLocks noGrp="1"/>
           </p:cNvSpPr>
@@ -3428,34 +3524,87 @@
             <p:ph type="title"/>
           </p:nvPr>
         </p:nvSpPr>
+        <p:spPr/>
+        <p:txBody>
+          <a:bodyPr/>
+          <a:lstStyle/>
+          <a:p>
+            <a:r>
+              <a:rPr lang="es-MX" dirty="0" smtClean="0"/>
+              <a:t/>
+            </a:r>
+            <a:br>
+              <a:rPr lang="es-MX" dirty="0" smtClean="0"/>
+            </a:br>
+            <a:endParaRPr lang="es-MX" dirty="0"/>
+          </a:p>
+        </p:txBody>
+      </p:sp>
+      <p:sp>
+        <p:nvSpPr>
+          <p:cNvPr id="6" name="Título 1"/>
+          <p:cNvSpPr txBox="1">
+            <a:spLocks/>
+          </p:cNvSpPr>
+          <p:nvPr/>
+        </p:nvSpPr>
         <p:spPr>
           <a:xfrm>
             <a:off x="0" y="76800"/>
-            <a:ext cx="5016843" cy="1325563"/>
-          </a:xfrm>
+            <a:ext cx="5016843" cy="788173"/>
+          </a:xfrm>
+          <a:prstGeom prst="rect">
+            <a:avLst/>
+          </a:prstGeom>
           <a:solidFill>
-            <a:srgbClr val="7030A0"/>
+            <a:schemeClr val="accent4">
+              <a:lumMod val="50000"/>
+            </a:schemeClr>
           </a:solidFill>
         </p:spPr>
         <p:txBody>
-          <a:bodyPr/>
-          <a:lstStyle/>
-          <a:p>
-            <a:r>
-              <a:rPr lang="es-MX" b="1" dirty="0" smtClean="0">
+          <a:bodyPr vert="horz" lIns="91440" tIns="45720" rIns="91440" bIns="45720" rtlCol="0" anchor="ctr">
+            <a:normAutofit/>
+          </a:bodyPr>
+          <a:lstStyle>
+            <a:lvl1pPr algn="l" defTabSz="914400" rtl="0" eaLnBrk="1" latinLnBrk="0" hangingPunct="1">
+              <a:lnSpc>
+                <a:spcPct val="90000"/>
+              </a:lnSpc>
+              <a:spcBef>
+                <a:spcPct val="0"/>
+              </a:spcBef>
+              <a:buNone/>
+              <a:defRPr sz="4400" kern="1200">
+                <a:solidFill>
+                  <a:schemeClr val="tx1"/>
+                </a:solidFill>
+                <a:latin typeface="+mj-lt"/>
+                <a:ea typeface="+mj-ea"/>
+                <a:cs typeface="+mj-cs"/>
+              </a:defRPr>
+            </a:lvl1pPr>
+          </a:lstStyle>
+          <a:p>
+            <a:r>
+              <a:rPr lang="es-MX" b="1" smtClean="0">
                 <a:solidFill>
                   <a:schemeClr val="bg1"/>
                 </a:solidFill>
               </a:rPr>
-              <a:t>Método</a:t>
-            </a:r>
-            <a:endParaRPr lang="es-MX" dirty="0"/>
-          </a:p>
-        </p:txBody>
-      </p:sp>
-      <p:sp>
-        <p:nvSpPr>
-          <p:cNvPr id="4" name="Título 1"/>
+              <a:t>Marco Teórico</a:t>
+            </a:r>
+            <a:r>
+              <a:rPr lang="es-MX" smtClean="0"/>
+              <a:t> </a:t>
+            </a:r>
+            <a:endParaRPr lang="es-MX" dirty="0"/>
+          </a:p>
+        </p:txBody>
+      </p:sp>
+      <p:sp>
+        <p:nvSpPr>
+          <p:cNvPr id="7" name="Título 1"/>
           <p:cNvSpPr txBox="1">
             <a:spLocks/>
           </p:cNvSpPr>
@@ -3463,14 +3612,14 @@
         </p:nvSpPr>
         <p:spPr>
           <a:xfrm>
-            <a:off x="5346357" y="328848"/>
+            <a:off x="5346357" y="225338"/>
             <a:ext cx="6845643" cy="491095"/>
           </a:xfrm>
           <a:prstGeom prst="rect">
             <a:avLst/>
           </a:prstGeom>
           <a:solidFill>
-            <a:schemeClr val="accent3">
+            <a:schemeClr val="accent4">
               <a:lumMod val="40000"/>
               <a:lumOff val="60000"/>
             </a:schemeClr>
@@ -3503,34 +3652,15 @@
             <a:pPr algn="r"/>
             <a:r>
               <a:rPr lang="es-MX" dirty="0" smtClean="0"/>
-              <a:t>Diseño Experimental</a:t>
-            </a:r>
-            <a:endParaRPr lang="es-MX" dirty="0"/>
-          </a:p>
-        </p:txBody>
-      </p:sp>
-      <p:sp>
-        <p:nvSpPr>
-          <p:cNvPr id="6" name="Marcador de contenido 5"/>
-          <p:cNvSpPr>
-            <a:spLocks noGrp="1"/>
-          </p:cNvSpPr>
-          <p:nvPr>
-            <p:ph idx="1"/>
-          </p:nvPr>
-        </p:nvSpPr>
-        <p:spPr/>
-        <p:txBody>
-          <a:bodyPr/>
-          <a:lstStyle/>
-          <a:p>
+              <a:t>Efecto Espejo</a:t>
+            </a:r>
             <a:endParaRPr lang="es-MX" dirty="0"/>
           </a:p>
         </p:txBody>
       </p:sp>
       <p:pic>
         <p:nvPicPr>
-          <p:cNvPr id="7" name="Imagen 6"/>
+          <p:cNvPr id="2" name="Imagen 1"/>
           <p:cNvPicPr>
             <a:picLocks noChangeAspect="1"/>
           </p:cNvPicPr>
@@ -3544,8 +3674,8 @@
         </p:blipFill>
         <p:spPr>
           <a:xfrm>
-            <a:off x="928816" y="1508402"/>
-            <a:ext cx="3626321" cy="5349598"/>
+            <a:off x="287551" y="1690688"/>
+            <a:ext cx="5344003" cy="1087308"/>
           </a:xfrm>
           <a:prstGeom prst="rect">
             <a:avLst/>
@@ -3554,7 +3684,7 @@
       </p:pic>
       <p:pic>
         <p:nvPicPr>
-          <p:cNvPr id="8" name="Imagen 7"/>
+          <p:cNvPr id="4" name="Imagen 3"/>
           <p:cNvPicPr>
             <a:picLocks noChangeAspect="1"/>
           </p:cNvPicPr>
@@ -3568,88 +3698,42 @@
         </p:blipFill>
         <p:spPr>
           <a:xfrm>
-            <a:off x="6341094" y="1615989"/>
-            <a:ext cx="4541090" cy="5160673"/>
+            <a:off x="7297565" y="1565189"/>
+            <a:ext cx="3986780" cy="1212807"/>
           </a:xfrm>
           <a:prstGeom prst="rect">
             <a:avLst/>
           </a:prstGeom>
         </p:spPr>
       </p:pic>
-      <p:sp>
-        <p:nvSpPr>
-          <p:cNvPr id="9" name="CuadroTexto 8"/>
-          <p:cNvSpPr txBox="1"/>
+      <p:pic>
+        <p:nvPicPr>
+          <p:cNvPr id="9" name="Imagen 8"/>
+          <p:cNvPicPr>
+            <a:picLocks noChangeAspect="1"/>
+          </p:cNvPicPr>
           <p:nvPr/>
-        </p:nvSpPr>
-        <p:spPr>
-          <a:xfrm rot="18419448">
-            <a:off x="232278" y="2392842"/>
-            <a:ext cx="1869989" cy="369332"/>
+        </p:nvPicPr>
+        <p:blipFill>
+          <a:blip r:embed="rId4"/>
+          <a:stretch>
+            <a:fillRect/>
+          </a:stretch>
+        </p:blipFill>
+        <p:spPr>
+          <a:xfrm>
+            <a:off x="3138745" y="2908342"/>
+            <a:ext cx="5057775" cy="3743325"/>
           </a:xfrm>
           <a:prstGeom prst="rect">
             <a:avLst/>
           </a:prstGeom>
-          <a:solidFill>
-            <a:schemeClr val="accent1">
-              <a:lumMod val="40000"/>
-              <a:lumOff val="60000"/>
-            </a:schemeClr>
-          </a:solidFill>
-        </p:spPr>
-        <p:txBody>
-          <a:bodyPr wrap="square" rtlCol="0">
-            <a:spAutoFit/>
-          </a:bodyPr>
-          <a:lstStyle/>
-          <a:p>
-            <a:r>
-              <a:rPr lang="es-MX" dirty="0" smtClean="0"/>
-              <a:t>Experimento 1</a:t>
-            </a:r>
-            <a:endParaRPr lang="es-MX" dirty="0"/>
-          </a:p>
-        </p:txBody>
-      </p:sp>
-      <p:sp>
-        <p:nvSpPr>
-          <p:cNvPr id="10" name="CuadroTexto 9"/>
-          <p:cNvSpPr txBox="1"/>
-          <p:nvPr/>
-        </p:nvSpPr>
-        <p:spPr>
-          <a:xfrm rot="2238587">
-            <a:off x="10582055" y="1655912"/>
-            <a:ext cx="1543490" cy="369332"/>
-          </a:xfrm>
-          <a:prstGeom prst="rect">
-            <a:avLst/>
-          </a:prstGeom>
-          <a:solidFill>
-            <a:schemeClr val="accent1">
-              <a:lumMod val="40000"/>
-              <a:lumOff val="60000"/>
-            </a:schemeClr>
-          </a:solidFill>
-        </p:spPr>
-        <p:txBody>
-          <a:bodyPr wrap="square" rtlCol="0">
-            <a:spAutoFit/>
-          </a:bodyPr>
-          <a:lstStyle/>
-          <a:p>
-            <a:r>
-              <a:rPr lang="es-MX" dirty="0" smtClean="0"/>
-              <a:t>Experimento 2</a:t>
-            </a:r>
-            <a:endParaRPr lang="es-MX" dirty="0"/>
-          </a:p>
-        </p:txBody>
-      </p:sp>
+        </p:spPr>
+      </p:pic>
     </p:spTree>
     <p:extLst>
       <p:ext uri="{BB962C8B-B14F-4D97-AF65-F5344CB8AC3E}">
-        <p14:creationId xmlns:p14="http://schemas.microsoft.com/office/powerpoint/2010/main" val="1585903776"/>
+        <p14:creationId xmlns:p14="http://schemas.microsoft.com/office/powerpoint/2010/main" val="3145583790"/>
       </p:ext>
     </p:extLst>
   </p:cSld>
@@ -3693,73 +3777,199 @@
             <p:ph type="title"/>
           </p:nvPr>
         </p:nvSpPr>
+        <p:spPr/>
+        <p:txBody>
+          <a:bodyPr/>
+          <a:lstStyle/>
+          <a:p>
+            <a:r>
+              <a:rPr lang="es-MX" dirty="0" smtClean="0"/>
+              <a:t/>
+            </a:r>
+            <a:br>
+              <a:rPr lang="es-MX" dirty="0" smtClean="0"/>
+            </a:br>
+            <a:endParaRPr lang="es-MX" dirty="0"/>
+          </a:p>
+        </p:txBody>
+      </p:sp>
+      <p:sp>
+        <p:nvSpPr>
+          <p:cNvPr id="3" name="Marcador de contenido 2"/>
+          <p:cNvSpPr>
+            <a:spLocks noGrp="1"/>
+          </p:cNvSpPr>
+          <p:nvPr>
+            <p:ph idx="1"/>
+          </p:nvPr>
+        </p:nvSpPr>
+        <p:spPr>
+          <a:xfrm>
+            <a:off x="403653" y="1153298"/>
+            <a:ext cx="11549449" cy="5445210"/>
+          </a:xfrm>
+        </p:spPr>
+        <p:txBody>
+          <a:bodyPr/>
+          <a:lstStyle/>
+          <a:p>
+            <a:r>
+              <a:rPr lang="es-MX" dirty="0" smtClean="0"/>
+              <a:t>Implicaciones del Efecto Espejo</a:t>
+            </a:r>
+          </a:p>
+          <a:p>
+            <a:endParaRPr lang="es-MX" dirty="0"/>
+          </a:p>
+          <a:p>
+            <a:pPr lvl="1"/>
+            <a:r>
+              <a:rPr lang="es-MX" dirty="0" smtClean="0"/>
+              <a:t>A) El Efecto Espejo como evidencia del funcionamiento de los procesos en Memoria de Reconocimiento:</a:t>
+            </a:r>
+          </a:p>
+          <a:p>
+            <a:pPr lvl="2"/>
+            <a:r>
+              <a:rPr lang="es-MX" dirty="0" smtClean="0"/>
+              <a:t>Distintas estrategias para responder a las clases A y B, </a:t>
+            </a:r>
+            <a:r>
+              <a:rPr lang="es-MX" dirty="0"/>
+              <a:t>(</a:t>
+            </a:r>
+            <a:r>
+              <a:rPr lang="es-MX" dirty="0" err="1"/>
+              <a:t>Greene</a:t>
+            </a:r>
+            <a:r>
+              <a:rPr lang="es-MX" dirty="0"/>
+              <a:t>, 1996).</a:t>
+            </a:r>
+            <a:endParaRPr lang="es-MX" dirty="0" smtClean="0"/>
+          </a:p>
+          <a:p>
+            <a:pPr lvl="2"/>
+            <a:r>
+              <a:rPr lang="es-MX" dirty="0" smtClean="0"/>
+              <a:t>Las clases A y B atraen distinta atención, </a:t>
+            </a:r>
+            <a:r>
+              <a:rPr lang="es-MX" dirty="0"/>
+              <a:t>(</a:t>
+            </a:r>
+            <a:r>
+              <a:rPr lang="es-MX" dirty="0" err="1"/>
+              <a:t>Glanzer</a:t>
+            </a:r>
+            <a:r>
+              <a:rPr lang="es-MX" dirty="0"/>
+              <a:t> y col., 1993</a:t>
+            </a:r>
+            <a:r>
+              <a:rPr lang="es-MX" dirty="0" smtClean="0"/>
+              <a:t>).</a:t>
+            </a:r>
+          </a:p>
+          <a:p>
+            <a:pPr lvl="2"/>
+            <a:r>
+              <a:rPr lang="es-MX" dirty="0" smtClean="0"/>
+              <a:t>Discrepancias en la fuerza de memoria contenida en A y B, </a:t>
+            </a:r>
+            <a:r>
+              <a:rPr lang="es-MX" dirty="0"/>
+              <a:t>(</a:t>
+            </a:r>
+            <a:r>
+              <a:rPr lang="es-MX" dirty="0" err="1"/>
+              <a:t>Hintzman</a:t>
+            </a:r>
+            <a:r>
+              <a:rPr lang="es-MX" dirty="0"/>
+              <a:t>, 1994).</a:t>
+            </a:r>
+            <a:endParaRPr lang="es-MX" dirty="0" smtClean="0"/>
+          </a:p>
+          <a:p>
+            <a:pPr lvl="2"/>
+            <a:endParaRPr lang="es-MX" dirty="0" smtClean="0"/>
+          </a:p>
+          <a:p>
+            <a:pPr lvl="1"/>
+            <a:r>
+              <a:rPr lang="es-MX" dirty="0" smtClean="0"/>
+              <a:t>B) El Efecto Espejo como evidencia de la inadecuación del modelo de TDS para abordar el estudio de la Memoria.</a:t>
+            </a:r>
+            <a:endParaRPr lang="es-MX" dirty="0"/>
+          </a:p>
+        </p:txBody>
+      </p:sp>
+      <p:sp>
+        <p:nvSpPr>
+          <p:cNvPr id="4" name="Título 1"/>
+          <p:cNvSpPr txBox="1">
+            <a:spLocks/>
+          </p:cNvSpPr>
+          <p:nvPr/>
+        </p:nvSpPr>
         <p:spPr>
           <a:xfrm>
             <a:off x="0" y="76800"/>
-            <a:ext cx="5016843" cy="1325563"/>
-          </a:xfrm>
+            <a:ext cx="5016843" cy="788173"/>
+          </a:xfrm>
+          <a:prstGeom prst="rect">
+            <a:avLst/>
+          </a:prstGeom>
           <a:solidFill>
-            <a:srgbClr val="7030A0"/>
+            <a:schemeClr val="accent4">
+              <a:lumMod val="50000"/>
+            </a:schemeClr>
           </a:solidFill>
         </p:spPr>
         <p:txBody>
-          <a:bodyPr/>
-          <a:lstStyle/>
-          <a:p>
-            <a:r>
-              <a:rPr lang="es-MX" b="1" dirty="0" smtClean="0">
+          <a:bodyPr vert="horz" lIns="91440" tIns="45720" rIns="91440" bIns="45720" rtlCol="0" anchor="ctr">
+            <a:normAutofit/>
+          </a:bodyPr>
+          <a:lstStyle>
+            <a:lvl1pPr algn="l" defTabSz="914400" rtl="0" eaLnBrk="1" latinLnBrk="0" hangingPunct="1">
+              <a:lnSpc>
+                <a:spcPct val="90000"/>
+              </a:lnSpc>
+              <a:spcBef>
+                <a:spcPct val="0"/>
+              </a:spcBef>
+              <a:buNone/>
+              <a:defRPr sz="4400" kern="1200">
+                <a:solidFill>
+                  <a:schemeClr val="tx1"/>
+                </a:solidFill>
+                <a:latin typeface="+mj-lt"/>
+                <a:ea typeface="+mj-ea"/>
+                <a:cs typeface="+mj-cs"/>
+              </a:defRPr>
+            </a:lvl1pPr>
+          </a:lstStyle>
+          <a:p>
+            <a:r>
+              <a:rPr lang="es-MX" b="1" smtClean="0">
                 <a:solidFill>
                   <a:schemeClr val="bg1"/>
                 </a:solidFill>
               </a:rPr>
-              <a:t>Método</a:t>
-            </a:r>
-            <a:endParaRPr lang="es-MX" dirty="0"/>
-          </a:p>
-        </p:txBody>
-      </p:sp>
-      <p:sp>
-        <p:nvSpPr>
-          <p:cNvPr id="3" name="Marcador de contenido 2"/>
-          <p:cNvSpPr>
-            <a:spLocks noGrp="1"/>
-          </p:cNvSpPr>
-          <p:nvPr>
-            <p:ph idx="1"/>
-          </p:nvPr>
-        </p:nvSpPr>
-        <p:spPr/>
-        <p:txBody>
-          <a:bodyPr/>
-          <a:lstStyle/>
-          <a:p>
-            <a:r>
-              <a:rPr lang="es-MX" dirty="0" smtClean="0"/>
-              <a:t>Participantes: 41 estudiantes de la Facultad de Psicología</a:t>
-            </a:r>
-          </a:p>
-          <a:p>
-            <a:pPr lvl="1"/>
-            <a:r>
-              <a:rPr lang="es-MX" dirty="0" smtClean="0"/>
-              <a:t>Experimento 1: 20</a:t>
-            </a:r>
-          </a:p>
-          <a:p>
-            <a:pPr lvl="1"/>
-            <a:r>
-              <a:rPr lang="es-MX" dirty="0" smtClean="0"/>
-              <a:t>Experimento 2: 21</a:t>
-            </a:r>
-          </a:p>
-          <a:p>
-            <a:endParaRPr lang="es-MX" dirty="0"/>
-          </a:p>
-        </p:txBody>
-      </p:sp>
-      <p:sp>
-        <p:nvSpPr>
-          <p:cNvPr id="4" name="Título 1"/>
+              <a:t>Marco Teórico</a:t>
+            </a:r>
+            <a:r>
+              <a:rPr lang="es-MX" smtClean="0"/>
+              <a:t> </a:t>
+            </a:r>
+            <a:endParaRPr lang="es-MX" dirty="0"/>
+          </a:p>
+        </p:txBody>
+      </p:sp>
+      <p:sp>
+        <p:nvSpPr>
+          <p:cNvPr id="5" name="Título 1"/>
           <p:cNvSpPr txBox="1">
             <a:spLocks/>
           </p:cNvSpPr>
@@ -3767,14 +3977,14 @@
         </p:nvSpPr>
         <p:spPr>
           <a:xfrm>
-            <a:off x="5346356" y="739581"/>
+            <a:off x="5346357" y="225338"/>
             <a:ext cx="6845643" cy="491095"/>
           </a:xfrm>
           <a:prstGeom prst="rect">
             <a:avLst/>
           </a:prstGeom>
           <a:solidFill>
-            <a:schemeClr val="accent3">
+            <a:schemeClr val="accent4">
               <a:lumMod val="40000"/>
               <a:lumOff val="60000"/>
             </a:schemeClr>
@@ -3807,7 +4017,7 @@
             <a:pPr algn="r"/>
             <a:r>
               <a:rPr lang="es-MX" dirty="0" smtClean="0"/>
-              <a:t>Procedimiento</a:t>
+              <a:t>Efecto Espejo</a:t>
             </a:r>
             <a:endParaRPr lang="es-MX" dirty="0"/>
           </a:p>
@@ -3816,20 +4026,13 @@
     </p:spTree>
     <p:extLst>
       <p:ext uri="{BB962C8B-B14F-4D97-AF65-F5344CB8AC3E}">
-        <p14:creationId xmlns:p14="http://schemas.microsoft.com/office/powerpoint/2010/main" val="2890780191"/>
+        <p14:creationId xmlns:p14="http://schemas.microsoft.com/office/powerpoint/2010/main" val="2907636022"/>
       </p:ext>
     </p:extLst>
   </p:cSld>
   <p:clrMapOvr>
     <a:masterClrMapping/>
   </p:clrMapOvr>
-  <p:timing>
-    <p:tnLst>
-      <p:par>
-        <p:cTn id="1" dur="indefinite" restart="never" nodeType="tmRoot"/>
-      </p:par>
-    </p:tnLst>
-  </p:timing>
 </p:sld>
 </file>
 
@@ -3852,7 +4055,67 @@
       </p:grpSpPr>
       <p:sp>
         <p:nvSpPr>
-          <p:cNvPr id="2" name="Título 1"/>
+          <p:cNvPr id="3" name="Marcador de contenido 2"/>
+          <p:cNvSpPr>
+            <a:spLocks noGrp="1"/>
+          </p:cNvSpPr>
+          <p:nvPr>
+            <p:ph idx="1"/>
+          </p:nvPr>
+        </p:nvSpPr>
+        <p:spPr>
+          <a:xfrm>
+            <a:off x="436605" y="1318054"/>
+            <a:ext cx="10917195" cy="4858909"/>
+          </a:xfrm>
+        </p:spPr>
+        <p:txBody>
+          <a:bodyPr/>
+          <a:lstStyle/>
+          <a:p>
+            <a:r>
+              <a:rPr lang="es-MX" sz="3600" dirty="0" smtClean="0"/>
+              <a:t>El Efecto Espejo sólo ha sido reportado y abordado en estudios de Memoria de Reconocimiento</a:t>
+            </a:r>
+            <a:r>
+              <a:rPr lang="es-MX" sz="3600" dirty="0" smtClean="0"/>
+              <a:t>.</a:t>
+            </a:r>
+          </a:p>
+          <a:p>
+            <a:endParaRPr lang="es-MX" sz="3600" dirty="0"/>
+          </a:p>
+          <a:p>
+            <a:pPr marL="685800" lvl="2">
+              <a:spcBef>
+                <a:spcPts val="1000"/>
+              </a:spcBef>
+            </a:pPr>
+            <a:r>
+              <a:rPr lang="es-MX" sz="3600" dirty="0" smtClean="0"/>
+              <a:t>Explorar su </a:t>
+            </a:r>
+            <a:r>
+              <a:rPr lang="es-MX" sz="3600" dirty="0" err="1" smtClean="0"/>
+              <a:t>generalizabilidad</a:t>
+            </a:r>
+            <a:r>
+              <a:rPr lang="es-MX" sz="3600" dirty="0" smtClean="0"/>
+              <a:t>, permite evaluar </a:t>
+            </a:r>
+            <a:r>
+              <a:rPr lang="es-MX" sz="3600" dirty="0"/>
+              <a:t>la posibilidad de que los patrones de respuesta reportados sean producto de la aplicación de la SDT al análisis de la ejecución de los participantes y no de una discrepancia en su procesamiento durante la fase de estudio.</a:t>
+            </a:r>
+          </a:p>
+          <a:p>
+            <a:endParaRPr lang="es-MX" dirty="0"/>
+          </a:p>
+        </p:txBody>
+      </p:sp>
+      <p:sp>
+        <p:nvSpPr>
+          <p:cNvPr id="5" name="Título 4"/>
           <p:cNvSpPr>
             <a:spLocks noGrp="1"/>
           </p:cNvSpPr>
@@ -3860,34 +4123,80 @@
             <p:ph type="title"/>
           </p:nvPr>
         </p:nvSpPr>
+        <p:spPr/>
+        <p:txBody>
+          <a:bodyPr/>
+          <a:lstStyle/>
+          <a:p>
+            <a:endParaRPr lang="es-MX"/>
+          </a:p>
+        </p:txBody>
+      </p:sp>
+      <p:sp>
+        <p:nvSpPr>
+          <p:cNvPr id="6" name="Título 1"/>
+          <p:cNvSpPr txBox="1">
+            <a:spLocks/>
+          </p:cNvSpPr>
+          <p:nvPr/>
+        </p:nvSpPr>
         <p:spPr>
           <a:xfrm>
             <a:off x="0" y="76800"/>
-            <a:ext cx="5016843" cy="1325563"/>
-          </a:xfrm>
+            <a:ext cx="5016843" cy="788173"/>
+          </a:xfrm>
+          <a:prstGeom prst="rect">
+            <a:avLst/>
+          </a:prstGeom>
           <a:solidFill>
-            <a:srgbClr val="7030A0"/>
+            <a:schemeClr val="accent4">
+              <a:lumMod val="50000"/>
+            </a:schemeClr>
           </a:solidFill>
         </p:spPr>
         <p:txBody>
-          <a:bodyPr/>
-          <a:lstStyle/>
-          <a:p>
-            <a:r>
-              <a:rPr lang="es-MX" b="1" dirty="0" smtClean="0">
+          <a:bodyPr vert="horz" lIns="91440" tIns="45720" rIns="91440" bIns="45720" rtlCol="0" anchor="ctr">
+            <a:normAutofit/>
+          </a:bodyPr>
+          <a:lstStyle>
+            <a:lvl1pPr algn="l" defTabSz="914400" rtl="0" eaLnBrk="1" latinLnBrk="0" hangingPunct="1">
+              <a:lnSpc>
+                <a:spcPct val="90000"/>
+              </a:lnSpc>
+              <a:spcBef>
+                <a:spcPct val="0"/>
+              </a:spcBef>
+              <a:buNone/>
+              <a:defRPr sz="4400" kern="1200">
+                <a:solidFill>
+                  <a:schemeClr val="tx1"/>
+                </a:solidFill>
+                <a:latin typeface="+mj-lt"/>
+                <a:ea typeface="+mj-ea"/>
+                <a:cs typeface="+mj-cs"/>
+              </a:defRPr>
+            </a:lvl1pPr>
+          </a:lstStyle>
+          <a:p>
+            <a:r>
+              <a:rPr lang="es-MX" b="1" smtClean="0">
                 <a:solidFill>
                   <a:schemeClr val="bg1"/>
                 </a:solidFill>
               </a:rPr>
-              <a:t>Método</a:t>
-            </a:r>
-            <a:endParaRPr lang="es-MX" dirty="0"/>
-          </a:p>
-        </p:txBody>
-      </p:sp>
-      <p:sp>
-        <p:nvSpPr>
-          <p:cNvPr id="4" name="Título 1"/>
+              <a:t>Marco Teórico</a:t>
+            </a:r>
+            <a:r>
+              <a:rPr lang="es-MX" smtClean="0"/>
+              <a:t> </a:t>
+            </a:r>
+            <a:endParaRPr lang="es-MX" dirty="0"/>
+          </a:p>
+        </p:txBody>
+      </p:sp>
+      <p:sp>
+        <p:nvSpPr>
+          <p:cNvPr id="7" name="Título 1"/>
           <p:cNvSpPr txBox="1">
             <a:spLocks/>
           </p:cNvSpPr>
@@ -3895,14 +4204,14 @@
         </p:nvSpPr>
         <p:spPr>
           <a:xfrm>
-            <a:off x="5346356" y="739581"/>
+            <a:off x="5346357" y="225338"/>
             <a:ext cx="6845643" cy="491095"/>
           </a:xfrm>
           <a:prstGeom prst="rect">
             <a:avLst/>
           </a:prstGeom>
           <a:solidFill>
-            <a:schemeClr val="accent3">
+            <a:schemeClr val="accent4">
               <a:lumMod val="40000"/>
               <a:lumOff val="60000"/>
             </a:schemeClr>
@@ -3935,95 +4244,16 @@
             <a:pPr algn="r"/>
             <a:r>
               <a:rPr lang="es-MX" dirty="0" smtClean="0"/>
-              <a:t>Procedimiento</a:t>
-            </a:r>
-            <a:endParaRPr lang="es-MX" dirty="0"/>
-          </a:p>
-        </p:txBody>
-      </p:sp>
-      <p:sp>
-        <p:nvSpPr>
-          <p:cNvPr id="5" name="Marcador de contenido 4"/>
-          <p:cNvSpPr>
-            <a:spLocks noGrp="1"/>
-          </p:cNvSpPr>
-          <p:nvPr>
-            <p:ph idx="1"/>
-          </p:nvPr>
-        </p:nvSpPr>
-        <p:spPr>
-          <a:xfrm>
-            <a:off x="747584" y="1619679"/>
-            <a:ext cx="10515600" cy="4351338"/>
-          </a:xfrm>
-        </p:spPr>
-        <p:txBody>
-          <a:bodyPr/>
-          <a:lstStyle/>
-          <a:p>
-            <a:pPr marL="0" indent="0">
-              <a:buNone/>
-            </a:pPr>
-            <a:r>
-              <a:rPr lang="es-MX" dirty="0" smtClean="0"/>
-              <a:t>1.- Tarea de detección binaria</a:t>
-            </a:r>
-            <a:endParaRPr lang="es-MX" dirty="0"/>
-          </a:p>
-        </p:txBody>
-      </p:sp>
-      <p:pic>
-        <p:nvPicPr>
-          <p:cNvPr id="6" name="Imagen 5"/>
-          <p:cNvPicPr>
-            <a:picLocks noChangeAspect="1"/>
-          </p:cNvPicPr>
-          <p:nvPr/>
-        </p:nvPicPr>
-        <p:blipFill>
-          <a:blip r:embed="rId2"/>
-          <a:stretch>
-            <a:fillRect/>
-          </a:stretch>
-        </p:blipFill>
-        <p:spPr>
-          <a:xfrm>
-            <a:off x="98081" y="2339932"/>
-            <a:ext cx="5248275" cy="3743325"/>
-          </a:xfrm>
-          <a:prstGeom prst="rect">
-            <a:avLst/>
-          </a:prstGeom>
-        </p:spPr>
-      </p:pic>
-      <p:pic>
-        <p:nvPicPr>
-          <p:cNvPr id="7" name="Imagen 6"/>
-          <p:cNvPicPr>
-            <a:picLocks noChangeAspect="1"/>
-          </p:cNvPicPr>
-          <p:nvPr/>
-        </p:nvPicPr>
-        <p:blipFill>
-          <a:blip r:embed="rId3"/>
-          <a:stretch>
-            <a:fillRect/>
-          </a:stretch>
-        </p:blipFill>
-        <p:spPr>
-          <a:xfrm>
-            <a:off x="6511624" y="2339932"/>
-            <a:ext cx="4638675" cy="3762375"/>
-          </a:xfrm>
-          <a:prstGeom prst="rect">
-            <a:avLst/>
-          </a:prstGeom>
-        </p:spPr>
-      </p:pic>
+              <a:t>Planteamiento del Problema</a:t>
+            </a:r>
+            <a:endParaRPr lang="es-MX" dirty="0"/>
+          </a:p>
+        </p:txBody>
+      </p:sp>
     </p:spTree>
     <p:extLst>
       <p:ext uri="{BB962C8B-B14F-4D97-AF65-F5344CB8AC3E}">
-        <p14:creationId xmlns:p14="http://schemas.microsoft.com/office/powerpoint/2010/main" val="261161735"/>
+        <p14:creationId xmlns:p14="http://schemas.microsoft.com/office/powerpoint/2010/main" val="3275110836"/>
       </p:ext>
     </p:extLst>
   </p:cSld>
@@ -4067,111 +4297,21 @@
             <p:ph type="title"/>
           </p:nvPr>
         </p:nvSpPr>
-        <p:spPr/>
-        <p:txBody>
-          <a:bodyPr/>
-          <a:lstStyle/>
-          <a:p>
-            <a:endParaRPr lang="es-MX"/>
-          </a:p>
-        </p:txBody>
-      </p:sp>
-      <p:sp>
-        <p:nvSpPr>
-          <p:cNvPr id="3" name="Marcador de contenido 2"/>
-          <p:cNvSpPr>
-            <a:spLocks noGrp="1"/>
-          </p:cNvSpPr>
-          <p:nvPr>
-            <p:ph idx="1"/>
-          </p:nvPr>
-        </p:nvSpPr>
-        <p:spPr/>
-        <p:txBody>
-          <a:bodyPr/>
-          <a:lstStyle/>
-          <a:p>
-            <a:pPr marL="0" indent="0">
-              <a:buNone/>
-            </a:pPr>
-            <a:r>
-              <a:rPr lang="es-MX" dirty="0" smtClean="0"/>
-              <a:t>2. Tarea con Escala de Confianza</a:t>
-            </a:r>
-            <a:endParaRPr lang="es-MX" dirty="0"/>
-          </a:p>
-        </p:txBody>
-      </p:sp>
-      <p:pic>
-        <p:nvPicPr>
-          <p:cNvPr id="4" name="Imagen 3"/>
-          <p:cNvPicPr>
-            <a:picLocks noChangeAspect="1"/>
-          </p:cNvPicPr>
-          <p:nvPr/>
-        </p:nvPicPr>
-        <p:blipFill>
-          <a:blip r:embed="rId2"/>
-          <a:stretch>
-            <a:fillRect/>
-          </a:stretch>
-        </p:blipFill>
-        <p:spPr>
-          <a:xfrm>
-            <a:off x="3264629" y="2548453"/>
-            <a:ext cx="5267325" cy="3095625"/>
-          </a:xfrm>
-          <a:prstGeom prst="rect">
-            <a:avLst/>
-          </a:prstGeom>
-        </p:spPr>
-      </p:pic>
-      <p:sp>
-        <p:nvSpPr>
-          <p:cNvPr id="5" name="Título 1"/>
-          <p:cNvSpPr txBox="1">
-            <a:spLocks/>
-          </p:cNvSpPr>
-          <p:nvPr/>
-        </p:nvSpPr>
         <p:spPr>
           <a:xfrm>
             <a:off x="0" y="76800"/>
             <a:ext cx="5016843" cy="1325563"/>
           </a:xfrm>
-          <a:prstGeom prst="rect">
-            <a:avLst/>
-          </a:prstGeom>
           <a:solidFill>
             <a:srgbClr val="7030A0"/>
           </a:solidFill>
         </p:spPr>
         <p:txBody>
-          <a:bodyPr vert="horz" lIns="91440" tIns="45720" rIns="91440" bIns="45720" rtlCol="0" anchor="ctr">
-            <a:normAutofit/>
-          </a:bodyPr>
-          <a:lstStyle>
-            <a:lvl1pPr algn="l" defTabSz="914400" rtl="0" eaLnBrk="1" latinLnBrk="0" hangingPunct="1">
-              <a:lnSpc>
-                <a:spcPct val="90000"/>
-              </a:lnSpc>
-              <a:spcBef>
-                <a:spcPct val="0"/>
-              </a:spcBef>
-              <a:buNone/>
-              <a:defRPr sz="4400" kern="1200">
-                <a:solidFill>
-                  <a:schemeClr val="tx1"/>
-                </a:solidFill>
-                <a:latin typeface="+mj-lt"/>
-                <a:ea typeface="+mj-ea"/>
-                <a:cs typeface="+mj-cs"/>
-              </a:defRPr>
-            </a:lvl1pPr>
-          </a:lstStyle>
-          <a:p>
-            <a:r>
-              <a:rPr lang="es-MX" b="1" smtClean="0">
+          <a:bodyPr/>
+          <a:lstStyle/>
+          <a:p>
+            <a:r>
+              <a:rPr lang="es-MX" b="1" dirty="0" smtClean="0">
                 <a:solidFill>
                   <a:schemeClr val="bg1"/>
                 </a:solidFill>
@@ -4184,7 +4324,46 @@
       </p:sp>
       <p:sp>
         <p:nvSpPr>
-          <p:cNvPr id="6" name="Título 1"/>
+          <p:cNvPr id="3" name="Marcador de contenido 2"/>
+          <p:cNvSpPr>
+            <a:spLocks noGrp="1"/>
+          </p:cNvSpPr>
+          <p:nvPr>
+            <p:ph idx="1"/>
+          </p:nvPr>
+        </p:nvSpPr>
+        <p:spPr/>
+        <p:txBody>
+          <a:bodyPr>
+            <a:normAutofit/>
+          </a:bodyPr>
+          <a:lstStyle/>
+          <a:p>
+            <a:r>
+              <a:rPr lang="es-MX" sz="4800" b="1" dirty="0" smtClean="0"/>
+              <a:t>OBJETIVO: </a:t>
+            </a:r>
+            <a:r>
+              <a:rPr lang="es-MX" sz="4800" dirty="0" smtClean="0"/>
+              <a:t>Buscar </a:t>
+            </a:r>
+            <a:r>
+              <a:rPr lang="es-MX" sz="4800" dirty="0"/>
+              <a:t>evidencia del Efecto Espejo fuera del área de Memoria de </a:t>
+            </a:r>
+            <a:r>
+              <a:rPr lang="es-MX" sz="4800" dirty="0" smtClean="0"/>
+              <a:t>Reconocimiento, en una tarea de detección perceptual.</a:t>
+            </a:r>
+          </a:p>
+          <a:p>
+            <a:endParaRPr lang="es-MX" sz="4800" dirty="0" smtClean="0"/>
+          </a:p>
+        </p:txBody>
+      </p:sp>
+      <p:sp>
+        <p:nvSpPr>
+          <p:cNvPr id="4" name="Título 1"/>
           <p:cNvSpPr txBox="1">
             <a:spLocks/>
           </p:cNvSpPr>
@@ -4232,7 +4411,7 @@
             <a:pPr algn="r"/>
             <a:r>
               <a:rPr lang="es-MX" dirty="0" smtClean="0"/>
-              <a:t>Procedimiento</a:t>
+              <a:t>Planteamiento general</a:t>
             </a:r>
             <a:endParaRPr lang="es-MX" dirty="0"/>
           </a:p>
@@ -4241,7 +4420,7 @@
     </p:spTree>
     <p:extLst>
       <p:ext uri="{BB962C8B-B14F-4D97-AF65-F5344CB8AC3E}">
-        <p14:creationId xmlns:p14="http://schemas.microsoft.com/office/powerpoint/2010/main" val="1761518388"/>
+        <p14:creationId xmlns:p14="http://schemas.microsoft.com/office/powerpoint/2010/main" val="1181663096"/>
       </p:ext>
     </p:extLst>
   </p:cSld>
@@ -4291,9 +4470,7 @@
             <a:ext cx="5016843" cy="1325563"/>
           </a:xfrm>
           <a:solidFill>
-            <a:schemeClr val="accent1">
-              <a:lumMod val="75000"/>
-            </a:schemeClr>
+            <a:srgbClr val="7030A0"/>
           </a:solidFill>
         </p:spPr>
         <p:txBody>
@@ -4306,42 +4483,83 @@
                   <a:schemeClr val="bg1"/>
                 </a:solidFill>
               </a:rPr>
-              <a:t>Resultados</a:t>
-            </a:r>
-            <a:r>
-              <a:rPr lang="es-MX" dirty="0" smtClean="0"/>
-              <a:t> </a:t>
-            </a:r>
-            <a:endParaRPr lang="es-MX" dirty="0"/>
-          </a:p>
-        </p:txBody>
-      </p:sp>
-      <p:pic>
-        <p:nvPicPr>
-          <p:cNvPr id="6" name="Marcador de contenido 5"/>
-          <p:cNvPicPr>
-            <a:picLocks noGrp="1" noChangeAspect="1"/>
-          </p:cNvPicPr>
+              <a:t>Método</a:t>
+            </a:r>
+            <a:endParaRPr lang="es-MX" dirty="0"/>
+          </a:p>
+        </p:txBody>
+      </p:sp>
+      <p:sp>
+        <p:nvSpPr>
+          <p:cNvPr id="3" name="Marcador de contenido 2"/>
+          <p:cNvSpPr>
+            <a:spLocks noGrp="1"/>
+          </p:cNvSpPr>
           <p:nvPr>
             <p:ph idx="1"/>
           </p:nvPr>
-        </p:nvPicPr>
-        <p:blipFill>
-          <a:blip r:embed="rId2"/>
-          <a:stretch>
-            <a:fillRect/>
-          </a:stretch>
-        </p:blipFill>
-        <p:spPr>
-          <a:xfrm>
-            <a:off x="1845276" y="2117125"/>
-            <a:ext cx="8047530" cy="3941870"/>
-          </a:xfrm>
-          <a:prstGeom prst="rect">
-            <a:avLst/>
-          </a:prstGeom>
-        </p:spPr>
-      </p:pic>
+        </p:nvSpPr>
+        <p:spPr/>
+        <p:txBody>
+          <a:bodyPr>
+            <a:normAutofit/>
+          </a:bodyPr>
+          <a:lstStyle/>
+          <a:p>
+            <a:r>
+              <a:rPr lang="es-MX" dirty="0" smtClean="0"/>
+              <a:t>TAREA: Los </a:t>
+            </a:r>
+            <a:r>
+              <a:rPr lang="es-MX" dirty="0"/>
+              <a:t>participantes tenían </a:t>
+            </a:r>
+            <a:r>
+              <a:rPr lang="es-MX" dirty="0" smtClean="0"/>
+              <a:t>que comparar el </a:t>
+            </a:r>
+            <a:r>
+              <a:rPr lang="es-MX" dirty="0"/>
+              <a:t>tamaño de dos círculos mostrados en pantalla y </a:t>
+            </a:r>
+            <a:r>
+              <a:rPr lang="es-MX" b="1" dirty="0" smtClean="0"/>
+              <a:t>señalar cuando estos fueran del </a:t>
+            </a:r>
+            <a:r>
+              <a:rPr lang="es-MX" b="1" dirty="0"/>
+              <a:t>mismo diámetro (</a:t>
+            </a:r>
+            <a:r>
+              <a:rPr lang="es-MX" b="1" dirty="0" smtClean="0"/>
+              <a:t>señal</a:t>
+            </a:r>
+            <a:r>
+              <a:rPr lang="es-MX" b="1" dirty="0" smtClean="0"/>
+              <a:t>).</a:t>
+            </a:r>
+          </a:p>
+          <a:p>
+            <a:pPr lvl="1"/>
+            <a:r>
+              <a:rPr lang="es-MX" dirty="0" smtClean="0"/>
+              <a:t>Tarea </a:t>
+            </a:r>
+            <a:r>
+              <a:rPr lang="es-MX" dirty="0" smtClean="0"/>
+              <a:t>de detección binaria (Sí/No)</a:t>
+            </a:r>
+          </a:p>
+          <a:p>
+            <a:pPr lvl="1"/>
+            <a:r>
+              <a:rPr lang="es-MX" dirty="0" smtClean="0"/>
+              <a:t>Escala de Confianza (1,2,3)</a:t>
+            </a:r>
+            <a:endParaRPr lang="es-MX" dirty="0"/>
+          </a:p>
+        </p:txBody>
+      </p:sp>
       <p:sp>
         <p:nvSpPr>
           <p:cNvPr id="4" name="Título 1"/>
@@ -4359,193 +4577,7 @@
             <a:avLst/>
           </a:prstGeom>
           <a:solidFill>
-            <a:schemeClr val="accent1">
-              <a:lumMod val="40000"/>
-              <a:lumOff val="60000"/>
-            </a:schemeClr>
-          </a:solidFill>
-        </p:spPr>
-        <p:txBody>
-          <a:bodyPr vert="horz" lIns="91440" tIns="45720" rIns="91440" bIns="45720" rtlCol="0" anchor="ctr">
-            <a:normAutofit fontScale="77500" lnSpcReduction="20000"/>
-          </a:bodyPr>
-          <a:lstStyle>
-            <a:lvl1pPr algn="l" defTabSz="914400" rtl="0" eaLnBrk="1" latinLnBrk="0" hangingPunct="1">
-              <a:lnSpc>
-                <a:spcPct val="90000"/>
-              </a:lnSpc>
-              <a:spcBef>
-                <a:spcPct val="0"/>
-              </a:spcBef>
-              <a:buNone/>
-              <a:defRPr sz="4400" kern="1200">
-                <a:solidFill>
-                  <a:schemeClr val="tx1"/>
-                </a:solidFill>
-                <a:latin typeface="+mj-lt"/>
-                <a:ea typeface="+mj-ea"/>
-                <a:cs typeface="+mj-cs"/>
-              </a:defRPr>
-            </a:lvl1pPr>
-          </a:lstStyle>
-          <a:p>
-            <a:pPr algn="r"/>
-            <a:r>
-              <a:rPr lang="es-MX" dirty="0" smtClean="0"/>
-              <a:t>  </a:t>
-            </a:r>
-            <a:endParaRPr lang="es-MX" dirty="0"/>
-          </a:p>
-        </p:txBody>
-      </p:sp>
-    </p:spTree>
-    <p:extLst>
-      <p:ext uri="{BB962C8B-B14F-4D97-AF65-F5344CB8AC3E}">
-        <p14:creationId xmlns:p14="http://schemas.microsoft.com/office/powerpoint/2010/main" val="1232640533"/>
-      </p:ext>
-    </p:extLst>
-  </p:cSld>
-  <p:clrMapOvr>
-    <a:masterClrMapping/>
-  </p:clrMapOvr>
-  <p:timing>
-    <p:tnLst>
-      <p:par>
-        <p:cTn id="1" dur="indefinite" restart="never" nodeType="tmRoot"/>
-      </p:par>
-    </p:tnLst>
-  </p:timing>
-</p:sld>
-</file>
-
-<file path=ppt/slides/slide16.xml><?xml version="1.0" encoding="utf-8"?>
-<p:sld xmlns:a="http://schemas.openxmlformats.org/drawingml/2006/main" xmlns:r="http://schemas.openxmlformats.org/officeDocument/2006/relationships" xmlns:p="http://schemas.openxmlformats.org/presentationml/2006/main">
-  <p:cSld>
-    <p:spTree>
-      <p:nvGrpSpPr>
-        <p:cNvPr id="1" name=""/>
-        <p:cNvGrpSpPr/>
-        <p:nvPr/>
-      </p:nvGrpSpPr>
-      <p:grpSpPr>
-        <a:xfrm>
-          <a:off x="0" y="0"/>
-          <a:ext cx="0" cy="0"/>
-          <a:chOff x="0" y="0"/>
-          <a:chExt cx="0" cy="0"/>
-        </a:xfrm>
-      </p:grpSpPr>
-      <p:sp>
-        <p:nvSpPr>
-          <p:cNvPr id="2" name="Título 1"/>
-          <p:cNvSpPr>
-            <a:spLocks noGrp="1"/>
-          </p:cNvSpPr>
-          <p:nvPr>
-            <p:ph type="title"/>
-          </p:nvPr>
-        </p:nvSpPr>
-        <p:spPr>
-          <a:xfrm>
-            <a:off x="0" y="76800"/>
-            <a:ext cx="5016843" cy="1325563"/>
-          </a:xfrm>
-          <a:solidFill>
-            <a:schemeClr val="accent1">
-              <a:lumMod val="75000"/>
-            </a:schemeClr>
-          </a:solidFill>
-        </p:spPr>
-        <p:txBody>
-          <a:bodyPr/>
-          <a:lstStyle/>
-          <a:p>
-            <a:r>
-              <a:rPr lang="es-MX" b="1" dirty="0" smtClean="0">
-                <a:solidFill>
-                  <a:schemeClr val="bg1"/>
-                </a:solidFill>
-              </a:rPr>
-              <a:t>Resultados</a:t>
-            </a:r>
-            <a:r>
-              <a:rPr lang="es-MX" dirty="0" smtClean="0"/>
-              <a:t> </a:t>
-            </a:r>
-            <a:endParaRPr lang="es-MX" dirty="0"/>
-          </a:p>
-        </p:txBody>
-      </p:sp>
-      <p:sp>
-        <p:nvSpPr>
-          <p:cNvPr id="3" name="Marcador de contenido 2"/>
-          <p:cNvSpPr>
-            <a:spLocks noGrp="1"/>
-          </p:cNvSpPr>
-          <p:nvPr>
-            <p:ph idx="1"/>
-          </p:nvPr>
-        </p:nvSpPr>
-        <p:spPr>
-          <a:xfrm>
-            <a:off x="385119" y="1850339"/>
-            <a:ext cx="10515600" cy="4351338"/>
-          </a:xfrm>
-        </p:spPr>
-        <p:txBody>
-          <a:bodyPr/>
-          <a:lstStyle/>
-          <a:p>
-            <a:r>
-              <a:rPr lang="es-MX" dirty="0" smtClean="0"/>
-              <a:t>Réplica paso a paso de los análisis reportados en literatura de Memoria de Reconocimiento.</a:t>
-            </a:r>
-          </a:p>
-          <a:p>
-            <a:endParaRPr lang="es-MX" dirty="0"/>
-          </a:p>
-          <a:p>
-            <a:pPr marL="0" indent="0">
-              <a:buNone/>
-            </a:pPr>
-            <a:r>
-              <a:rPr lang="es-MX" dirty="0"/>
-              <a:t>	</a:t>
-            </a:r>
-            <a:r>
-              <a:rPr lang="es-MX" dirty="0" smtClean="0"/>
-              <a:t>1.- Verificar que las clases A y B realmente difieran en su 	</a:t>
-            </a:r>
-            <a:r>
-              <a:rPr lang="es-MX" dirty="0" err="1" smtClean="0"/>
-              <a:t>discriminabilidad</a:t>
-            </a:r>
-            <a:r>
-              <a:rPr lang="es-MX" dirty="0" smtClean="0"/>
-              <a:t>.</a:t>
-            </a:r>
-            <a:endParaRPr lang="es-MX" dirty="0"/>
-          </a:p>
-        </p:txBody>
-      </p:sp>
-      <p:sp>
-        <p:nvSpPr>
-          <p:cNvPr id="4" name="Título 1"/>
-          <p:cNvSpPr txBox="1">
-            <a:spLocks/>
-          </p:cNvSpPr>
-          <p:nvPr/>
-        </p:nvSpPr>
-        <p:spPr>
-          <a:xfrm>
-            <a:off x="5346356" y="739581"/>
-            <a:ext cx="6845643" cy="491095"/>
-          </a:xfrm>
-          <a:prstGeom prst="rect">
-            <a:avLst/>
-          </a:prstGeom>
-          <a:solidFill>
-            <a:schemeClr val="accent1">
+            <a:schemeClr val="accent3">
               <a:lumMod val="40000"/>
               <a:lumOff val="60000"/>
             </a:schemeClr>
@@ -4578,7 +4610,512 @@
             <a:pPr algn="r"/>
             <a:r>
               <a:rPr lang="es-MX" dirty="0" smtClean="0"/>
-              <a:t>PARTE I  </a:t>
+              <a:t>Planteamiento general</a:t>
+            </a:r>
+            <a:endParaRPr lang="es-MX" dirty="0"/>
+          </a:p>
+        </p:txBody>
+      </p:sp>
+      <p:sp>
+        <p:nvSpPr>
+          <p:cNvPr id="6" name="CuadroTexto 5"/>
+          <p:cNvSpPr txBox="1"/>
+          <p:nvPr/>
+        </p:nvSpPr>
+        <p:spPr>
+          <a:xfrm>
+            <a:off x="609599" y="4001294"/>
+            <a:ext cx="4053017" cy="2308324"/>
+          </a:xfrm>
+          <a:prstGeom prst="rect">
+            <a:avLst/>
+          </a:prstGeom>
+          <a:solidFill>
+            <a:schemeClr val="accent5">
+              <a:lumMod val="40000"/>
+              <a:lumOff val="60000"/>
+            </a:schemeClr>
+          </a:solidFill>
+        </p:spPr>
+        <p:txBody>
+          <a:bodyPr wrap="square" rtlCol="0">
+            <a:spAutoFit/>
+          </a:bodyPr>
+          <a:lstStyle/>
+          <a:p>
+            <a:pPr algn="ctr"/>
+            <a:r>
+              <a:rPr lang="es-MX" dirty="0" smtClean="0"/>
+              <a:t>Experimento 1</a:t>
+            </a:r>
+          </a:p>
+          <a:p>
+            <a:pPr algn="ctr"/>
+            <a:endParaRPr lang="es-MX" dirty="0"/>
+          </a:p>
+          <a:p>
+            <a:pPr algn="ctr"/>
+            <a:endParaRPr lang="es-MX" dirty="0" smtClean="0"/>
+          </a:p>
+          <a:p>
+            <a:pPr algn="ctr"/>
+            <a:endParaRPr lang="es-MX" dirty="0"/>
+          </a:p>
+          <a:p>
+            <a:pPr algn="ctr"/>
+            <a:endParaRPr lang="es-MX" dirty="0" smtClean="0"/>
+          </a:p>
+          <a:p>
+            <a:pPr algn="ctr"/>
+            <a:endParaRPr lang="es-MX" dirty="0"/>
+          </a:p>
+          <a:p>
+            <a:pPr algn="ctr"/>
+            <a:endParaRPr lang="es-MX" dirty="0" smtClean="0"/>
+          </a:p>
+          <a:p>
+            <a:pPr algn="ctr"/>
+            <a:endParaRPr lang="es-MX" dirty="0" smtClean="0"/>
+          </a:p>
+        </p:txBody>
+      </p:sp>
+      <p:sp>
+        <p:nvSpPr>
+          <p:cNvPr id="7" name="CuadroTexto 6"/>
+          <p:cNvSpPr txBox="1"/>
+          <p:nvPr/>
+        </p:nvSpPr>
+        <p:spPr>
+          <a:xfrm>
+            <a:off x="6742668" y="3934967"/>
+            <a:ext cx="4053017" cy="2308324"/>
+          </a:xfrm>
+          <a:prstGeom prst="rect">
+            <a:avLst/>
+          </a:prstGeom>
+          <a:solidFill>
+            <a:schemeClr val="accent5">
+              <a:lumMod val="40000"/>
+              <a:lumOff val="60000"/>
+            </a:schemeClr>
+          </a:solidFill>
+        </p:spPr>
+        <p:txBody>
+          <a:bodyPr wrap="square" rtlCol="0">
+            <a:spAutoFit/>
+          </a:bodyPr>
+          <a:lstStyle/>
+          <a:p>
+            <a:pPr algn="ctr"/>
+            <a:r>
+              <a:rPr lang="es-MX" dirty="0" smtClean="0"/>
+              <a:t>Experimento 2</a:t>
+            </a:r>
+          </a:p>
+          <a:p>
+            <a:pPr algn="ctr"/>
+            <a:endParaRPr lang="es-MX" dirty="0"/>
+          </a:p>
+          <a:p>
+            <a:pPr algn="ctr"/>
+            <a:endParaRPr lang="es-MX" dirty="0" smtClean="0"/>
+          </a:p>
+          <a:p>
+            <a:pPr algn="ctr"/>
+            <a:endParaRPr lang="es-MX" dirty="0"/>
+          </a:p>
+          <a:p>
+            <a:pPr algn="ctr"/>
+            <a:endParaRPr lang="es-MX" dirty="0" smtClean="0"/>
+          </a:p>
+          <a:p>
+            <a:pPr algn="ctr"/>
+            <a:endParaRPr lang="es-MX" dirty="0"/>
+          </a:p>
+          <a:p>
+            <a:pPr algn="ctr"/>
+            <a:endParaRPr lang="es-MX" dirty="0" smtClean="0"/>
+          </a:p>
+          <a:p>
+            <a:pPr algn="ctr"/>
+            <a:endParaRPr lang="es-MX" dirty="0" smtClean="0"/>
+          </a:p>
+        </p:txBody>
+      </p:sp>
+      <p:sp>
+        <p:nvSpPr>
+          <p:cNvPr id="8" name="Elipse 7"/>
+          <p:cNvSpPr/>
+          <p:nvPr/>
+        </p:nvSpPr>
+        <p:spPr>
+          <a:xfrm>
+            <a:off x="675501" y="4621427"/>
+            <a:ext cx="1614617" cy="1351006"/>
+          </a:xfrm>
+          <a:prstGeom prst="ellipse">
+            <a:avLst/>
+          </a:prstGeom>
+        </p:spPr>
+        <p:style>
+          <a:lnRef idx="2">
+            <a:schemeClr val="accent1">
+              <a:shade val="50000"/>
+            </a:schemeClr>
+          </a:lnRef>
+          <a:fillRef idx="1">
+            <a:schemeClr val="accent1"/>
+          </a:fillRef>
+          <a:effectRef idx="0">
+            <a:schemeClr val="accent1"/>
+          </a:effectRef>
+          <a:fontRef idx="minor">
+            <a:schemeClr val="lt1"/>
+          </a:fontRef>
+        </p:style>
+        <p:txBody>
+          <a:bodyPr rtlCol="0" anchor="ctr"/>
+          <a:lstStyle/>
+          <a:p>
+            <a:pPr algn="ctr"/>
+            <a:r>
+              <a:rPr lang="es-MX" sz="1500" dirty="0" err="1" smtClean="0"/>
+              <a:t>Ebbinghaus</a:t>
+            </a:r>
+            <a:endParaRPr lang="es-MX" sz="1500" dirty="0"/>
+          </a:p>
+        </p:txBody>
+      </p:sp>
+      <p:sp>
+        <p:nvSpPr>
+          <p:cNvPr id="9" name="Elipse 8"/>
+          <p:cNvSpPr/>
+          <p:nvPr/>
+        </p:nvSpPr>
+        <p:spPr>
+          <a:xfrm>
+            <a:off x="6825047" y="4621427"/>
+            <a:ext cx="1614617" cy="1351006"/>
+          </a:xfrm>
+          <a:prstGeom prst="ellipse">
+            <a:avLst/>
+          </a:prstGeom>
+        </p:spPr>
+        <p:style>
+          <a:lnRef idx="2">
+            <a:schemeClr val="accent1">
+              <a:shade val="50000"/>
+            </a:schemeClr>
+          </a:lnRef>
+          <a:fillRef idx="1">
+            <a:schemeClr val="accent1"/>
+          </a:fillRef>
+          <a:effectRef idx="0">
+            <a:schemeClr val="accent1"/>
+          </a:effectRef>
+          <a:fontRef idx="minor">
+            <a:schemeClr val="lt1"/>
+          </a:fontRef>
+        </p:style>
+        <p:txBody>
+          <a:bodyPr rtlCol="0" anchor="ctr"/>
+          <a:lstStyle/>
+          <a:p>
+            <a:pPr algn="ctr"/>
+            <a:r>
+              <a:rPr lang="es-MX" sz="1500" dirty="0" err="1" smtClean="0"/>
+              <a:t>Ebbinghaus</a:t>
+            </a:r>
+            <a:endParaRPr lang="es-MX" sz="1500" dirty="0"/>
+          </a:p>
+        </p:txBody>
+      </p:sp>
+      <p:sp>
+        <p:nvSpPr>
+          <p:cNvPr id="10" name="Elipse 9"/>
+          <p:cNvSpPr/>
+          <p:nvPr/>
+        </p:nvSpPr>
+        <p:spPr>
+          <a:xfrm>
+            <a:off x="9073976" y="4608221"/>
+            <a:ext cx="1614617" cy="1351006"/>
+          </a:xfrm>
+          <a:prstGeom prst="ellipse">
+            <a:avLst/>
+          </a:prstGeom>
+        </p:spPr>
+        <p:style>
+          <a:lnRef idx="2">
+            <a:schemeClr val="accent1">
+              <a:shade val="50000"/>
+            </a:schemeClr>
+          </a:lnRef>
+          <a:fillRef idx="1">
+            <a:schemeClr val="accent1"/>
+          </a:fillRef>
+          <a:effectRef idx="0">
+            <a:schemeClr val="accent1"/>
+          </a:effectRef>
+          <a:fontRef idx="minor">
+            <a:schemeClr val="lt1"/>
+          </a:fontRef>
+        </p:style>
+        <p:txBody>
+          <a:bodyPr rtlCol="0" anchor="ctr"/>
+          <a:lstStyle/>
+          <a:p>
+            <a:pPr algn="ctr"/>
+            <a:r>
+              <a:rPr lang="es-MX" sz="1500" dirty="0" err="1" smtClean="0"/>
+              <a:t>Ebbinghaus</a:t>
+            </a:r>
+            <a:endParaRPr lang="es-MX" sz="1500" dirty="0"/>
+          </a:p>
+        </p:txBody>
+      </p:sp>
+      <p:sp>
+        <p:nvSpPr>
+          <p:cNvPr id="11" name="Elipse 10"/>
+          <p:cNvSpPr/>
+          <p:nvPr/>
+        </p:nvSpPr>
+        <p:spPr>
+          <a:xfrm>
+            <a:off x="3171568" y="4736757"/>
+            <a:ext cx="1070917" cy="1029730"/>
+          </a:xfrm>
+          <a:prstGeom prst="ellipse">
+            <a:avLst/>
+          </a:prstGeom>
+          <a:solidFill>
+            <a:schemeClr val="accent3">
+              <a:lumMod val="20000"/>
+              <a:lumOff val="80000"/>
+            </a:schemeClr>
+          </a:solidFill>
+        </p:spPr>
+        <p:style>
+          <a:lnRef idx="2">
+            <a:schemeClr val="accent1">
+              <a:shade val="50000"/>
+            </a:schemeClr>
+          </a:lnRef>
+          <a:fillRef idx="1">
+            <a:schemeClr val="accent1"/>
+          </a:fillRef>
+          <a:effectRef idx="0">
+            <a:schemeClr val="accent1"/>
+          </a:effectRef>
+          <a:fontRef idx="minor">
+            <a:schemeClr val="lt1"/>
+          </a:fontRef>
+        </p:style>
+        <p:txBody>
+          <a:bodyPr rtlCol="0" anchor="ctr"/>
+          <a:lstStyle/>
+          <a:p>
+            <a:pPr algn="ctr"/>
+            <a:r>
+              <a:rPr lang="es-MX" sz="1500" dirty="0" smtClean="0">
+                <a:solidFill>
+                  <a:schemeClr val="tx1"/>
+                </a:solidFill>
+              </a:rPr>
+              <a:t>Circulo Aislado</a:t>
+            </a:r>
+            <a:endParaRPr lang="es-MX" sz="1500" dirty="0">
+              <a:solidFill>
+                <a:schemeClr val="tx1"/>
+              </a:solidFill>
+            </a:endParaRPr>
+          </a:p>
+        </p:txBody>
+      </p:sp>
+    </p:spTree>
+    <p:extLst>
+      <p:ext uri="{BB962C8B-B14F-4D97-AF65-F5344CB8AC3E}">
+        <p14:creationId xmlns:p14="http://schemas.microsoft.com/office/powerpoint/2010/main" val="4265090562"/>
+      </p:ext>
+    </p:extLst>
+  </p:cSld>
+  <p:clrMapOvr>
+    <a:masterClrMapping/>
+  </p:clrMapOvr>
+</p:sld>
+</file>
+
+<file path=ppt/slides/slide16.xml><?xml version="1.0" encoding="utf-8"?>
+<p:sld xmlns:a="http://schemas.openxmlformats.org/drawingml/2006/main" xmlns:r="http://schemas.openxmlformats.org/officeDocument/2006/relationships" xmlns:p="http://schemas.openxmlformats.org/presentationml/2006/main">
+  <p:cSld>
+    <p:spTree>
+      <p:nvGrpSpPr>
+        <p:cNvPr id="1" name=""/>
+        <p:cNvGrpSpPr/>
+        <p:nvPr/>
+      </p:nvGrpSpPr>
+      <p:grpSpPr>
+        <a:xfrm>
+          <a:off x="0" y="0"/>
+          <a:ext cx="0" cy="0"/>
+          <a:chOff x="0" y="0"/>
+          <a:chExt cx="0" cy="0"/>
+        </a:xfrm>
+      </p:grpSpPr>
+      <p:sp>
+        <p:nvSpPr>
+          <p:cNvPr id="2" name="Título 1"/>
+          <p:cNvSpPr>
+            <a:spLocks noGrp="1"/>
+          </p:cNvSpPr>
+          <p:nvPr>
+            <p:ph type="title"/>
+          </p:nvPr>
+        </p:nvSpPr>
+        <p:spPr>
+          <a:xfrm>
+            <a:off x="0" y="76800"/>
+            <a:ext cx="5016843" cy="1325563"/>
+          </a:xfrm>
+          <a:solidFill>
+            <a:srgbClr val="7030A0"/>
+          </a:solidFill>
+        </p:spPr>
+        <p:txBody>
+          <a:bodyPr/>
+          <a:lstStyle/>
+          <a:p>
+            <a:r>
+              <a:rPr lang="es-MX" b="1" dirty="0" smtClean="0">
+                <a:solidFill>
+                  <a:schemeClr val="bg1"/>
+                </a:solidFill>
+              </a:rPr>
+              <a:t>Método</a:t>
+            </a:r>
+            <a:endParaRPr lang="es-MX" dirty="0"/>
+          </a:p>
+        </p:txBody>
+      </p:sp>
+      <p:sp>
+        <p:nvSpPr>
+          <p:cNvPr id="3" name="Marcador de contenido 2"/>
+          <p:cNvSpPr>
+            <a:spLocks noGrp="1"/>
+          </p:cNvSpPr>
+          <p:nvPr>
+            <p:ph idx="1"/>
+          </p:nvPr>
+        </p:nvSpPr>
+        <p:spPr>
+          <a:xfrm>
+            <a:off x="5815913" y="1825625"/>
+            <a:ext cx="5815913" cy="4351338"/>
+          </a:xfrm>
+        </p:spPr>
+        <p:txBody>
+          <a:bodyPr/>
+          <a:lstStyle/>
+          <a:p>
+            <a:r>
+              <a:rPr lang="es-MX" dirty="0" smtClean="0"/>
+              <a:t>Las clases A y B se construyeron de acuerdo a la literatura (</a:t>
+            </a:r>
+            <a:r>
+              <a:rPr lang="es-MX" dirty="0" err="1" smtClean="0"/>
+              <a:t>Massaro</a:t>
+            </a:r>
+            <a:r>
+              <a:rPr lang="es-MX" dirty="0" smtClean="0"/>
+              <a:t> &amp; Anderson, 1971)</a:t>
+            </a:r>
+          </a:p>
+          <a:p>
+            <a:endParaRPr lang="es-MX" dirty="0"/>
+          </a:p>
+          <a:p>
+            <a:r>
+              <a:rPr lang="es-MX" dirty="0" smtClean="0"/>
+              <a:t>Clase A: “Pocos” círculos externos</a:t>
+            </a:r>
+          </a:p>
+          <a:p>
+            <a:pPr lvl="1"/>
+            <a:r>
+              <a:rPr lang="es-MX" dirty="0" smtClean="0"/>
+              <a:t>Dos Niveles : 2 y 3 círculos externos</a:t>
+            </a:r>
+          </a:p>
+          <a:p>
+            <a:endParaRPr lang="es-MX" dirty="0"/>
+          </a:p>
+          <a:p>
+            <a:r>
+              <a:rPr lang="es-MX" dirty="0" smtClean="0"/>
+              <a:t>Clase B: “Muchos” círculos externos</a:t>
+            </a:r>
+          </a:p>
+          <a:p>
+            <a:pPr lvl="1"/>
+            <a:r>
+              <a:rPr lang="es-MX" dirty="0" smtClean="0"/>
+              <a:t>Dos Niveles: 7 y 8 círculos externos</a:t>
+            </a:r>
+            <a:endParaRPr lang="es-MX" dirty="0"/>
+          </a:p>
+        </p:txBody>
+      </p:sp>
+      <p:sp>
+        <p:nvSpPr>
+          <p:cNvPr id="4" name="Título 1"/>
+          <p:cNvSpPr txBox="1">
+            <a:spLocks/>
+          </p:cNvSpPr>
+          <p:nvPr/>
+        </p:nvSpPr>
+        <p:spPr>
+          <a:xfrm>
+            <a:off x="5346356" y="739581"/>
+            <a:ext cx="6845643" cy="491095"/>
+          </a:xfrm>
+          <a:prstGeom prst="rect">
+            <a:avLst/>
+          </a:prstGeom>
+          <a:solidFill>
+            <a:schemeClr val="accent3">
+              <a:lumMod val="40000"/>
+              <a:lumOff val="60000"/>
+            </a:schemeClr>
+          </a:solidFill>
+        </p:spPr>
+        <p:txBody>
+          <a:bodyPr vert="horz" lIns="91440" tIns="45720" rIns="91440" bIns="45720" rtlCol="0" anchor="ctr">
+            <a:normAutofit fontScale="85000" lnSpcReduction="20000"/>
+          </a:bodyPr>
+          <a:lstStyle>
+            <a:lvl1pPr algn="l" defTabSz="914400" rtl="0" eaLnBrk="1" latinLnBrk="0" hangingPunct="1">
+              <a:lnSpc>
+                <a:spcPct val="90000"/>
+              </a:lnSpc>
+              <a:spcBef>
+                <a:spcPct val="0"/>
+              </a:spcBef>
+              <a:buNone/>
+              <a:defRPr sz="4400" kern="1200">
+                <a:solidFill>
+                  <a:schemeClr val="tx1"/>
+                </a:solidFill>
+                <a:latin typeface="+mj-lt"/>
+                <a:ea typeface="+mj-ea"/>
+                <a:cs typeface="+mj-cs"/>
+              </a:defRPr>
+            </a:lvl1pPr>
+          </a:lstStyle>
+          <a:p>
+            <a:pPr algn="r"/>
+            <a:r>
+              <a:rPr lang="es-MX" dirty="0" smtClean="0"/>
+              <a:t>Diseño Experimental</a:t>
             </a:r>
             <a:endParaRPr lang="es-MX" dirty="0"/>
           </a:p>
@@ -4600,8 +5137,8 @@
         </p:blipFill>
         <p:spPr>
           <a:xfrm>
-            <a:off x="2430162" y="4341235"/>
-            <a:ext cx="6439801" cy="2140528"/>
+            <a:off x="201569" y="1712194"/>
+            <a:ext cx="4938842" cy="4464770"/>
           </a:xfrm>
           <a:prstGeom prst="rect">
             <a:avLst/>
@@ -4611,7 +5148,7 @@
     </p:spTree>
     <p:extLst>
       <p:ext uri="{BB962C8B-B14F-4D97-AF65-F5344CB8AC3E}">
-        <p14:creationId xmlns:p14="http://schemas.microsoft.com/office/powerpoint/2010/main" val="3446346023"/>
+        <p14:creationId xmlns:p14="http://schemas.microsoft.com/office/powerpoint/2010/main" val="224586219"/>
       </p:ext>
     </p:extLst>
   </p:cSld>
@@ -4661,9 +5198,7 @@
             <a:ext cx="5016843" cy="1325563"/>
           </a:xfrm>
           <a:solidFill>
-            <a:schemeClr val="accent1">
-              <a:lumMod val="75000"/>
-            </a:schemeClr>
+            <a:srgbClr val="7030A0"/>
           </a:solidFill>
         </p:spPr>
         <p:txBody>
@@ -4676,46 +5211,7 @@
                   <a:schemeClr val="bg1"/>
                 </a:solidFill>
               </a:rPr>
-              <a:t>Resultados</a:t>
-            </a:r>
-            <a:r>
-              <a:rPr lang="es-MX" dirty="0" smtClean="0"/>
-              <a:t> </a:t>
-            </a:r>
-            <a:endParaRPr lang="es-MX" dirty="0"/>
-          </a:p>
-        </p:txBody>
-      </p:sp>
-      <p:sp>
-        <p:nvSpPr>
-          <p:cNvPr id="3" name="Marcador de contenido 2"/>
-          <p:cNvSpPr>
-            <a:spLocks noGrp="1"/>
-          </p:cNvSpPr>
-          <p:nvPr>
-            <p:ph idx="1"/>
-          </p:nvPr>
-        </p:nvSpPr>
-        <p:spPr>
-          <a:xfrm>
-            <a:off x="385119" y="1850339"/>
-            <a:ext cx="10515600" cy="4351338"/>
-          </a:xfrm>
-        </p:spPr>
-        <p:txBody>
-          <a:bodyPr/>
-          <a:lstStyle/>
-          <a:p>
-            <a:pPr marL="0" indent="0">
-              <a:buNone/>
-            </a:pPr>
-            <a:r>
-              <a:rPr lang="es-MX" dirty="0"/>
-              <a:t>	2</a:t>
-            </a:r>
-            <a:r>
-              <a:rPr lang="es-MX" dirty="0" smtClean="0"/>
-              <a:t>.- Comparar las tasas de Hits y Falsas Alarmas entre clases A y B</a:t>
+              <a:t>Método</a:t>
             </a:r>
             <a:endParaRPr lang="es-MX" dirty="0"/>
           </a:p>
@@ -4731,14 +5227,14 @@
         </p:nvSpPr>
         <p:spPr>
           <a:xfrm>
-            <a:off x="5346356" y="739581"/>
+            <a:off x="5346357" y="328848"/>
             <a:ext cx="6845643" cy="491095"/>
           </a:xfrm>
           <a:prstGeom prst="rect">
             <a:avLst/>
           </a:prstGeom>
           <a:solidFill>
-            <a:schemeClr val="accent1">
+            <a:schemeClr val="accent3">
               <a:lumMod val="40000"/>
               <a:lumOff val="60000"/>
             </a:schemeClr>
@@ -4771,8 +5267,27 @@
             <a:pPr algn="r"/>
             <a:r>
               <a:rPr lang="es-MX" dirty="0" smtClean="0"/>
-              <a:t>PARTE I  </a:t>
-            </a:r>
+              <a:t>Diseño Experimental</a:t>
+            </a:r>
+            <a:endParaRPr lang="es-MX" dirty="0"/>
+          </a:p>
+        </p:txBody>
+      </p:sp>
+      <p:sp>
+        <p:nvSpPr>
+          <p:cNvPr id="6" name="Marcador de contenido 5"/>
+          <p:cNvSpPr>
+            <a:spLocks noGrp="1"/>
+          </p:cNvSpPr>
+          <p:nvPr>
+            <p:ph idx="1"/>
+          </p:nvPr>
+        </p:nvSpPr>
+        <p:spPr/>
+        <p:txBody>
+          <a:bodyPr/>
+          <a:lstStyle/>
+          <a:p>
             <a:endParaRPr lang="es-MX" dirty="0"/>
           </a:p>
         </p:txBody>
@@ -4793,18 +5308,112 @@
         </p:blipFill>
         <p:spPr>
           <a:xfrm>
-            <a:off x="1029729" y="2654180"/>
-            <a:ext cx="10543145" cy="3878836"/>
+            <a:off x="928816" y="1508402"/>
+            <a:ext cx="3626321" cy="5349598"/>
           </a:xfrm>
           <a:prstGeom prst="rect">
             <a:avLst/>
           </a:prstGeom>
         </p:spPr>
       </p:pic>
+      <p:pic>
+        <p:nvPicPr>
+          <p:cNvPr id="8" name="Imagen 7"/>
+          <p:cNvPicPr>
+            <a:picLocks noChangeAspect="1"/>
+          </p:cNvPicPr>
+          <p:nvPr/>
+        </p:nvPicPr>
+        <p:blipFill>
+          <a:blip r:embed="rId3"/>
+          <a:stretch>
+            <a:fillRect/>
+          </a:stretch>
+        </p:blipFill>
+        <p:spPr>
+          <a:xfrm>
+            <a:off x="6341094" y="1615989"/>
+            <a:ext cx="4541090" cy="5160673"/>
+          </a:xfrm>
+          <a:prstGeom prst="rect">
+            <a:avLst/>
+          </a:prstGeom>
+        </p:spPr>
+      </p:pic>
+      <p:sp>
+        <p:nvSpPr>
+          <p:cNvPr id="9" name="CuadroTexto 8"/>
+          <p:cNvSpPr txBox="1"/>
+          <p:nvPr/>
+        </p:nvSpPr>
+        <p:spPr>
+          <a:xfrm rot="18419448">
+            <a:off x="232278" y="2392842"/>
+            <a:ext cx="1869989" cy="369332"/>
+          </a:xfrm>
+          <a:prstGeom prst="rect">
+            <a:avLst/>
+          </a:prstGeom>
+          <a:solidFill>
+            <a:schemeClr val="accent1">
+              <a:lumMod val="40000"/>
+              <a:lumOff val="60000"/>
+            </a:schemeClr>
+          </a:solidFill>
+        </p:spPr>
+        <p:txBody>
+          <a:bodyPr wrap="square" rtlCol="0">
+            <a:spAutoFit/>
+          </a:bodyPr>
+          <a:lstStyle/>
+          <a:p>
+            <a:r>
+              <a:rPr lang="es-MX" dirty="0" smtClean="0"/>
+              <a:t>Experimento 1</a:t>
+            </a:r>
+            <a:endParaRPr lang="es-MX" dirty="0"/>
+          </a:p>
+        </p:txBody>
+      </p:sp>
+      <p:sp>
+        <p:nvSpPr>
+          <p:cNvPr id="10" name="CuadroTexto 9"/>
+          <p:cNvSpPr txBox="1"/>
+          <p:nvPr/>
+        </p:nvSpPr>
+        <p:spPr>
+          <a:xfrm rot="2238587">
+            <a:off x="10582055" y="1655912"/>
+            <a:ext cx="1543490" cy="369332"/>
+          </a:xfrm>
+          <a:prstGeom prst="rect">
+            <a:avLst/>
+          </a:prstGeom>
+          <a:solidFill>
+            <a:schemeClr val="accent1">
+              <a:lumMod val="40000"/>
+              <a:lumOff val="60000"/>
+            </a:schemeClr>
+          </a:solidFill>
+        </p:spPr>
+        <p:txBody>
+          <a:bodyPr wrap="square" rtlCol="0">
+            <a:spAutoFit/>
+          </a:bodyPr>
+          <a:lstStyle/>
+          <a:p>
+            <a:r>
+              <a:rPr lang="es-MX" dirty="0" smtClean="0"/>
+              <a:t>Experimento 2</a:t>
+            </a:r>
+            <a:endParaRPr lang="es-MX" dirty="0"/>
+          </a:p>
+        </p:txBody>
+      </p:sp>
     </p:spTree>
     <p:extLst>
       <p:ext uri="{BB962C8B-B14F-4D97-AF65-F5344CB8AC3E}">
-        <p14:creationId xmlns:p14="http://schemas.microsoft.com/office/powerpoint/2010/main" val="1963102163"/>
+        <p14:creationId xmlns:p14="http://schemas.microsoft.com/office/powerpoint/2010/main" val="1585903776"/>
       </p:ext>
     </p:extLst>
   </p:cSld>
@@ -4854,9 +5463,7 @@
             <a:ext cx="5016843" cy="1325563"/>
           </a:xfrm>
           <a:solidFill>
-            <a:schemeClr val="accent1">
-              <a:lumMod val="75000"/>
-            </a:schemeClr>
+            <a:srgbClr val="7030A0"/>
           </a:solidFill>
         </p:spPr>
         <p:txBody>
@@ -4869,11 +5476,7 @@
                   <a:schemeClr val="bg1"/>
                 </a:solidFill>
               </a:rPr>
-              <a:t>Resultados</a:t>
-            </a:r>
-            <a:r>
-              <a:rPr lang="es-MX" dirty="0" smtClean="0"/>
-              <a:t> </a:t>
+              <a:t>Método</a:t>
             </a:r>
             <a:endParaRPr lang="es-MX" dirty="0"/>
           </a:p>
@@ -4889,23 +5492,31 @@
             <p:ph idx="1"/>
           </p:nvPr>
         </p:nvSpPr>
-        <p:spPr>
-          <a:xfrm>
-            <a:off x="146222" y="1568414"/>
-            <a:ext cx="10515600" cy="4351338"/>
-          </a:xfrm>
-        </p:spPr>
+        <p:spPr/>
         <p:txBody>
           <a:bodyPr/>
           <a:lstStyle/>
           <a:p>
-            <a:pPr marL="0" indent="0">
-              <a:buNone/>
-            </a:pPr>
-            <a:r>
-              <a:rPr lang="es-MX" dirty="0" smtClean="0"/>
-              <a:t>1.  Comparación A vs B (Modelo Delta)</a:t>
-            </a:r>
+            <a:r>
+              <a:rPr lang="es-MX" dirty="0" smtClean="0"/>
+              <a:t>Participantes: 41 estudiantes de la Facultad de Psicología</a:t>
+            </a:r>
+          </a:p>
+          <a:p>
+            <a:pPr lvl="1"/>
+            <a:r>
+              <a:rPr lang="es-MX" dirty="0" smtClean="0"/>
+              <a:t>Experimento 1: 20</a:t>
+            </a:r>
+          </a:p>
+          <a:p>
+            <a:pPr lvl="1"/>
+            <a:r>
+              <a:rPr lang="es-MX" dirty="0" smtClean="0"/>
+              <a:t>Experimento 2: 21</a:t>
+            </a:r>
+          </a:p>
+          <a:p>
             <a:endParaRPr lang="es-MX" dirty="0"/>
           </a:p>
         </p:txBody>
@@ -4927,7 +5538,7 @@
             <a:avLst/>
           </a:prstGeom>
           <a:solidFill>
-            <a:schemeClr val="accent1">
+            <a:schemeClr val="accent3">
               <a:lumMod val="40000"/>
               <a:lumOff val="60000"/>
             </a:schemeClr>
@@ -4960,88 +5571,16 @@
             <a:pPr algn="r"/>
             <a:r>
               <a:rPr lang="es-MX" dirty="0" smtClean="0"/>
-              <a:t>PARTE II  </a:t>
-            </a:r>
-            <a:endParaRPr lang="es-MX" dirty="0"/>
-          </a:p>
-        </p:txBody>
-      </p:sp>
-      <p:pic>
-        <p:nvPicPr>
-          <p:cNvPr id="5" name="Imagen 4"/>
-          <p:cNvPicPr>
-            <a:picLocks noChangeAspect="1"/>
-          </p:cNvPicPr>
-          <p:nvPr/>
-        </p:nvPicPr>
-        <p:blipFill>
-          <a:blip r:embed="rId2"/>
-          <a:stretch>
-            <a:fillRect/>
-          </a:stretch>
-        </p:blipFill>
-        <p:spPr>
-          <a:xfrm>
-            <a:off x="5840627" y="1502511"/>
-            <a:ext cx="6211457" cy="4865759"/>
-          </a:xfrm>
-          <a:prstGeom prst="rect">
-            <a:avLst/>
-          </a:prstGeom>
-        </p:spPr>
-      </p:pic>
-      <p:pic>
-        <p:nvPicPr>
-          <p:cNvPr id="7" name="Imagen 6"/>
-          <p:cNvPicPr>
-            <a:picLocks noChangeAspect="1"/>
-          </p:cNvPicPr>
-          <p:nvPr/>
-        </p:nvPicPr>
-        <p:blipFill>
-          <a:blip r:embed="rId3"/>
-          <a:stretch>
-            <a:fillRect/>
-          </a:stretch>
-        </p:blipFill>
-        <p:spPr>
-          <a:xfrm>
-            <a:off x="1162731" y="2272951"/>
-            <a:ext cx="3376318" cy="2362738"/>
-          </a:xfrm>
-          <a:prstGeom prst="rect">
-            <a:avLst/>
-          </a:prstGeom>
-        </p:spPr>
-      </p:pic>
-      <p:pic>
-        <p:nvPicPr>
-          <p:cNvPr id="8" name="Imagen 7"/>
-          <p:cNvPicPr>
-            <a:picLocks noChangeAspect="1"/>
-          </p:cNvPicPr>
-          <p:nvPr/>
-        </p:nvPicPr>
-        <p:blipFill>
-          <a:blip r:embed="rId4"/>
-          <a:stretch>
-            <a:fillRect/>
-          </a:stretch>
-        </p:blipFill>
-        <p:spPr>
-          <a:xfrm>
-            <a:off x="1162731" y="4730065"/>
-            <a:ext cx="3124806" cy="2127935"/>
-          </a:xfrm>
-          <a:prstGeom prst="rect">
-            <a:avLst/>
-          </a:prstGeom>
-        </p:spPr>
-      </p:pic>
+              <a:t>Procedimiento</a:t>
+            </a:r>
+            <a:endParaRPr lang="es-MX" dirty="0"/>
+          </a:p>
+        </p:txBody>
+      </p:sp>
     </p:spTree>
     <p:extLst>
       <p:ext uri="{BB962C8B-B14F-4D97-AF65-F5344CB8AC3E}">
-        <p14:creationId xmlns:p14="http://schemas.microsoft.com/office/powerpoint/2010/main" val="194622309"/>
+        <p14:creationId xmlns:p14="http://schemas.microsoft.com/office/powerpoint/2010/main" val="2890780191"/>
       </p:ext>
     </p:extLst>
   </p:cSld>
@@ -5085,18 +5624,90 @@
             <p:ph type="title"/>
           </p:nvPr>
         </p:nvSpPr>
-        <p:spPr/>
+        <p:spPr>
+          <a:xfrm>
+            <a:off x="0" y="76800"/>
+            <a:ext cx="5016843" cy="1325563"/>
+          </a:xfrm>
+          <a:solidFill>
+            <a:srgbClr val="7030A0"/>
+          </a:solidFill>
+        </p:spPr>
         <p:txBody>
           <a:bodyPr/>
           <a:lstStyle/>
           <a:p>
-            <a:endParaRPr lang="es-MX"/>
-          </a:p>
-        </p:txBody>
-      </p:sp>
-      <p:sp>
-        <p:nvSpPr>
-          <p:cNvPr id="3" name="Marcador de contenido 2"/>
+            <a:r>
+              <a:rPr lang="es-MX" b="1" dirty="0" smtClean="0">
+                <a:solidFill>
+                  <a:schemeClr val="bg1"/>
+                </a:solidFill>
+              </a:rPr>
+              <a:t>Método</a:t>
+            </a:r>
+            <a:endParaRPr lang="es-MX" dirty="0"/>
+          </a:p>
+        </p:txBody>
+      </p:sp>
+      <p:sp>
+        <p:nvSpPr>
+          <p:cNvPr id="4" name="Título 1"/>
+          <p:cNvSpPr txBox="1">
+            <a:spLocks/>
+          </p:cNvSpPr>
+          <p:nvPr/>
+        </p:nvSpPr>
+        <p:spPr>
+          <a:xfrm>
+            <a:off x="5346356" y="739581"/>
+            <a:ext cx="6845643" cy="491095"/>
+          </a:xfrm>
+          <a:prstGeom prst="rect">
+            <a:avLst/>
+          </a:prstGeom>
+          <a:solidFill>
+            <a:schemeClr val="accent3">
+              <a:lumMod val="40000"/>
+              <a:lumOff val="60000"/>
+            </a:schemeClr>
+          </a:solidFill>
+        </p:spPr>
+        <p:txBody>
+          <a:bodyPr vert="horz" lIns="91440" tIns="45720" rIns="91440" bIns="45720" rtlCol="0" anchor="ctr">
+            <a:normAutofit fontScale="85000" lnSpcReduction="20000"/>
+          </a:bodyPr>
+          <a:lstStyle>
+            <a:lvl1pPr algn="l" defTabSz="914400" rtl="0" eaLnBrk="1" latinLnBrk="0" hangingPunct="1">
+              <a:lnSpc>
+                <a:spcPct val="90000"/>
+              </a:lnSpc>
+              <a:spcBef>
+                <a:spcPct val="0"/>
+              </a:spcBef>
+              <a:buNone/>
+              <a:defRPr sz="4400" kern="1200">
+                <a:solidFill>
+                  <a:schemeClr val="tx1"/>
+                </a:solidFill>
+                <a:latin typeface="+mj-lt"/>
+                <a:ea typeface="+mj-ea"/>
+                <a:cs typeface="+mj-cs"/>
+              </a:defRPr>
+            </a:lvl1pPr>
+          </a:lstStyle>
+          <a:p>
+            <a:pPr algn="r"/>
+            <a:r>
+              <a:rPr lang="es-MX" dirty="0" smtClean="0"/>
+              <a:t>Procedimiento</a:t>
+            </a:r>
+            <a:endParaRPr lang="es-MX" dirty="0"/>
+          </a:p>
+        </p:txBody>
+      </p:sp>
+      <p:sp>
+        <p:nvSpPr>
+          <p:cNvPr id="5" name="Marcador de contenido 4"/>
           <p:cNvSpPr>
             <a:spLocks noGrp="1"/>
           </p:cNvSpPr>
@@ -5104,18 +5715,30 @@
             <p:ph idx="1"/>
           </p:nvPr>
         </p:nvSpPr>
-        <p:spPr/>
+        <p:spPr>
+          <a:xfrm>
+            <a:off x="747584" y="1619679"/>
+            <a:ext cx="10515600" cy="4351338"/>
+          </a:xfrm>
+        </p:spPr>
         <p:txBody>
           <a:bodyPr/>
           <a:lstStyle/>
           <a:p>
+            <a:pPr marL="0" indent="0">
+              <a:buNone/>
+            </a:pPr>
+            <a:r>
+              <a:rPr lang="es-MX" dirty="0" smtClean="0"/>
+              <a:t>1.- Tarea de detección binaria</a:t>
+            </a:r>
             <a:endParaRPr lang="es-MX" dirty="0"/>
           </a:p>
         </p:txBody>
       </p:sp>
       <p:pic>
         <p:nvPicPr>
-          <p:cNvPr id="4" name="Imagen 3"/>
+          <p:cNvPr id="6" name="Imagen 5"/>
           <p:cNvPicPr>
             <a:picLocks noChangeAspect="1"/>
           </p:cNvPicPr>
@@ -5129,8 +5752,8 @@
         </p:blipFill>
         <p:spPr>
           <a:xfrm>
-            <a:off x="0" y="1443203"/>
-            <a:ext cx="5759133" cy="3598369"/>
+            <a:off x="98081" y="2339932"/>
+            <a:ext cx="5248275" cy="3743325"/>
           </a:xfrm>
           <a:prstGeom prst="rect">
             <a:avLst/>
@@ -5139,7 +5762,7 @@
       </p:pic>
       <p:pic>
         <p:nvPicPr>
-          <p:cNvPr id="5" name="Imagen 4"/>
+          <p:cNvPr id="7" name="Imagen 6"/>
           <p:cNvPicPr>
             <a:picLocks noChangeAspect="1"/>
           </p:cNvPicPr>
@@ -5153,8 +5776,8 @@
         </p:blipFill>
         <p:spPr>
           <a:xfrm>
-            <a:off x="5648195" y="1282581"/>
-            <a:ext cx="6331680" cy="3919611"/>
+            <a:off x="6511624" y="2339932"/>
+            <a:ext cx="4638675" cy="3762375"/>
           </a:xfrm>
           <a:prstGeom prst="rect">
             <a:avLst/>
@@ -5164,7 +5787,7 @@
     </p:spTree>
     <p:extLst>
       <p:ext uri="{BB962C8B-B14F-4D97-AF65-F5344CB8AC3E}">
-        <p14:creationId xmlns:p14="http://schemas.microsoft.com/office/powerpoint/2010/main" val="2587561271"/>
+        <p14:creationId xmlns:p14="http://schemas.microsoft.com/office/powerpoint/2010/main" val="261161735"/>
       </p:ext>
     </p:extLst>
   </p:cSld>
@@ -5211,7 +5834,7 @@
         <p:spPr>
           <a:xfrm>
             <a:off x="0" y="76800"/>
-            <a:ext cx="5016843" cy="1325563"/>
+            <a:ext cx="5016843" cy="788173"/>
           </a:xfrm>
           <a:solidFill>
             <a:schemeClr val="accent4">
@@ -5249,10 +5872,15 @@
             <p:ph idx="1"/>
           </p:nvPr>
         </p:nvSpPr>
-        <p:spPr/>
+        <p:spPr>
+          <a:xfrm>
+            <a:off x="510746" y="1334530"/>
+            <a:ext cx="11178746" cy="5255740"/>
+          </a:xfrm>
+        </p:spPr>
         <p:txBody>
           <a:bodyPr>
-            <a:normAutofit fontScale="92500" lnSpcReduction="20000"/>
+            <a:normAutofit/>
           </a:bodyPr>
           <a:lstStyle/>
           <a:p>
@@ -5323,11 +5951,11 @@
             </a:r>
             <a:r>
               <a:rPr lang="es-MX" dirty="0" smtClean="0"/>
-              <a:t>al que </a:t>
+              <a:t>de </a:t>
             </a:r>
             <a:r>
               <a:rPr lang="es-MX" dirty="0"/>
-              <a:t>se enfrentan los organismos inmersos en situaciones de detección </a:t>
+              <a:t>detección </a:t>
             </a:r>
             <a:r>
               <a:rPr lang="es-MX" dirty="0" smtClean="0"/>
@@ -5349,57 +5977,27 @@
               <a:rPr lang="es-MX" dirty="0" smtClean="0"/>
               <a:t>. </a:t>
             </a:r>
+            <a:endParaRPr lang="es-MX" dirty="0" smtClean="0"/>
+          </a:p>
+          <a:p>
+            <a:endParaRPr lang="es-MX" dirty="0"/>
+          </a:p>
+          <a:p>
+            <a:r>
+              <a:rPr lang="es-MX" dirty="0" smtClean="0"/>
+              <a:t>La TDS funciona como un </a:t>
+            </a:r>
             <a:r>
               <a:rPr lang="es-MX" dirty="0"/>
-              <a:t>Se trata de un modelo de </a:t>
-            </a:r>
-            <a:r>
-              <a:rPr lang="es-MX" dirty="0" smtClean="0"/>
-              <a:t>decisión que </a:t>
-            </a:r>
-            <a:r>
-              <a:rPr lang="es-MX" dirty="0"/>
-              <a:t>entiende la detección como una tarea de </a:t>
-            </a:r>
-            <a:r>
-              <a:rPr lang="es-MX" dirty="0" smtClean="0"/>
-              <a:t>elección</a:t>
-            </a:r>
-            <a:r>
-              <a:rPr lang="es-MX" dirty="0"/>
-              <a:t>, donde los </a:t>
-            </a:r>
-            <a:r>
-              <a:rPr lang="es-MX" dirty="0" smtClean="0"/>
-              <a:t>organismos no </a:t>
-            </a:r>
-            <a:r>
-              <a:rPr lang="es-MX" dirty="0"/>
-              <a:t>responden simplemente con base en lo que perciben, sino </a:t>
-            </a:r>
-            <a:r>
-              <a:rPr lang="es-MX" dirty="0" smtClean="0"/>
-              <a:t>que emiten </a:t>
-            </a:r>
-            <a:r>
-              <a:rPr lang="es-MX" dirty="0"/>
-              <a:t>el juicio de detección que les permita guiar su comportamiento </a:t>
-            </a:r>
-            <a:r>
-              <a:rPr lang="es-MX" dirty="0" smtClean="0"/>
-              <a:t>de la </a:t>
-            </a:r>
-            <a:r>
-              <a:rPr lang="es-MX" dirty="0"/>
-              <a:t>manera mas óptima posible dada la información que poseen sobre </a:t>
-            </a:r>
-            <a:r>
-              <a:rPr lang="es-MX" dirty="0" smtClean="0"/>
-              <a:t>su entorno </a:t>
-            </a:r>
-            <a:r>
-              <a:rPr lang="es-MX" dirty="0"/>
-              <a:t>y la evidencia presente, (</a:t>
+              <a:t>modelo de </a:t>
+            </a:r>
+            <a:r>
+              <a:rPr lang="es-MX" b="1" dirty="0" smtClean="0"/>
+              <a:t>decisión </a:t>
+            </a:r>
+            <a:r>
+              <a:rPr lang="es-MX" dirty="0" smtClean="0"/>
+              <a:t>(</a:t>
             </a:r>
             <a:r>
               <a:rPr lang="es-MX" dirty="0" err="1"/>
@@ -5450,7 +6048,7 @@
         </p:nvSpPr>
         <p:spPr>
           <a:xfrm>
-            <a:off x="5346356" y="739581"/>
+            <a:off x="5346357" y="225338"/>
             <a:ext cx="6845643" cy="491095"/>
           </a:xfrm>
           <a:prstGeom prst="rect">
@@ -5543,71 +6141,124 @@
             <p:ph type="title"/>
           </p:nvPr>
         </p:nvSpPr>
+        <p:spPr/>
+        <p:txBody>
+          <a:bodyPr/>
+          <a:lstStyle/>
+          <a:p>
+            <a:endParaRPr lang="es-MX"/>
+          </a:p>
+        </p:txBody>
+      </p:sp>
+      <p:sp>
+        <p:nvSpPr>
+          <p:cNvPr id="3" name="Marcador de contenido 2"/>
+          <p:cNvSpPr>
+            <a:spLocks noGrp="1"/>
+          </p:cNvSpPr>
+          <p:nvPr>
+            <p:ph idx="1"/>
+          </p:nvPr>
+        </p:nvSpPr>
+        <p:spPr/>
+        <p:txBody>
+          <a:bodyPr/>
+          <a:lstStyle/>
+          <a:p>
+            <a:pPr marL="0" indent="0">
+              <a:buNone/>
+            </a:pPr>
+            <a:r>
+              <a:rPr lang="es-MX" dirty="0" smtClean="0"/>
+              <a:t>2. Tarea con Escala de Confianza</a:t>
+            </a:r>
+            <a:endParaRPr lang="es-MX" dirty="0"/>
+          </a:p>
+        </p:txBody>
+      </p:sp>
+      <p:pic>
+        <p:nvPicPr>
+          <p:cNvPr id="4" name="Imagen 3"/>
+          <p:cNvPicPr>
+            <a:picLocks noChangeAspect="1"/>
+          </p:cNvPicPr>
+          <p:nvPr/>
+        </p:nvPicPr>
+        <p:blipFill>
+          <a:blip r:embed="rId2"/>
+          <a:stretch>
+            <a:fillRect/>
+          </a:stretch>
+        </p:blipFill>
+        <p:spPr>
+          <a:xfrm>
+            <a:off x="3264629" y="2548453"/>
+            <a:ext cx="5267325" cy="3095625"/>
+          </a:xfrm>
+          <a:prstGeom prst="rect">
+            <a:avLst/>
+          </a:prstGeom>
+        </p:spPr>
+      </p:pic>
+      <p:sp>
+        <p:nvSpPr>
+          <p:cNvPr id="5" name="Título 1"/>
+          <p:cNvSpPr txBox="1">
+            <a:spLocks/>
+          </p:cNvSpPr>
+          <p:nvPr/>
+        </p:nvSpPr>
         <p:spPr>
           <a:xfrm>
             <a:off x="0" y="76800"/>
             <a:ext cx="5016843" cy="1325563"/>
           </a:xfrm>
+          <a:prstGeom prst="rect">
+            <a:avLst/>
+          </a:prstGeom>
           <a:solidFill>
-            <a:schemeClr val="accent1">
-              <a:lumMod val="75000"/>
-            </a:schemeClr>
+            <a:srgbClr val="7030A0"/>
           </a:solidFill>
         </p:spPr>
         <p:txBody>
-          <a:bodyPr/>
-          <a:lstStyle/>
-          <a:p>
-            <a:r>
-              <a:rPr lang="es-MX" b="1" dirty="0" smtClean="0">
+          <a:bodyPr vert="horz" lIns="91440" tIns="45720" rIns="91440" bIns="45720" rtlCol="0" anchor="ctr">
+            <a:normAutofit/>
+          </a:bodyPr>
+          <a:lstStyle>
+            <a:lvl1pPr algn="l" defTabSz="914400" rtl="0" eaLnBrk="1" latinLnBrk="0" hangingPunct="1">
+              <a:lnSpc>
+                <a:spcPct val="90000"/>
+              </a:lnSpc>
+              <a:spcBef>
+                <a:spcPct val="0"/>
+              </a:spcBef>
+              <a:buNone/>
+              <a:defRPr sz="4400" kern="1200">
+                <a:solidFill>
+                  <a:schemeClr val="tx1"/>
+                </a:solidFill>
+                <a:latin typeface="+mj-lt"/>
+                <a:ea typeface="+mj-ea"/>
+                <a:cs typeface="+mj-cs"/>
+              </a:defRPr>
+            </a:lvl1pPr>
+          </a:lstStyle>
+          <a:p>
+            <a:r>
+              <a:rPr lang="es-MX" b="1" smtClean="0">
                 <a:solidFill>
                   <a:schemeClr val="bg1"/>
                 </a:solidFill>
               </a:rPr>
-              <a:t>Resultados</a:t>
-            </a:r>
-            <a:r>
-              <a:rPr lang="es-MX" dirty="0" smtClean="0"/>
-              <a:t> </a:t>
-            </a:r>
-            <a:endParaRPr lang="es-MX" dirty="0"/>
-          </a:p>
-        </p:txBody>
-      </p:sp>
-      <p:sp>
-        <p:nvSpPr>
-          <p:cNvPr id="3" name="Marcador de contenido 2"/>
-          <p:cNvSpPr>
-            <a:spLocks noGrp="1"/>
-          </p:cNvSpPr>
-          <p:nvPr>
-            <p:ph idx="1"/>
-          </p:nvPr>
-        </p:nvSpPr>
-        <p:spPr>
-          <a:xfrm>
-            <a:off x="146222" y="1568414"/>
-            <a:ext cx="10515600" cy="4351338"/>
-          </a:xfrm>
-        </p:spPr>
-        <p:txBody>
-          <a:bodyPr/>
-          <a:lstStyle/>
-          <a:p>
-            <a:pPr marL="0" indent="0">
-              <a:buNone/>
-            </a:pPr>
-            <a:r>
-              <a:rPr lang="es-MX" dirty="0" smtClean="0"/>
-              <a:t>1.  Comparación entre Tasas (Hits y FA)</a:t>
-            </a:r>
-            <a:endParaRPr lang="es-MX" dirty="0"/>
-          </a:p>
-        </p:txBody>
-      </p:sp>
-      <p:sp>
-        <p:nvSpPr>
-          <p:cNvPr id="4" name="Título 1"/>
+              <a:t>Método</a:t>
+            </a:r>
+            <a:endParaRPr lang="es-MX" dirty="0"/>
+          </a:p>
+        </p:txBody>
+      </p:sp>
+      <p:sp>
+        <p:nvSpPr>
+          <p:cNvPr id="6" name="Título 1"/>
           <p:cNvSpPr txBox="1">
             <a:spLocks/>
           </p:cNvSpPr>
@@ -5622,7 +6273,7 @@
             <a:avLst/>
           </a:prstGeom>
           <a:solidFill>
-            <a:schemeClr val="accent1">
+            <a:schemeClr val="accent3">
               <a:lumMod val="40000"/>
               <a:lumOff val="60000"/>
             </a:schemeClr>
@@ -5655,88 +6306,16 @@
             <a:pPr algn="r"/>
             <a:r>
               <a:rPr lang="es-MX" dirty="0" smtClean="0"/>
-              <a:t>PARTE II  </a:t>
-            </a:r>
-            <a:endParaRPr lang="es-MX" dirty="0"/>
-          </a:p>
-        </p:txBody>
-      </p:sp>
-      <p:pic>
-        <p:nvPicPr>
-          <p:cNvPr id="6" name="Imagen 5"/>
-          <p:cNvPicPr>
-            <a:picLocks noChangeAspect="1"/>
-          </p:cNvPicPr>
-          <p:nvPr/>
-        </p:nvPicPr>
-        <p:blipFill>
-          <a:blip r:embed="rId2"/>
-          <a:stretch>
-            <a:fillRect/>
-          </a:stretch>
-        </p:blipFill>
-        <p:spPr>
-          <a:xfrm>
-            <a:off x="6384325" y="2175461"/>
-            <a:ext cx="5684106" cy="3910342"/>
-          </a:xfrm>
-          <a:prstGeom prst="rect">
-            <a:avLst/>
-          </a:prstGeom>
-        </p:spPr>
-      </p:pic>
-      <p:pic>
-        <p:nvPicPr>
-          <p:cNvPr id="9" name="Imagen 8"/>
-          <p:cNvPicPr>
-            <a:picLocks noChangeAspect="1"/>
-          </p:cNvPicPr>
-          <p:nvPr/>
-        </p:nvPicPr>
-        <p:blipFill>
-          <a:blip r:embed="rId3"/>
-          <a:stretch>
-            <a:fillRect/>
-          </a:stretch>
-        </p:blipFill>
-        <p:spPr>
-          <a:xfrm>
-            <a:off x="0" y="2899312"/>
-            <a:ext cx="3371464" cy="2708643"/>
-          </a:xfrm>
-          <a:prstGeom prst="rect">
-            <a:avLst/>
-          </a:prstGeom>
-        </p:spPr>
-      </p:pic>
-      <p:pic>
-        <p:nvPicPr>
-          <p:cNvPr id="10" name="Imagen 9"/>
-          <p:cNvPicPr>
-            <a:picLocks noChangeAspect="1"/>
-          </p:cNvPicPr>
-          <p:nvPr/>
-        </p:nvPicPr>
-        <p:blipFill>
-          <a:blip r:embed="rId4"/>
-          <a:stretch>
-            <a:fillRect/>
-          </a:stretch>
-        </p:blipFill>
-        <p:spPr>
-          <a:xfrm>
-            <a:off x="3274027" y="3015049"/>
-            <a:ext cx="3037187" cy="2675932"/>
-          </a:xfrm>
-          <a:prstGeom prst="rect">
-            <a:avLst/>
-          </a:prstGeom>
-        </p:spPr>
-      </p:pic>
+              <a:t>Procedimiento</a:t>
+            </a:r>
+            <a:endParaRPr lang="es-MX" dirty="0"/>
+          </a:p>
+        </p:txBody>
+      </p:sp>
     </p:spTree>
     <p:extLst>
       <p:ext uri="{BB962C8B-B14F-4D97-AF65-F5344CB8AC3E}">
-        <p14:creationId xmlns:p14="http://schemas.microsoft.com/office/powerpoint/2010/main" val="1146874553"/>
+        <p14:creationId xmlns:p14="http://schemas.microsoft.com/office/powerpoint/2010/main" val="1761518388"/>
       </p:ext>
     </p:extLst>
   </p:cSld>
@@ -5780,12 +6359,90 @@
             <p:ph type="title"/>
           </p:nvPr>
         </p:nvSpPr>
-        <p:spPr/>
+        <p:spPr>
+          <a:xfrm>
+            <a:off x="0" y="76800"/>
+            <a:ext cx="5016843" cy="1325563"/>
+          </a:xfrm>
+          <a:solidFill>
+            <a:schemeClr val="accent1">
+              <a:lumMod val="75000"/>
+            </a:schemeClr>
+          </a:solidFill>
+        </p:spPr>
         <p:txBody>
           <a:bodyPr/>
           <a:lstStyle/>
           <a:p>
-            <a:endParaRPr lang="es-MX"/>
+            <a:r>
+              <a:rPr lang="es-MX" b="1" dirty="0" smtClean="0">
+                <a:solidFill>
+                  <a:schemeClr val="bg1"/>
+                </a:solidFill>
+              </a:rPr>
+              <a:t>Resultados</a:t>
+            </a:r>
+            <a:r>
+              <a:rPr lang="es-MX" dirty="0" smtClean="0"/>
+              <a:t> </a:t>
+            </a:r>
+            <a:endParaRPr lang="es-MX" dirty="0"/>
+          </a:p>
+        </p:txBody>
+      </p:sp>
+      <p:sp>
+        <p:nvSpPr>
+          <p:cNvPr id="4" name="Título 1"/>
+          <p:cNvSpPr txBox="1">
+            <a:spLocks/>
+          </p:cNvSpPr>
+          <p:nvPr/>
+        </p:nvSpPr>
+        <p:spPr>
+          <a:xfrm>
+            <a:off x="5346356" y="739581"/>
+            <a:ext cx="6845643" cy="491095"/>
+          </a:xfrm>
+          <a:prstGeom prst="rect">
+            <a:avLst/>
+          </a:prstGeom>
+          <a:solidFill>
+            <a:schemeClr val="accent1">
+              <a:lumMod val="40000"/>
+              <a:lumOff val="60000"/>
+            </a:schemeClr>
+          </a:solidFill>
+        </p:spPr>
+        <p:txBody>
+          <a:bodyPr vert="horz" lIns="91440" tIns="45720" rIns="91440" bIns="45720" rtlCol="0" anchor="ctr">
+            <a:normAutofit fontScale="85000" lnSpcReduction="20000"/>
+          </a:bodyPr>
+          <a:lstStyle>
+            <a:lvl1pPr algn="l" defTabSz="914400" rtl="0" eaLnBrk="1" latinLnBrk="0" hangingPunct="1">
+              <a:lnSpc>
+                <a:spcPct val="90000"/>
+              </a:lnSpc>
+              <a:spcBef>
+                <a:spcPct val="0"/>
+              </a:spcBef>
+              <a:buNone/>
+              <a:defRPr sz="4400" kern="1200">
+                <a:solidFill>
+                  <a:schemeClr val="tx1"/>
+                </a:solidFill>
+                <a:latin typeface="+mj-lt"/>
+                <a:ea typeface="+mj-ea"/>
+                <a:cs typeface="+mj-cs"/>
+              </a:defRPr>
+            </a:lvl1pPr>
+          </a:lstStyle>
+          <a:p>
+            <a:pPr algn="r"/>
+            <a:r>
+              <a:rPr lang="es-MX" dirty="0" smtClean="0"/>
+              <a:t>  </a:t>
+            </a:r>
+            <a:endParaRPr lang="es-MX" dirty="0"/>
           </a:p>
         </p:txBody>
       </p:sp>
@@ -5799,18 +6456,30 @@
             <p:ph idx="1"/>
           </p:nvPr>
         </p:nvSpPr>
-        <p:spPr/>
+        <p:spPr>
+          <a:xfrm>
+            <a:off x="6310184" y="1825625"/>
+            <a:ext cx="5043616" cy="4351338"/>
+          </a:xfrm>
+        </p:spPr>
         <p:txBody>
           <a:bodyPr/>
           <a:lstStyle/>
           <a:p>
+            <a:endParaRPr lang="es-MX" dirty="0" smtClean="0"/>
+          </a:p>
+          <a:p>
+            <a:r>
+              <a:rPr lang="es-MX" dirty="0" smtClean="0"/>
+              <a:t>PRE-análisis: Exploración visual de los datos.</a:t>
+            </a:r>
             <a:endParaRPr lang="es-MX" dirty="0"/>
           </a:p>
         </p:txBody>
       </p:sp>
       <p:pic>
         <p:nvPicPr>
-          <p:cNvPr id="6" name="Imagen 5"/>
+          <p:cNvPr id="5" name="Imagen 4"/>
           <p:cNvPicPr>
             <a:picLocks noChangeAspect="1"/>
           </p:cNvPicPr>
@@ -5824,32 +6493,8 @@
         </p:blipFill>
         <p:spPr>
           <a:xfrm>
-            <a:off x="6433623" y="47625"/>
-            <a:ext cx="4695825" cy="6810375"/>
-          </a:xfrm>
-          <a:prstGeom prst="rect">
-            <a:avLst/>
-          </a:prstGeom>
-        </p:spPr>
-      </p:pic>
-      <p:pic>
-        <p:nvPicPr>
-          <p:cNvPr id="7" name="Imagen 6"/>
-          <p:cNvPicPr>
-            <a:picLocks noChangeAspect="1"/>
-          </p:cNvPicPr>
-          <p:nvPr/>
-        </p:nvPicPr>
-        <p:blipFill>
-          <a:blip r:embed="rId3"/>
-          <a:stretch>
-            <a:fillRect/>
-          </a:stretch>
-        </p:blipFill>
-        <p:spPr>
-          <a:xfrm>
-            <a:off x="676275" y="47625"/>
-            <a:ext cx="5419725" cy="6962775"/>
+            <a:off x="419100" y="2254464"/>
+            <a:ext cx="5676900" cy="3667125"/>
           </a:xfrm>
           <a:prstGeom prst="rect">
             <a:avLst/>
@@ -5859,7 +6504,7 @@
     </p:spTree>
     <p:extLst>
       <p:ext uri="{BB962C8B-B14F-4D97-AF65-F5344CB8AC3E}">
-        <p14:creationId xmlns:p14="http://schemas.microsoft.com/office/powerpoint/2010/main" val="624803915"/>
+        <p14:creationId xmlns:p14="http://schemas.microsoft.com/office/powerpoint/2010/main" val="1232640533"/>
       </p:ext>
     </p:extLst>
   </p:cSld>
@@ -5909,8 +6554,8 @@
             <a:ext cx="5016843" cy="1325563"/>
           </a:xfrm>
           <a:solidFill>
-            <a:schemeClr val="accent6">
-              <a:lumMod val="50000"/>
+            <a:schemeClr val="accent1">
+              <a:lumMod val="75000"/>
             </a:schemeClr>
           </a:solidFill>
         </p:spPr>
@@ -5924,7 +6569,7 @@
                   <a:schemeClr val="bg1"/>
                 </a:solidFill>
               </a:rPr>
-              <a:t>Discusión</a:t>
+              <a:t>Resultados</a:t>
             </a:r>
             <a:r>
               <a:rPr lang="es-MX" dirty="0" smtClean="0"/>
@@ -5934,29 +6579,32 @@
           </a:p>
         </p:txBody>
       </p:sp>
-      <p:sp>
-        <p:nvSpPr>
-          <p:cNvPr id="3" name="Marcador de contenido 2"/>
-          <p:cNvSpPr>
-            <a:spLocks noGrp="1"/>
-          </p:cNvSpPr>
+      <p:pic>
+        <p:nvPicPr>
+          <p:cNvPr id="6" name="Marcador de contenido 5"/>
+          <p:cNvPicPr>
+            <a:picLocks noGrp="1" noChangeAspect="1"/>
+          </p:cNvPicPr>
           <p:nvPr>
             <p:ph idx="1"/>
           </p:nvPr>
-        </p:nvSpPr>
-        <p:spPr/>
-        <p:txBody>
-          <a:bodyPr/>
-          <a:lstStyle/>
-          <a:p>
-            <a:r>
-              <a:rPr lang="es-MX" dirty="0" smtClean="0"/>
-              <a:t>Réplica paso a paso de los análisis reportados en literatura de Memoria de Reconocimiento.</a:t>
-            </a:r>
-            <a:endParaRPr lang="es-MX" dirty="0"/>
-          </a:p>
-        </p:txBody>
-      </p:sp>
+        </p:nvPicPr>
+        <p:blipFill>
+          <a:blip r:embed="rId2"/>
+          <a:stretch>
+            <a:fillRect/>
+          </a:stretch>
+        </p:blipFill>
+        <p:spPr>
+          <a:xfrm>
+            <a:off x="1845276" y="2117125"/>
+            <a:ext cx="8047530" cy="3941870"/>
+          </a:xfrm>
+          <a:prstGeom prst="rect">
+            <a:avLst/>
+          </a:prstGeom>
+        </p:spPr>
+      </p:pic>
       <p:sp>
         <p:nvSpPr>
           <p:cNvPr id="4" name="Título 1"/>
@@ -5974,9 +6622,9 @@
             <a:avLst/>
           </a:prstGeom>
           <a:solidFill>
-            <a:schemeClr val="accent6">
-              <a:lumMod val="20000"/>
-              <a:lumOff val="80000"/>
+            <a:schemeClr val="accent1">
+              <a:lumMod val="40000"/>
+              <a:lumOff val="60000"/>
             </a:schemeClr>
           </a:solidFill>
         </p:spPr>
@@ -6005,6 +6653,10 @@
           </a:lstStyle>
           <a:p>
             <a:pPr algn="r"/>
+            <a:r>
+              <a:rPr lang="es-MX" dirty="0" smtClean="0"/>
+              <a:t>  </a:t>
+            </a:r>
             <a:endParaRPr lang="es-MX" dirty="0"/>
           </a:p>
         </p:txBody>
@@ -6012,7 +6664,7 @@
     </p:spTree>
     <p:extLst>
       <p:ext uri="{BB962C8B-B14F-4D97-AF65-F5344CB8AC3E}">
-        <p14:creationId xmlns:p14="http://schemas.microsoft.com/office/powerpoint/2010/main" val="4047381481"/>
+        <p14:creationId xmlns:p14="http://schemas.microsoft.com/office/powerpoint/2010/main" val="1542654024"/>
       </p:ext>
     </p:extLst>
   </p:cSld>
@@ -6062,8 +6714,8 @@
             <a:ext cx="5016843" cy="1325563"/>
           </a:xfrm>
           <a:solidFill>
-            <a:schemeClr val="accent2">
-              <a:lumMod val="50000"/>
+            <a:schemeClr val="accent1">
+              <a:lumMod val="75000"/>
             </a:schemeClr>
           </a:solidFill>
         </p:spPr>
@@ -6077,7 +6729,7 @@
                   <a:schemeClr val="bg1"/>
                 </a:solidFill>
               </a:rPr>
-              <a:t>Conclusiones</a:t>
+              <a:t>Resultados</a:t>
             </a:r>
             <a:r>
               <a:rPr lang="es-MX" dirty="0" smtClean="0"/>
@@ -6097,7 +6749,12 @@
             <p:ph idx="1"/>
           </p:nvPr>
         </p:nvSpPr>
-        <p:spPr/>
+        <p:spPr>
+          <a:xfrm>
+            <a:off x="385119" y="1850339"/>
+            <a:ext cx="10515600" cy="4351338"/>
+          </a:xfrm>
+        </p:spPr>
         <p:txBody>
           <a:bodyPr/>
           <a:lstStyle/>
@@ -6105,6 +6762,30 @@
             <a:r>
               <a:rPr lang="es-MX" dirty="0" smtClean="0"/>
               <a:t>Réplica paso a paso de los análisis reportados en literatura de Memoria de Reconocimiento.</a:t>
+            </a:r>
+          </a:p>
+          <a:p>
+            <a:endParaRPr lang="es-MX" dirty="0"/>
+          </a:p>
+          <a:p>
+            <a:pPr marL="0" indent="0">
+              <a:buNone/>
+            </a:pPr>
+            <a:r>
+              <a:rPr lang="es-MX" dirty="0"/>
+              <a:t>	</a:t>
+            </a:r>
+            <a:r>
+              <a:rPr lang="es-MX" dirty="0" smtClean="0"/>
+              <a:t>1.- Verificar que las clases A y B realmente difieran en su 	</a:t>
+            </a:r>
+            <a:r>
+              <a:rPr lang="es-MX" dirty="0" err="1" smtClean="0"/>
+              <a:t>discriminabilidad</a:t>
+            </a:r>
+            <a:r>
+              <a:rPr lang="es-MX" dirty="0" smtClean="0"/>
+              <a:t>.</a:t>
             </a:r>
             <a:endParaRPr lang="es-MX" dirty="0"/>
           </a:p>
@@ -6127,9 +6808,9 @@
             <a:avLst/>
           </a:prstGeom>
           <a:solidFill>
-            <a:schemeClr val="accent2">
-              <a:lumMod val="20000"/>
-              <a:lumOff val="80000"/>
+            <a:schemeClr val="accent1">
+              <a:lumMod val="40000"/>
+              <a:lumOff val="60000"/>
             </a:schemeClr>
           </a:solidFill>
         </p:spPr>
@@ -6158,24 +6839,59 @@
           </a:lstStyle>
           <a:p>
             <a:pPr algn="r"/>
-            <a:endParaRPr lang="es-MX" dirty="0"/>
-          </a:p>
-        </p:txBody>
-      </p:sp>
+            <a:r>
+              <a:rPr lang="es-MX" dirty="0" smtClean="0"/>
+              <a:t>PARTE I  </a:t>
+            </a:r>
+            <a:endParaRPr lang="es-MX" dirty="0"/>
+          </a:p>
+        </p:txBody>
+      </p:sp>
+      <p:pic>
+        <p:nvPicPr>
+          <p:cNvPr id="5" name="Imagen 4"/>
+          <p:cNvPicPr>
+            <a:picLocks noChangeAspect="1"/>
+          </p:cNvPicPr>
+          <p:nvPr/>
+        </p:nvPicPr>
+        <p:blipFill>
+          <a:blip r:embed="rId2"/>
+          <a:stretch>
+            <a:fillRect/>
+          </a:stretch>
+        </p:blipFill>
+        <p:spPr>
+          <a:xfrm>
+            <a:off x="2430162" y="4341235"/>
+            <a:ext cx="6439801" cy="2140528"/>
+          </a:xfrm>
+          <a:prstGeom prst="rect">
+            <a:avLst/>
+          </a:prstGeom>
+        </p:spPr>
+      </p:pic>
     </p:spTree>
     <p:extLst>
       <p:ext uri="{BB962C8B-B14F-4D97-AF65-F5344CB8AC3E}">
-        <p14:creationId xmlns:p14="http://schemas.microsoft.com/office/powerpoint/2010/main" val="625117926"/>
+        <p14:creationId xmlns:p14="http://schemas.microsoft.com/office/powerpoint/2010/main" val="3446346023"/>
       </p:ext>
     </p:extLst>
   </p:cSld>
   <p:clrMapOvr>
     <a:masterClrMapping/>
   </p:clrMapOvr>
+  <p:timing>
+    <p:tnLst>
+      <p:par>
+        <p:cTn id="1" dur="indefinite" restart="never" nodeType="tmRoot"/>
+      </p:par>
+    </p:tnLst>
+  </p:timing>
 </p:sld>
 </file>
 
-<file path=ppt/slides/slide3.xml><?xml version="1.0" encoding="utf-8"?>
+<file path=ppt/slides/slide24.xml><?xml version="1.0" encoding="utf-8"?>
 <p:sld xmlns:a="http://schemas.openxmlformats.org/drawingml/2006/main" xmlns:r="http://schemas.openxmlformats.org/officeDocument/2006/relationships" xmlns:p="http://schemas.openxmlformats.org/presentationml/2006/main">
   <p:cSld>
     <p:spTree>
@@ -6208,8 +6924,8 @@
             <a:ext cx="5016843" cy="1325563"/>
           </a:xfrm>
           <a:solidFill>
-            <a:schemeClr val="accent4">
-              <a:lumMod val="50000"/>
+            <a:schemeClr val="accent1">
+              <a:lumMod val="75000"/>
             </a:schemeClr>
           </a:solidFill>
         </p:spPr>
@@ -6223,11 +6939,46 @@
                   <a:schemeClr val="bg1"/>
                 </a:solidFill>
               </a:rPr>
-              <a:t>Marco Teórico</a:t>
+              <a:t>Resultados</a:t>
             </a:r>
             <a:r>
               <a:rPr lang="es-MX" dirty="0" smtClean="0"/>
               <a:t> </a:t>
+            </a:r>
+            <a:endParaRPr lang="es-MX" dirty="0"/>
+          </a:p>
+        </p:txBody>
+      </p:sp>
+      <p:sp>
+        <p:nvSpPr>
+          <p:cNvPr id="3" name="Marcador de contenido 2"/>
+          <p:cNvSpPr>
+            <a:spLocks noGrp="1"/>
+          </p:cNvSpPr>
+          <p:nvPr>
+            <p:ph idx="1"/>
+          </p:nvPr>
+        </p:nvSpPr>
+        <p:spPr>
+          <a:xfrm>
+            <a:off x="385119" y="1850339"/>
+            <a:ext cx="10515600" cy="4351338"/>
+          </a:xfrm>
+        </p:spPr>
+        <p:txBody>
+          <a:bodyPr/>
+          <a:lstStyle/>
+          <a:p>
+            <a:pPr marL="0" indent="0">
+              <a:buNone/>
+            </a:pPr>
+            <a:r>
+              <a:rPr lang="es-MX" dirty="0"/>
+              <a:t>	2</a:t>
+            </a:r>
+            <a:r>
+              <a:rPr lang="es-MX" dirty="0" smtClean="0"/>
+              <a:t>.- Comparar las tasas de Hits y Falsas Alarmas entre clases A y B</a:t>
             </a:r>
             <a:endParaRPr lang="es-MX" dirty="0"/>
           </a:p>
@@ -6250,7 +7001,7 @@
             <a:avLst/>
           </a:prstGeom>
           <a:solidFill>
-            <a:schemeClr val="accent4">
+            <a:schemeClr val="accent1">
               <a:lumMod val="40000"/>
               <a:lumOff val="60000"/>
             </a:schemeClr>
@@ -6283,7 +7034,7 @@
             <a:pPr algn="r"/>
             <a:r>
               <a:rPr lang="es-MX" dirty="0" smtClean="0"/>
-              <a:t>Teoría de Detección de Señales</a:t>
+              <a:t>PARTE I  </a:t>
             </a:r>
             <a:endParaRPr lang="es-MX" dirty="0"/>
           </a:p>
@@ -6291,7 +7042,7 @@
       </p:sp>
       <p:pic>
         <p:nvPicPr>
-          <p:cNvPr id="5" name="Imagen 4"/>
+          <p:cNvPr id="7" name="Imagen 6"/>
           <p:cNvPicPr>
             <a:picLocks noChangeAspect="1"/>
           </p:cNvPicPr>
@@ -6305,202 +7056,18 @@
         </p:blipFill>
         <p:spPr>
           <a:xfrm>
-            <a:off x="448962" y="1984268"/>
-            <a:ext cx="6425514" cy="4216744"/>
+            <a:off x="1029729" y="2654180"/>
+            <a:ext cx="10543145" cy="3878836"/>
           </a:xfrm>
           <a:prstGeom prst="rect">
             <a:avLst/>
           </a:prstGeom>
         </p:spPr>
       </p:pic>
-      <p:sp>
-        <p:nvSpPr>
-          <p:cNvPr id="6" name="Marcador de contenido 5"/>
-          <p:cNvSpPr>
-            <a:spLocks noGrp="1"/>
-          </p:cNvSpPr>
-          <p:nvPr>
-            <p:ph idx="1"/>
-          </p:nvPr>
-        </p:nvSpPr>
-        <p:spPr>
-          <a:xfrm>
-            <a:off x="689919" y="1984268"/>
-            <a:ext cx="10515600" cy="4351338"/>
-          </a:xfrm>
-        </p:spPr>
-        <p:txBody>
-          <a:bodyPr/>
-          <a:lstStyle/>
-          <a:p>
-            <a:endParaRPr lang="es-MX" dirty="0" smtClean="0"/>
-          </a:p>
-          <a:p>
-            <a:endParaRPr lang="es-MX" dirty="0"/>
-          </a:p>
-        </p:txBody>
-      </p:sp>
-      <p:sp>
-        <p:nvSpPr>
-          <p:cNvPr id="7" name="CuadroTexto 6"/>
-          <p:cNvSpPr txBox="1"/>
-          <p:nvPr/>
-        </p:nvSpPr>
-        <p:spPr>
-          <a:xfrm>
-            <a:off x="7430530" y="2051222"/>
-            <a:ext cx="4300151" cy="1477328"/>
-          </a:xfrm>
-          <a:prstGeom prst="rect">
-            <a:avLst/>
-          </a:prstGeom>
-          <a:noFill/>
-        </p:spPr>
-        <p:txBody>
-          <a:bodyPr wrap="square" rtlCol="0">
-            <a:spAutoFit/>
-          </a:bodyPr>
-          <a:lstStyle/>
-          <a:p>
-            <a:pPr marL="285750" indent="-285750">
-              <a:buFont typeface="Arial" panose="020B0604020202020204" pitchFamily="34" charset="0"/>
-              <a:buChar char="•"/>
-            </a:pPr>
-            <a:r>
-              <a:rPr lang="es-MX" dirty="0" smtClean="0"/>
-              <a:t>Supuestos generales del modelo</a:t>
-            </a:r>
-          </a:p>
-          <a:p>
-            <a:pPr marL="742950" lvl="1" indent="-285750">
-              <a:buFont typeface="Arial" panose="020B0604020202020204" pitchFamily="34" charset="0"/>
-              <a:buChar char="•"/>
-            </a:pPr>
-            <a:r>
-              <a:rPr lang="es-MX" dirty="0" smtClean="0"/>
-              <a:t>La variabilidad en el entorno </a:t>
-            </a:r>
-          </a:p>
-          <a:p>
-            <a:pPr marL="1200150" lvl="2" indent="-285750">
-              <a:buFont typeface="Arial" panose="020B0604020202020204" pitchFamily="34" charset="0"/>
-              <a:buChar char="•"/>
-            </a:pPr>
-            <a:r>
-              <a:rPr lang="es-MX" dirty="0" err="1" smtClean="0"/>
-              <a:t>Discriminabilidad</a:t>
-            </a:r>
-            <a:r>
-              <a:rPr lang="es-MX" dirty="0" smtClean="0"/>
-              <a:t> </a:t>
-            </a:r>
-          </a:p>
-          <a:p>
-            <a:pPr marL="742950" lvl="1" indent="-285750">
-              <a:buFont typeface="Arial" panose="020B0604020202020204" pitchFamily="34" charset="0"/>
-              <a:buChar char="•"/>
-            </a:pPr>
-            <a:r>
-              <a:rPr lang="es-MX" dirty="0" smtClean="0"/>
-              <a:t>La variabilidad en las consecuencias</a:t>
-            </a:r>
-          </a:p>
-          <a:p>
-            <a:pPr marL="1200150" lvl="2" indent="-285750">
-              <a:buFont typeface="Arial" panose="020B0604020202020204" pitchFamily="34" charset="0"/>
-              <a:buChar char="•"/>
-            </a:pPr>
-            <a:r>
-              <a:rPr lang="es-MX" dirty="0" smtClean="0"/>
-              <a:t>Sesgo</a:t>
-            </a:r>
-          </a:p>
-        </p:txBody>
-      </p:sp>
-      <p:sp>
-        <p:nvSpPr>
-          <p:cNvPr id="8" name="CuadroTexto 7"/>
-          <p:cNvSpPr txBox="1"/>
-          <p:nvPr/>
-        </p:nvSpPr>
-        <p:spPr>
-          <a:xfrm>
-            <a:off x="7430529" y="4159937"/>
-            <a:ext cx="4300151" cy="1754326"/>
-          </a:xfrm>
-          <a:prstGeom prst="rect">
-            <a:avLst/>
-          </a:prstGeom>
-          <a:noFill/>
-        </p:spPr>
-        <p:txBody>
-          <a:bodyPr wrap="square" rtlCol="0">
-            <a:spAutoFit/>
-          </a:bodyPr>
-          <a:lstStyle/>
-          <a:p>
-            <a:pPr marL="285750" indent="-285750">
-              <a:buFont typeface="Arial" panose="020B0604020202020204" pitchFamily="34" charset="0"/>
-              <a:buChar char="•"/>
-            </a:pPr>
-            <a:r>
-              <a:rPr lang="es-MX" dirty="0" smtClean="0"/>
-              <a:t>Parámetros del modelo</a:t>
-            </a:r>
-          </a:p>
-          <a:p>
-            <a:pPr marL="742950" lvl="1" indent="-285750">
-              <a:buFont typeface="Arial" panose="020B0604020202020204" pitchFamily="34" charset="0"/>
-              <a:buChar char="•"/>
-            </a:pPr>
-            <a:r>
-              <a:rPr lang="es-MX" dirty="0" smtClean="0"/>
-              <a:t>d’</a:t>
-            </a:r>
-          </a:p>
-          <a:p>
-            <a:pPr marL="742950" lvl="1" indent="-285750">
-              <a:buFont typeface="Arial" panose="020B0604020202020204" pitchFamily="34" charset="0"/>
-              <a:buChar char="•"/>
-            </a:pPr>
-            <a:r>
-              <a:rPr lang="es-MX" dirty="0" smtClean="0"/>
-              <a:t>k</a:t>
-            </a:r>
-          </a:p>
-          <a:p>
-            <a:pPr marL="742950" lvl="1" indent="-285750">
-              <a:buFont typeface="Arial" panose="020B0604020202020204" pitchFamily="34" charset="0"/>
-              <a:buChar char="•"/>
-            </a:pPr>
-            <a:r>
-              <a:rPr lang="es-MX" dirty="0" smtClean="0"/>
-              <a:t>C</a:t>
-            </a:r>
-          </a:p>
-          <a:p>
-            <a:pPr marL="742950" lvl="1" indent="-285750">
-              <a:buFont typeface="Arial" panose="020B0604020202020204" pitchFamily="34" charset="0"/>
-              <a:buChar char="•"/>
-            </a:pPr>
-            <a:r>
-              <a:rPr lang="es-MX" dirty="0" smtClean="0"/>
-              <a:t>Beta</a:t>
-            </a:r>
-          </a:p>
-          <a:p>
-            <a:pPr marL="742950" lvl="1" indent="-285750">
-              <a:buFont typeface="Arial" panose="020B0604020202020204" pitchFamily="34" charset="0"/>
-              <a:buChar char="•"/>
-            </a:pPr>
-            <a:endParaRPr lang="es-MX" dirty="0" smtClean="0"/>
-          </a:p>
-        </p:txBody>
-      </p:sp>
     </p:spTree>
     <p:extLst>
       <p:ext uri="{BB962C8B-B14F-4D97-AF65-F5344CB8AC3E}">
-        <p14:creationId xmlns:p14="http://schemas.microsoft.com/office/powerpoint/2010/main" val="2567300911"/>
+        <p14:creationId xmlns:p14="http://schemas.microsoft.com/office/powerpoint/2010/main" val="1963102163"/>
       </p:ext>
     </p:extLst>
   </p:cSld>
@@ -6517,7 +7084,7 @@
 </p:sld>
 </file>
 
-<file path=ppt/slides/slide4.xml><?xml version="1.0" encoding="utf-8"?>
+<file path=ppt/slides/slide25.xml><?xml version="1.0" encoding="utf-8"?>
 <p:sld xmlns:a="http://schemas.openxmlformats.org/drawingml/2006/main" xmlns:r="http://schemas.openxmlformats.org/officeDocument/2006/relationships" xmlns:p="http://schemas.openxmlformats.org/presentationml/2006/main">
   <p:cSld>
     <p:spTree>
@@ -6550,8 +7117,8 @@
             <a:ext cx="5016843" cy="1325563"/>
           </a:xfrm>
           <a:solidFill>
-            <a:schemeClr val="accent4">
-              <a:lumMod val="50000"/>
+            <a:schemeClr val="accent1">
+              <a:lumMod val="75000"/>
             </a:schemeClr>
           </a:solidFill>
         </p:spPr>
@@ -6565,11 +7132,42 @@
                   <a:schemeClr val="bg1"/>
                 </a:solidFill>
               </a:rPr>
-              <a:t>Marco Teórico</a:t>
+              <a:t>Resultados</a:t>
             </a:r>
             <a:r>
               <a:rPr lang="es-MX" dirty="0" smtClean="0"/>
               <a:t> </a:t>
+            </a:r>
+            <a:endParaRPr lang="es-MX" dirty="0"/>
+          </a:p>
+        </p:txBody>
+      </p:sp>
+      <p:sp>
+        <p:nvSpPr>
+          <p:cNvPr id="3" name="Marcador de contenido 2"/>
+          <p:cNvSpPr>
+            <a:spLocks noGrp="1"/>
+          </p:cNvSpPr>
+          <p:nvPr>
+            <p:ph idx="1"/>
+          </p:nvPr>
+        </p:nvSpPr>
+        <p:spPr>
+          <a:xfrm>
+            <a:off x="385119" y="1850339"/>
+            <a:ext cx="10515600" cy="4351338"/>
+          </a:xfrm>
+        </p:spPr>
+        <p:txBody>
+          <a:bodyPr/>
+          <a:lstStyle/>
+          <a:p>
+            <a:pPr marL="0" indent="0">
+              <a:buNone/>
+            </a:pPr>
+            <a:r>
+              <a:rPr lang="es-MX" dirty="0" smtClean="0"/>
+              <a:t>3.- Comparar el promedio de puntajes de confianza asignados por cada clase de estímulos</a:t>
             </a:r>
             <a:endParaRPr lang="es-MX" dirty="0"/>
           </a:p>
@@ -6592,7 +7190,7 @@
             <a:avLst/>
           </a:prstGeom>
           <a:solidFill>
-            <a:schemeClr val="accent4">
+            <a:schemeClr val="accent1">
               <a:lumMod val="40000"/>
               <a:lumOff val="60000"/>
             </a:schemeClr>
@@ -6625,12 +7223,825 @@
             <a:pPr algn="r"/>
             <a:r>
               <a:rPr lang="es-MX" dirty="0" smtClean="0"/>
-              <a:t>Teoría de Detección de Señales</a:t>
-            </a:r>
-            <a:endParaRPr lang="es-MX" dirty="0"/>
-          </a:p>
-        </p:txBody>
-      </p:sp>
+              <a:t>PARTE I  </a:t>
+            </a:r>
+            <a:endParaRPr lang="es-MX" dirty="0"/>
+          </a:p>
+        </p:txBody>
+      </p:sp>
+      <p:pic>
+        <p:nvPicPr>
+          <p:cNvPr id="5" name="Imagen 4"/>
+          <p:cNvPicPr>
+            <a:picLocks noChangeAspect="1"/>
+          </p:cNvPicPr>
+          <p:nvPr/>
+        </p:nvPicPr>
+        <p:blipFill>
+          <a:blip r:embed="rId2"/>
+          <a:stretch>
+            <a:fillRect/>
+          </a:stretch>
+        </p:blipFill>
+        <p:spPr>
+          <a:xfrm>
+            <a:off x="2347525" y="2743201"/>
+            <a:ext cx="7066841" cy="3575864"/>
+          </a:xfrm>
+          <a:prstGeom prst="rect">
+            <a:avLst/>
+          </a:prstGeom>
+        </p:spPr>
+      </p:pic>
+    </p:spTree>
+    <p:extLst>
+      <p:ext uri="{BB962C8B-B14F-4D97-AF65-F5344CB8AC3E}">
+        <p14:creationId xmlns:p14="http://schemas.microsoft.com/office/powerpoint/2010/main" val="2083978291"/>
+      </p:ext>
+    </p:extLst>
+  </p:cSld>
+  <p:clrMapOvr>
+    <a:masterClrMapping/>
+  </p:clrMapOvr>
+  <p:timing>
+    <p:tnLst>
+      <p:par>
+        <p:cTn id="1" dur="indefinite" restart="never" nodeType="tmRoot"/>
+      </p:par>
+    </p:tnLst>
+  </p:timing>
+</p:sld>
+</file>
+
+<file path=ppt/slides/slide26.xml><?xml version="1.0" encoding="utf-8"?>
+<p:sld xmlns:a="http://schemas.openxmlformats.org/drawingml/2006/main" xmlns:r="http://schemas.openxmlformats.org/officeDocument/2006/relationships" xmlns:p="http://schemas.openxmlformats.org/presentationml/2006/main">
+  <p:cSld>
+    <p:spTree>
+      <p:nvGrpSpPr>
+        <p:cNvPr id="1" name=""/>
+        <p:cNvGrpSpPr/>
+        <p:nvPr/>
+      </p:nvGrpSpPr>
+      <p:grpSpPr>
+        <a:xfrm>
+          <a:off x="0" y="0"/>
+          <a:ext cx="0" cy="0"/>
+          <a:chOff x="0" y="0"/>
+          <a:chExt cx="0" cy="0"/>
+        </a:xfrm>
+      </p:grpSpPr>
+      <p:sp>
+        <p:nvSpPr>
+          <p:cNvPr id="2" name="Título 1"/>
+          <p:cNvSpPr>
+            <a:spLocks noGrp="1"/>
+          </p:cNvSpPr>
+          <p:nvPr>
+            <p:ph type="title"/>
+          </p:nvPr>
+        </p:nvSpPr>
+        <p:spPr>
+          <a:xfrm>
+            <a:off x="0" y="76800"/>
+            <a:ext cx="5016843" cy="1325563"/>
+          </a:xfrm>
+          <a:solidFill>
+            <a:schemeClr val="accent1">
+              <a:lumMod val="75000"/>
+            </a:schemeClr>
+          </a:solidFill>
+        </p:spPr>
+        <p:txBody>
+          <a:bodyPr/>
+          <a:lstStyle/>
+          <a:p>
+            <a:r>
+              <a:rPr lang="es-MX" b="1" dirty="0" smtClean="0">
+                <a:solidFill>
+                  <a:schemeClr val="bg1"/>
+                </a:solidFill>
+              </a:rPr>
+              <a:t>Resultados</a:t>
+            </a:r>
+            <a:r>
+              <a:rPr lang="es-MX" dirty="0" smtClean="0"/>
+              <a:t> </a:t>
+            </a:r>
+            <a:endParaRPr lang="es-MX" dirty="0"/>
+          </a:p>
+        </p:txBody>
+      </p:sp>
+      <p:sp>
+        <p:nvSpPr>
+          <p:cNvPr id="3" name="Marcador de contenido 2"/>
+          <p:cNvSpPr>
+            <a:spLocks noGrp="1"/>
+          </p:cNvSpPr>
+          <p:nvPr>
+            <p:ph idx="1"/>
+          </p:nvPr>
+        </p:nvSpPr>
+        <p:spPr>
+          <a:xfrm>
+            <a:off x="0" y="1568414"/>
+            <a:ext cx="10515600" cy="4351338"/>
+          </a:xfrm>
+        </p:spPr>
+        <p:txBody>
+          <a:bodyPr/>
+          <a:lstStyle/>
+          <a:p>
+            <a:pPr marL="0" indent="0">
+              <a:buNone/>
+            </a:pPr>
+            <a:r>
+              <a:rPr lang="es-MX" dirty="0" smtClean="0"/>
+              <a:t>1.  Comparación A vs B (Modelo Delta)</a:t>
+            </a:r>
+            <a:endParaRPr lang="es-MX" dirty="0"/>
+          </a:p>
+        </p:txBody>
+      </p:sp>
+      <p:sp>
+        <p:nvSpPr>
+          <p:cNvPr id="4" name="Título 1"/>
+          <p:cNvSpPr txBox="1">
+            <a:spLocks/>
+          </p:cNvSpPr>
+          <p:nvPr/>
+        </p:nvSpPr>
+        <p:spPr>
+          <a:xfrm>
+            <a:off x="5346356" y="739581"/>
+            <a:ext cx="6845643" cy="491095"/>
+          </a:xfrm>
+          <a:prstGeom prst="rect">
+            <a:avLst/>
+          </a:prstGeom>
+          <a:solidFill>
+            <a:schemeClr val="accent1">
+              <a:lumMod val="40000"/>
+              <a:lumOff val="60000"/>
+            </a:schemeClr>
+          </a:solidFill>
+        </p:spPr>
+        <p:txBody>
+          <a:bodyPr vert="horz" lIns="91440" tIns="45720" rIns="91440" bIns="45720" rtlCol="0" anchor="ctr">
+            <a:normAutofit fontScale="85000" lnSpcReduction="20000"/>
+          </a:bodyPr>
+          <a:lstStyle>
+            <a:lvl1pPr algn="l" defTabSz="914400" rtl="0" eaLnBrk="1" latinLnBrk="0" hangingPunct="1">
+              <a:lnSpc>
+                <a:spcPct val="90000"/>
+              </a:lnSpc>
+              <a:spcBef>
+                <a:spcPct val="0"/>
+              </a:spcBef>
+              <a:buNone/>
+              <a:defRPr sz="4400" kern="1200">
+                <a:solidFill>
+                  <a:schemeClr val="tx1"/>
+                </a:solidFill>
+                <a:latin typeface="+mj-lt"/>
+                <a:ea typeface="+mj-ea"/>
+                <a:cs typeface="+mj-cs"/>
+              </a:defRPr>
+            </a:lvl1pPr>
+          </a:lstStyle>
+          <a:p>
+            <a:pPr algn="r"/>
+            <a:r>
+              <a:rPr lang="es-MX" dirty="0" smtClean="0"/>
+              <a:t>PARTE II  </a:t>
+            </a:r>
+            <a:endParaRPr lang="es-MX" dirty="0"/>
+          </a:p>
+        </p:txBody>
+      </p:sp>
+      <p:pic>
+        <p:nvPicPr>
+          <p:cNvPr id="5" name="Imagen 4"/>
+          <p:cNvPicPr>
+            <a:picLocks noChangeAspect="1"/>
+          </p:cNvPicPr>
+          <p:nvPr/>
+        </p:nvPicPr>
+        <p:blipFill>
+          <a:blip r:embed="rId2"/>
+          <a:stretch>
+            <a:fillRect/>
+          </a:stretch>
+        </p:blipFill>
+        <p:spPr>
+          <a:xfrm>
+            <a:off x="5650025" y="1568414"/>
+            <a:ext cx="6467961" cy="5066692"/>
+          </a:xfrm>
+          <a:prstGeom prst="rect">
+            <a:avLst/>
+          </a:prstGeom>
+        </p:spPr>
+      </p:pic>
+      <p:pic>
+        <p:nvPicPr>
+          <p:cNvPr id="7" name="Imagen 6"/>
+          <p:cNvPicPr>
+            <a:picLocks noChangeAspect="1"/>
+          </p:cNvPicPr>
+          <p:nvPr/>
+        </p:nvPicPr>
+        <p:blipFill>
+          <a:blip r:embed="rId3"/>
+          <a:stretch>
+            <a:fillRect/>
+          </a:stretch>
+        </p:blipFill>
+        <p:spPr>
+          <a:xfrm>
+            <a:off x="1162731" y="2272951"/>
+            <a:ext cx="3376318" cy="2362738"/>
+          </a:xfrm>
+          <a:prstGeom prst="rect">
+            <a:avLst/>
+          </a:prstGeom>
+        </p:spPr>
+      </p:pic>
+      <p:pic>
+        <p:nvPicPr>
+          <p:cNvPr id="8" name="Imagen 7"/>
+          <p:cNvPicPr>
+            <a:picLocks noChangeAspect="1"/>
+          </p:cNvPicPr>
+          <p:nvPr/>
+        </p:nvPicPr>
+        <p:blipFill>
+          <a:blip r:embed="rId4"/>
+          <a:stretch>
+            <a:fillRect/>
+          </a:stretch>
+        </p:blipFill>
+        <p:spPr>
+          <a:xfrm>
+            <a:off x="1162731" y="4730065"/>
+            <a:ext cx="3124806" cy="2127935"/>
+          </a:xfrm>
+          <a:prstGeom prst="rect">
+            <a:avLst/>
+          </a:prstGeom>
+        </p:spPr>
+      </p:pic>
+    </p:spTree>
+    <p:extLst>
+      <p:ext uri="{BB962C8B-B14F-4D97-AF65-F5344CB8AC3E}">
+        <p14:creationId xmlns:p14="http://schemas.microsoft.com/office/powerpoint/2010/main" val="194622309"/>
+      </p:ext>
+    </p:extLst>
+  </p:cSld>
+  <p:clrMapOvr>
+    <a:masterClrMapping/>
+  </p:clrMapOvr>
+  <p:timing>
+    <p:tnLst>
+      <p:par>
+        <p:cTn id="1" dur="indefinite" restart="never" nodeType="tmRoot"/>
+      </p:par>
+    </p:tnLst>
+  </p:timing>
+</p:sld>
+</file>
+
+<file path=ppt/slides/slide27.xml><?xml version="1.0" encoding="utf-8"?>
+<p:sld xmlns:a="http://schemas.openxmlformats.org/drawingml/2006/main" xmlns:r="http://schemas.openxmlformats.org/officeDocument/2006/relationships" xmlns:p="http://schemas.openxmlformats.org/presentationml/2006/main">
+  <p:cSld>
+    <p:spTree>
+      <p:nvGrpSpPr>
+        <p:cNvPr id="1" name=""/>
+        <p:cNvGrpSpPr/>
+        <p:nvPr/>
+      </p:nvGrpSpPr>
+      <p:grpSpPr>
+        <a:xfrm>
+          <a:off x="0" y="0"/>
+          <a:ext cx="0" cy="0"/>
+          <a:chOff x="0" y="0"/>
+          <a:chExt cx="0" cy="0"/>
+        </a:xfrm>
+      </p:grpSpPr>
+      <p:sp>
+        <p:nvSpPr>
+          <p:cNvPr id="2" name="Título 1"/>
+          <p:cNvSpPr>
+            <a:spLocks noGrp="1"/>
+          </p:cNvSpPr>
+          <p:nvPr>
+            <p:ph type="title"/>
+          </p:nvPr>
+        </p:nvSpPr>
+        <p:spPr/>
+        <p:txBody>
+          <a:bodyPr/>
+          <a:lstStyle/>
+          <a:p>
+            <a:endParaRPr lang="es-MX"/>
+          </a:p>
+        </p:txBody>
+      </p:sp>
+      <p:sp>
+        <p:nvSpPr>
+          <p:cNvPr id="3" name="Marcador de contenido 2"/>
+          <p:cNvSpPr>
+            <a:spLocks noGrp="1"/>
+          </p:cNvSpPr>
+          <p:nvPr>
+            <p:ph idx="1"/>
+          </p:nvPr>
+        </p:nvSpPr>
+        <p:spPr/>
+        <p:txBody>
+          <a:bodyPr/>
+          <a:lstStyle/>
+          <a:p>
+            <a:endParaRPr lang="es-MX" dirty="0"/>
+          </a:p>
+        </p:txBody>
+      </p:sp>
+      <p:pic>
+        <p:nvPicPr>
+          <p:cNvPr id="4" name="Imagen 3"/>
+          <p:cNvPicPr>
+            <a:picLocks noChangeAspect="1"/>
+          </p:cNvPicPr>
+          <p:nvPr/>
+        </p:nvPicPr>
+        <p:blipFill>
+          <a:blip r:embed="rId2"/>
+          <a:stretch>
+            <a:fillRect/>
+          </a:stretch>
+        </p:blipFill>
+        <p:spPr>
+          <a:xfrm>
+            <a:off x="0" y="1443203"/>
+            <a:ext cx="5759133" cy="3598369"/>
+          </a:xfrm>
+          <a:prstGeom prst="rect">
+            <a:avLst/>
+          </a:prstGeom>
+        </p:spPr>
+      </p:pic>
+      <p:pic>
+        <p:nvPicPr>
+          <p:cNvPr id="5" name="Imagen 4"/>
+          <p:cNvPicPr>
+            <a:picLocks noChangeAspect="1"/>
+          </p:cNvPicPr>
+          <p:nvPr/>
+        </p:nvPicPr>
+        <p:blipFill>
+          <a:blip r:embed="rId3"/>
+          <a:stretch>
+            <a:fillRect/>
+          </a:stretch>
+        </p:blipFill>
+        <p:spPr>
+          <a:xfrm>
+            <a:off x="5648195" y="1282581"/>
+            <a:ext cx="6331680" cy="3919611"/>
+          </a:xfrm>
+          <a:prstGeom prst="rect">
+            <a:avLst/>
+          </a:prstGeom>
+        </p:spPr>
+      </p:pic>
+    </p:spTree>
+    <p:extLst>
+      <p:ext uri="{BB962C8B-B14F-4D97-AF65-F5344CB8AC3E}">
+        <p14:creationId xmlns:p14="http://schemas.microsoft.com/office/powerpoint/2010/main" val="2587561271"/>
+      </p:ext>
+    </p:extLst>
+  </p:cSld>
+  <p:clrMapOvr>
+    <a:masterClrMapping/>
+  </p:clrMapOvr>
+  <p:timing>
+    <p:tnLst>
+      <p:par>
+        <p:cTn id="1" dur="indefinite" restart="never" nodeType="tmRoot"/>
+      </p:par>
+    </p:tnLst>
+  </p:timing>
+</p:sld>
+</file>
+
+<file path=ppt/slides/slide28.xml><?xml version="1.0" encoding="utf-8"?>
+<p:sld xmlns:a="http://schemas.openxmlformats.org/drawingml/2006/main" xmlns:r="http://schemas.openxmlformats.org/officeDocument/2006/relationships" xmlns:p="http://schemas.openxmlformats.org/presentationml/2006/main">
+  <p:cSld>
+    <p:spTree>
+      <p:nvGrpSpPr>
+        <p:cNvPr id="1" name=""/>
+        <p:cNvGrpSpPr/>
+        <p:nvPr/>
+      </p:nvGrpSpPr>
+      <p:grpSpPr>
+        <a:xfrm>
+          <a:off x="0" y="0"/>
+          <a:ext cx="0" cy="0"/>
+          <a:chOff x="0" y="0"/>
+          <a:chExt cx="0" cy="0"/>
+        </a:xfrm>
+      </p:grpSpPr>
+      <p:sp>
+        <p:nvSpPr>
+          <p:cNvPr id="2" name="Título 1"/>
+          <p:cNvSpPr>
+            <a:spLocks noGrp="1"/>
+          </p:cNvSpPr>
+          <p:nvPr>
+            <p:ph type="title"/>
+          </p:nvPr>
+        </p:nvSpPr>
+        <p:spPr>
+          <a:xfrm>
+            <a:off x="0" y="76800"/>
+            <a:ext cx="5016843" cy="1325563"/>
+          </a:xfrm>
+          <a:solidFill>
+            <a:schemeClr val="accent1">
+              <a:lumMod val="75000"/>
+            </a:schemeClr>
+          </a:solidFill>
+        </p:spPr>
+        <p:txBody>
+          <a:bodyPr/>
+          <a:lstStyle/>
+          <a:p>
+            <a:r>
+              <a:rPr lang="es-MX" b="1" dirty="0" smtClean="0">
+                <a:solidFill>
+                  <a:schemeClr val="bg1"/>
+                </a:solidFill>
+              </a:rPr>
+              <a:t>Resultados</a:t>
+            </a:r>
+            <a:r>
+              <a:rPr lang="es-MX" dirty="0" smtClean="0"/>
+              <a:t> </a:t>
+            </a:r>
+            <a:endParaRPr lang="es-MX" dirty="0"/>
+          </a:p>
+        </p:txBody>
+      </p:sp>
+      <p:sp>
+        <p:nvSpPr>
+          <p:cNvPr id="3" name="Marcador de contenido 2"/>
+          <p:cNvSpPr>
+            <a:spLocks noGrp="1"/>
+          </p:cNvSpPr>
+          <p:nvPr>
+            <p:ph idx="1"/>
+          </p:nvPr>
+        </p:nvSpPr>
+        <p:spPr>
+          <a:xfrm>
+            <a:off x="146222" y="1568414"/>
+            <a:ext cx="10515600" cy="4351338"/>
+          </a:xfrm>
+        </p:spPr>
+        <p:txBody>
+          <a:bodyPr/>
+          <a:lstStyle/>
+          <a:p>
+            <a:pPr marL="0" indent="0">
+              <a:buNone/>
+            </a:pPr>
+            <a:r>
+              <a:rPr lang="es-MX" dirty="0"/>
+              <a:t>2</a:t>
+            </a:r>
+            <a:r>
+              <a:rPr lang="es-MX" dirty="0" smtClean="0"/>
+              <a:t>.  </a:t>
+            </a:r>
+            <a:r>
+              <a:rPr lang="es-MX" dirty="0" smtClean="0"/>
+              <a:t>Comparación entre Tasas (Hits y FA)</a:t>
+            </a:r>
+            <a:endParaRPr lang="es-MX" dirty="0"/>
+          </a:p>
+        </p:txBody>
+      </p:sp>
+      <p:sp>
+        <p:nvSpPr>
+          <p:cNvPr id="4" name="Título 1"/>
+          <p:cNvSpPr txBox="1">
+            <a:spLocks/>
+          </p:cNvSpPr>
+          <p:nvPr/>
+        </p:nvSpPr>
+        <p:spPr>
+          <a:xfrm>
+            <a:off x="5346356" y="739581"/>
+            <a:ext cx="6845643" cy="491095"/>
+          </a:xfrm>
+          <a:prstGeom prst="rect">
+            <a:avLst/>
+          </a:prstGeom>
+          <a:solidFill>
+            <a:schemeClr val="accent1">
+              <a:lumMod val="40000"/>
+              <a:lumOff val="60000"/>
+            </a:schemeClr>
+          </a:solidFill>
+        </p:spPr>
+        <p:txBody>
+          <a:bodyPr vert="horz" lIns="91440" tIns="45720" rIns="91440" bIns="45720" rtlCol="0" anchor="ctr">
+            <a:normAutofit fontScale="85000" lnSpcReduction="20000"/>
+          </a:bodyPr>
+          <a:lstStyle>
+            <a:lvl1pPr algn="l" defTabSz="914400" rtl="0" eaLnBrk="1" latinLnBrk="0" hangingPunct="1">
+              <a:lnSpc>
+                <a:spcPct val="90000"/>
+              </a:lnSpc>
+              <a:spcBef>
+                <a:spcPct val="0"/>
+              </a:spcBef>
+              <a:buNone/>
+              <a:defRPr sz="4400" kern="1200">
+                <a:solidFill>
+                  <a:schemeClr val="tx1"/>
+                </a:solidFill>
+                <a:latin typeface="+mj-lt"/>
+                <a:ea typeface="+mj-ea"/>
+                <a:cs typeface="+mj-cs"/>
+              </a:defRPr>
+            </a:lvl1pPr>
+          </a:lstStyle>
+          <a:p>
+            <a:pPr algn="r"/>
+            <a:r>
+              <a:rPr lang="es-MX" dirty="0" smtClean="0"/>
+              <a:t>PARTE II  </a:t>
+            </a:r>
+            <a:endParaRPr lang="es-MX" dirty="0"/>
+          </a:p>
+        </p:txBody>
+      </p:sp>
+      <p:pic>
+        <p:nvPicPr>
+          <p:cNvPr id="6" name="Imagen 5"/>
+          <p:cNvPicPr>
+            <a:picLocks noChangeAspect="1"/>
+          </p:cNvPicPr>
+          <p:nvPr/>
+        </p:nvPicPr>
+        <p:blipFill>
+          <a:blip r:embed="rId2"/>
+          <a:stretch>
+            <a:fillRect/>
+          </a:stretch>
+        </p:blipFill>
+        <p:spPr>
+          <a:xfrm>
+            <a:off x="6384325" y="2175461"/>
+            <a:ext cx="5684106" cy="3910342"/>
+          </a:xfrm>
+          <a:prstGeom prst="rect">
+            <a:avLst/>
+          </a:prstGeom>
+        </p:spPr>
+      </p:pic>
+      <p:pic>
+        <p:nvPicPr>
+          <p:cNvPr id="9" name="Imagen 8"/>
+          <p:cNvPicPr>
+            <a:picLocks noChangeAspect="1"/>
+          </p:cNvPicPr>
+          <p:nvPr/>
+        </p:nvPicPr>
+        <p:blipFill>
+          <a:blip r:embed="rId3"/>
+          <a:stretch>
+            <a:fillRect/>
+          </a:stretch>
+        </p:blipFill>
+        <p:spPr>
+          <a:xfrm>
+            <a:off x="0" y="2899312"/>
+            <a:ext cx="3371464" cy="2708643"/>
+          </a:xfrm>
+          <a:prstGeom prst="rect">
+            <a:avLst/>
+          </a:prstGeom>
+        </p:spPr>
+      </p:pic>
+      <p:pic>
+        <p:nvPicPr>
+          <p:cNvPr id="10" name="Imagen 9"/>
+          <p:cNvPicPr>
+            <a:picLocks noChangeAspect="1"/>
+          </p:cNvPicPr>
+          <p:nvPr/>
+        </p:nvPicPr>
+        <p:blipFill>
+          <a:blip r:embed="rId4"/>
+          <a:stretch>
+            <a:fillRect/>
+          </a:stretch>
+        </p:blipFill>
+        <p:spPr>
+          <a:xfrm>
+            <a:off x="3274027" y="3015049"/>
+            <a:ext cx="3037187" cy="2675932"/>
+          </a:xfrm>
+          <a:prstGeom prst="rect">
+            <a:avLst/>
+          </a:prstGeom>
+        </p:spPr>
+      </p:pic>
+    </p:spTree>
+    <p:extLst>
+      <p:ext uri="{BB962C8B-B14F-4D97-AF65-F5344CB8AC3E}">
+        <p14:creationId xmlns:p14="http://schemas.microsoft.com/office/powerpoint/2010/main" val="1146874553"/>
+      </p:ext>
+    </p:extLst>
+  </p:cSld>
+  <p:clrMapOvr>
+    <a:masterClrMapping/>
+  </p:clrMapOvr>
+  <p:timing>
+    <p:tnLst>
+      <p:par>
+        <p:cTn id="1" dur="indefinite" restart="never" nodeType="tmRoot"/>
+      </p:par>
+    </p:tnLst>
+  </p:timing>
+</p:sld>
+</file>
+
+<file path=ppt/slides/slide29.xml><?xml version="1.0" encoding="utf-8"?>
+<p:sld xmlns:a="http://schemas.openxmlformats.org/drawingml/2006/main" xmlns:r="http://schemas.openxmlformats.org/officeDocument/2006/relationships" xmlns:p="http://schemas.openxmlformats.org/presentationml/2006/main">
+  <p:cSld>
+    <p:spTree>
+      <p:nvGrpSpPr>
+        <p:cNvPr id="1" name=""/>
+        <p:cNvGrpSpPr/>
+        <p:nvPr/>
+      </p:nvGrpSpPr>
+      <p:grpSpPr>
+        <a:xfrm>
+          <a:off x="0" y="0"/>
+          <a:ext cx="0" cy="0"/>
+          <a:chOff x="0" y="0"/>
+          <a:chExt cx="0" cy="0"/>
+        </a:xfrm>
+      </p:grpSpPr>
+      <p:sp>
+        <p:nvSpPr>
+          <p:cNvPr id="2" name="Título 1"/>
+          <p:cNvSpPr>
+            <a:spLocks noGrp="1"/>
+          </p:cNvSpPr>
+          <p:nvPr>
+            <p:ph type="title"/>
+          </p:nvPr>
+        </p:nvSpPr>
+        <p:spPr/>
+        <p:txBody>
+          <a:bodyPr/>
+          <a:lstStyle/>
+          <a:p>
+            <a:endParaRPr lang="es-MX"/>
+          </a:p>
+        </p:txBody>
+      </p:sp>
+      <p:sp>
+        <p:nvSpPr>
+          <p:cNvPr id="3" name="Marcador de contenido 2"/>
+          <p:cNvSpPr>
+            <a:spLocks noGrp="1"/>
+          </p:cNvSpPr>
+          <p:nvPr>
+            <p:ph idx="1"/>
+          </p:nvPr>
+        </p:nvSpPr>
+        <p:spPr/>
+        <p:txBody>
+          <a:bodyPr/>
+          <a:lstStyle/>
+          <a:p>
+            <a:endParaRPr lang="es-MX" dirty="0"/>
+          </a:p>
+        </p:txBody>
+      </p:sp>
+      <p:pic>
+        <p:nvPicPr>
+          <p:cNvPr id="6" name="Imagen 5"/>
+          <p:cNvPicPr>
+            <a:picLocks noChangeAspect="1"/>
+          </p:cNvPicPr>
+          <p:nvPr/>
+        </p:nvPicPr>
+        <p:blipFill>
+          <a:blip r:embed="rId2"/>
+          <a:stretch>
+            <a:fillRect/>
+          </a:stretch>
+        </p:blipFill>
+        <p:spPr>
+          <a:xfrm>
+            <a:off x="6433623" y="47625"/>
+            <a:ext cx="4695825" cy="6810375"/>
+          </a:xfrm>
+          <a:prstGeom prst="rect">
+            <a:avLst/>
+          </a:prstGeom>
+        </p:spPr>
+      </p:pic>
+      <p:pic>
+        <p:nvPicPr>
+          <p:cNvPr id="7" name="Imagen 6"/>
+          <p:cNvPicPr>
+            <a:picLocks noChangeAspect="1"/>
+          </p:cNvPicPr>
+          <p:nvPr/>
+        </p:nvPicPr>
+        <p:blipFill>
+          <a:blip r:embed="rId3"/>
+          <a:stretch>
+            <a:fillRect/>
+          </a:stretch>
+        </p:blipFill>
+        <p:spPr>
+          <a:xfrm>
+            <a:off x="676275" y="47625"/>
+            <a:ext cx="5419725" cy="6962775"/>
+          </a:xfrm>
+          <a:prstGeom prst="rect">
+            <a:avLst/>
+          </a:prstGeom>
+        </p:spPr>
+      </p:pic>
+    </p:spTree>
+    <p:extLst>
+      <p:ext uri="{BB962C8B-B14F-4D97-AF65-F5344CB8AC3E}">
+        <p14:creationId xmlns:p14="http://schemas.microsoft.com/office/powerpoint/2010/main" val="624803915"/>
+      </p:ext>
+    </p:extLst>
+  </p:cSld>
+  <p:clrMapOvr>
+    <a:masterClrMapping/>
+  </p:clrMapOvr>
+  <p:timing>
+    <p:tnLst>
+      <p:par>
+        <p:cTn id="1" dur="indefinite" restart="never" nodeType="tmRoot"/>
+      </p:par>
+    </p:tnLst>
+  </p:timing>
+</p:sld>
+</file>
+
+<file path=ppt/slides/slide3.xml><?xml version="1.0" encoding="utf-8"?>
+<p:sld xmlns:a="http://schemas.openxmlformats.org/drawingml/2006/main" xmlns:r="http://schemas.openxmlformats.org/officeDocument/2006/relationships" xmlns:p="http://schemas.openxmlformats.org/presentationml/2006/main">
+  <p:cSld>
+    <p:spTree>
+      <p:nvGrpSpPr>
+        <p:cNvPr id="1" name=""/>
+        <p:cNvGrpSpPr/>
+        <p:nvPr/>
+      </p:nvGrpSpPr>
+      <p:grpSpPr>
+        <a:xfrm>
+          <a:off x="0" y="0"/>
+          <a:ext cx="0" cy="0"/>
+          <a:chOff x="0" y="0"/>
+          <a:chExt cx="0" cy="0"/>
+        </a:xfrm>
+      </p:grpSpPr>
+      <p:pic>
+        <p:nvPicPr>
+          <p:cNvPr id="5" name="Imagen 4"/>
+          <p:cNvPicPr>
+            <a:picLocks noChangeAspect="1"/>
+          </p:cNvPicPr>
+          <p:nvPr/>
+        </p:nvPicPr>
+        <p:blipFill>
+          <a:blip r:embed="rId2"/>
+          <a:stretch>
+            <a:fillRect/>
+          </a:stretch>
+        </p:blipFill>
+        <p:spPr>
+          <a:xfrm>
+            <a:off x="300680" y="1830475"/>
+            <a:ext cx="6425514" cy="4216744"/>
+          </a:xfrm>
+          <a:prstGeom prst="rect">
+            <a:avLst/>
+          </a:prstGeom>
+        </p:spPr>
+      </p:pic>
       <p:sp>
         <p:nvSpPr>
           <p:cNvPr id="6" name="Marcador de contenido 5"/>
@@ -6660,14 +8071,14 @@
       </p:sp>
       <p:sp>
         <p:nvSpPr>
-          <p:cNvPr id="8" name="CuadroTexto 7"/>
+          <p:cNvPr id="7" name="CuadroTexto 6"/>
           <p:cNvSpPr txBox="1"/>
           <p:nvPr/>
         </p:nvSpPr>
         <p:spPr>
           <a:xfrm>
-            <a:off x="1210962" y="5233457"/>
-            <a:ext cx="4300151" cy="1200329"/>
+            <a:off x="7026876" y="1622854"/>
+            <a:ext cx="4703805" cy="2123658"/>
           </a:xfrm>
           <a:prstGeom prst="rect">
             <a:avLst/>
@@ -6679,6 +8090,133 @@
             <a:spAutoFit/>
           </a:bodyPr>
           <a:lstStyle/>
+          <a:p>
+            <a:pPr marL="285750" indent="-285750">
+              <a:buFont typeface="Arial" panose="020B0604020202020204" pitchFamily="34" charset="0"/>
+              <a:buChar char="•"/>
+            </a:pPr>
+            <a:r>
+              <a:rPr lang="es-MX" sz="2200" dirty="0" smtClean="0"/>
+              <a:t>Supuestos generales del modelo</a:t>
+            </a:r>
+          </a:p>
+          <a:p>
+            <a:pPr marL="742950" lvl="1" indent="-285750">
+              <a:buFont typeface="Arial" panose="020B0604020202020204" pitchFamily="34" charset="0"/>
+              <a:buChar char="•"/>
+            </a:pPr>
+            <a:r>
+              <a:rPr lang="es-MX" sz="2200" dirty="0" smtClean="0"/>
+              <a:t>La variabilidad en el entorno </a:t>
+            </a:r>
+          </a:p>
+          <a:p>
+            <a:pPr marL="1200150" lvl="2" indent="-285750">
+              <a:buFont typeface="Arial" panose="020B0604020202020204" pitchFamily="34" charset="0"/>
+              <a:buChar char="•"/>
+            </a:pPr>
+            <a:r>
+              <a:rPr lang="es-MX" sz="2200" dirty="0" err="1" smtClean="0"/>
+              <a:t>Discriminabilidad</a:t>
+            </a:r>
+            <a:r>
+              <a:rPr lang="es-MX" sz="2200" dirty="0" smtClean="0"/>
+              <a:t> </a:t>
+            </a:r>
+          </a:p>
+          <a:p>
+            <a:pPr marL="742950" lvl="1" indent="-285750">
+              <a:buFont typeface="Arial" panose="020B0604020202020204" pitchFamily="34" charset="0"/>
+              <a:buChar char="•"/>
+            </a:pPr>
+            <a:r>
+              <a:rPr lang="es-MX" sz="2200" dirty="0" smtClean="0"/>
+              <a:t>La variabilidad en las consecuencias</a:t>
+            </a:r>
+          </a:p>
+          <a:p>
+            <a:pPr marL="1200150" lvl="2" indent="-285750">
+              <a:buFont typeface="Arial" panose="020B0604020202020204" pitchFamily="34" charset="0"/>
+              <a:buChar char="•"/>
+            </a:pPr>
+            <a:r>
+              <a:rPr lang="es-MX" sz="2200" dirty="0" smtClean="0"/>
+              <a:t>Sesgo</a:t>
+            </a:r>
+          </a:p>
+        </p:txBody>
+      </p:sp>
+      <p:sp>
+        <p:nvSpPr>
+          <p:cNvPr id="8" name="CuadroTexto 7"/>
+          <p:cNvSpPr txBox="1"/>
+          <p:nvPr/>
+        </p:nvSpPr>
+        <p:spPr>
+          <a:xfrm>
+            <a:off x="7115433" y="4151871"/>
+            <a:ext cx="4615247" cy="2070170"/>
+          </a:xfrm>
+          <a:prstGeom prst="rect">
+            <a:avLst/>
+          </a:prstGeom>
+          <a:noFill/>
+        </p:spPr>
+        <p:txBody>
+          <a:bodyPr wrap="square" rtlCol="0">
+            <a:spAutoFit/>
+          </a:bodyPr>
+          <a:lstStyle/>
+          <a:p>
+            <a:pPr marL="285750" indent="-285750">
+              <a:buFont typeface="Arial" panose="020B0604020202020204" pitchFamily="34" charset="0"/>
+              <a:buChar char="•"/>
+            </a:pPr>
+            <a:r>
+              <a:rPr lang="es-MX" sz="2200" dirty="0" smtClean="0"/>
+              <a:t>Parámetros del modelo</a:t>
+            </a:r>
+          </a:p>
+          <a:p>
+            <a:pPr marL="742950" lvl="1" indent="-285750">
+              <a:buFont typeface="Arial" panose="020B0604020202020204" pitchFamily="34" charset="0"/>
+              <a:buChar char="•"/>
+            </a:pPr>
+            <a:r>
+              <a:rPr lang="es-MX" sz="2200" dirty="0" smtClean="0"/>
+              <a:t>d’</a:t>
+            </a:r>
+          </a:p>
+          <a:p>
+            <a:pPr marL="742950" lvl="1" indent="-285750">
+              <a:buFont typeface="Arial" panose="020B0604020202020204" pitchFamily="34" charset="0"/>
+              <a:buChar char="•"/>
+            </a:pPr>
+            <a:r>
+              <a:rPr lang="es-MX" sz="2200" dirty="0" smtClean="0"/>
+              <a:t>k</a:t>
+            </a:r>
+          </a:p>
+          <a:p>
+            <a:pPr marL="742950" lvl="1" indent="-285750">
+              <a:buFont typeface="Arial" panose="020B0604020202020204" pitchFamily="34" charset="0"/>
+              <a:buChar char="•"/>
+            </a:pPr>
+            <a:r>
+              <a:rPr lang="es-MX" sz="2200" dirty="0" smtClean="0"/>
+              <a:t>C</a:t>
+            </a:r>
+          </a:p>
+          <a:p>
+            <a:pPr marL="742950" lvl="1" indent="-285750">
+              <a:buFont typeface="Arial" panose="020B0604020202020204" pitchFamily="34" charset="0"/>
+              <a:buChar char="•"/>
+            </a:pPr>
+            <a:r>
+              <a:rPr lang="es-MX" sz="2200" dirty="0" smtClean="0"/>
+              <a:t>Beta</a:t>
+            </a:r>
+          </a:p>
           <a:p>
             <a:pPr marL="742950" lvl="1" indent="-285750">
               <a:buFont typeface="Arial" panose="020B0604020202020204" pitchFamily="34" charset="0"/>
@@ -6686,32 +8224,1133 @@
             </a:pPr>
             <a:endParaRPr lang="es-MX" dirty="0" smtClean="0"/>
           </a:p>
+        </p:txBody>
+      </p:sp>
+      <p:sp>
+        <p:nvSpPr>
+          <p:cNvPr id="3" name="Título 2"/>
+          <p:cNvSpPr>
+            <a:spLocks noGrp="1"/>
+          </p:cNvSpPr>
+          <p:nvPr>
+            <p:ph type="title"/>
+          </p:nvPr>
+        </p:nvSpPr>
+        <p:spPr/>
+        <p:txBody>
+          <a:bodyPr/>
+          <a:lstStyle/>
+          <a:p>
+            <a:endParaRPr lang="es-MX"/>
+          </a:p>
+        </p:txBody>
+      </p:sp>
+      <p:sp>
+        <p:nvSpPr>
+          <p:cNvPr id="9" name="Título 1"/>
+          <p:cNvSpPr txBox="1">
+            <a:spLocks/>
+          </p:cNvSpPr>
+          <p:nvPr/>
+        </p:nvSpPr>
+        <p:spPr>
+          <a:xfrm>
+            <a:off x="0" y="76800"/>
+            <a:ext cx="5016843" cy="788173"/>
+          </a:xfrm>
+          <a:prstGeom prst="rect">
+            <a:avLst/>
+          </a:prstGeom>
+          <a:solidFill>
+            <a:schemeClr val="accent4">
+              <a:lumMod val="50000"/>
+            </a:schemeClr>
+          </a:solidFill>
+        </p:spPr>
+        <p:txBody>
+          <a:bodyPr vert="horz" lIns="91440" tIns="45720" rIns="91440" bIns="45720" rtlCol="0" anchor="ctr">
+            <a:normAutofit/>
+          </a:bodyPr>
+          <a:lstStyle>
+            <a:lvl1pPr algn="l" defTabSz="914400" rtl="0" eaLnBrk="1" latinLnBrk="0" hangingPunct="1">
+              <a:lnSpc>
+                <a:spcPct val="90000"/>
+              </a:lnSpc>
+              <a:spcBef>
+                <a:spcPct val="0"/>
+              </a:spcBef>
+              <a:buNone/>
+              <a:defRPr sz="4400" kern="1200">
+                <a:solidFill>
+                  <a:schemeClr val="tx1"/>
+                </a:solidFill>
+                <a:latin typeface="+mj-lt"/>
+                <a:ea typeface="+mj-ea"/>
+                <a:cs typeface="+mj-cs"/>
+              </a:defRPr>
+            </a:lvl1pPr>
+          </a:lstStyle>
+          <a:p>
+            <a:r>
+              <a:rPr lang="es-MX" b="1" smtClean="0">
+                <a:solidFill>
+                  <a:schemeClr val="bg1"/>
+                </a:solidFill>
+              </a:rPr>
+              <a:t>Marco Teórico</a:t>
+            </a:r>
+            <a:r>
+              <a:rPr lang="es-MX" smtClean="0"/>
+              <a:t> </a:t>
+            </a:r>
+            <a:endParaRPr lang="es-MX" dirty="0"/>
+          </a:p>
+        </p:txBody>
+      </p:sp>
+      <p:sp>
+        <p:nvSpPr>
+          <p:cNvPr id="10" name="Título 1"/>
+          <p:cNvSpPr txBox="1">
+            <a:spLocks/>
+          </p:cNvSpPr>
+          <p:nvPr/>
+        </p:nvSpPr>
+        <p:spPr>
+          <a:xfrm>
+            <a:off x="5346357" y="225338"/>
+            <a:ext cx="6845643" cy="491095"/>
+          </a:xfrm>
+          <a:prstGeom prst="rect">
+            <a:avLst/>
+          </a:prstGeom>
+          <a:solidFill>
+            <a:schemeClr val="accent4">
+              <a:lumMod val="40000"/>
+              <a:lumOff val="60000"/>
+            </a:schemeClr>
+          </a:solidFill>
+        </p:spPr>
+        <p:txBody>
+          <a:bodyPr vert="horz" lIns="91440" tIns="45720" rIns="91440" bIns="45720" rtlCol="0" anchor="ctr">
+            <a:normAutofit fontScale="85000" lnSpcReduction="20000"/>
+          </a:bodyPr>
+          <a:lstStyle>
+            <a:lvl1pPr algn="l" defTabSz="914400" rtl="0" eaLnBrk="1" latinLnBrk="0" hangingPunct="1">
+              <a:lnSpc>
+                <a:spcPct val="90000"/>
+              </a:lnSpc>
+              <a:spcBef>
+                <a:spcPct val="0"/>
+              </a:spcBef>
+              <a:buNone/>
+              <a:defRPr sz="4400" kern="1200">
+                <a:solidFill>
+                  <a:schemeClr val="tx1"/>
+                </a:solidFill>
+                <a:latin typeface="+mj-lt"/>
+                <a:ea typeface="+mj-ea"/>
+                <a:cs typeface="+mj-cs"/>
+              </a:defRPr>
+            </a:lvl1pPr>
+          </a:lstStyle>
+          <a:p>
+            <a:pPr algn="r"/>
+            <a:r>
+              <a:rPr lang="es-MX" dirty="0" smtClean="0"/>
+              <a:t>Teoría de Detección de Señales</a:t>
+            </a:r>
+            <a:endParaRPr lang="es-MX" dirty="0"/>
+          </a:p>
+        </p:txBody>
+      </p:sp>
+    </p:spTree>
+    <p:extLst>
+      <p:ext uri="{BB962C8B-B14F-4D97-AF65-F5344CB8AC3E}">
+        <p14:creationId xmlns:p14="http://schemas.microsoft.com/office/powerpoint/2010/main" val="2567300911"/>
+      </p:ext>
+    </p:extLst>
+  </p:cSld>
+  <p:clrMapOvr>
+    <a:masterClrMapping/>
+  </p:clrMapOvr>
+  <p:timing>
+    <p:tnLst>
+      <p:par>
+        <p:cTn id="1" dur="indefinite" restart="never" nodeType="tmRoot"/>
+      </p:par>
+    </p:tnLst>
+  </p:timing>
+</p:sld>
+</file>
+
+<file path=ppt/slides/slide30.xml><?xml version="1.0" encoding="utf-8"?>
+<p:sld xmlns:a="http://schemas.openxmlformats.org/drawingml/2006/main" xmlns:r="http://schemas.openxmlformats.org/officeDocument/2006/relationships" xmlns:p="http://schemas.openxmlformats.org/presentationml/2006/main">
+  <p:cSld>
+    <p:spTree>
+      <p:nvGrpSpPr>
+        <p:cNvPr id="1" name=""/>
+        <p:cNvGrpSpPr/>
+        <p:nvPr/>
+      </p:nvGrpSpPr>
+      <p:grpSpPr>
+        <a:xfrm>
+          <a:off x="0" y="0"/>
+          <a:ext cx="0" cy="0"/>
+          <a:chOff x="0" y="0"/>
+          <a:chExt cx="0" cy="0"/>
+        </a:xfrm>
+      </p:grpSpPr>
+      <p:sp>
+        <p:nvSpPr>
+          <p:cNvPr id="2" name="Título 1"/>
+          <p:cNvSpPr>
+            <a:spLocks noGrp="1"/>
+          </p:cNvSpPr>
+          <p:nvPr>
+            <p:ph type="title"/>
+          </p:nvPr>
+        </p:nvSpPr>
+        <p:spPr>
+          <a:xfrm>
+            <a:off x="0" y="76800"/>
+            <a:ext cx="5016843" cy="1325563"/>
+          </a:xfrm>
+          <a:solidFill>
+            <a:schemeClr val="accent1">
+              <a:lumMod val="75000"/>
+            </a:schemeClr>
+          </a:solidFill>
+        </p:spPr>
+        <p:txBody>
+          <a:bodyPr/>
+          <a:lstStyle/>
+          <a:p>
+            <a:r>
+              <a:rPr lang="es-MX" b="1" dirty="0" smtClean="0">
+                <a:solidFill>
+                  <a:schemeClr val="bg1"/>
+                </a:solidFill>
+              </a:rPr>
+              <a:t>Resultados</a:t>
+            </a:r>
+            <a:r>
+              <a:rPr lang="es-MX" dirty="0" smtClean="0"/>
+              <a:t> </a:t>
+            </a:r>
+            <a:endParaRPr lang="es-MX" dirty="0"/>
+          </a:p>
+        </p:txBody>
+      </p:sp>
+      <p:sp>
+        <p:nvSpPr>
+          <p:cNvPr id="3" name="Marcador de contenido 2"/>
+          <p:cNvSpPr>
+            <a:spLocks noGrp="1"/>
+          </p:cNvSpPr>
+          <p:nvPr>
+            <p:ph idx="1"/>
+          </p:nvPr>
+        </p:nvSpPr>
+        <p:spPr>
+          <a:xfrm>
+            <a:off x="146222" y="1568414"/>
+            <a:ext cx="10515600" cy="4351338"/>
+          </a:xfrm>
+        </p:spPr>
+        <p:txBody>
+          <a:bodyPr/>
+          <a:lstStyle/>
+          <a:p>
+            <a:pPr marL="0" indent="0">
+              <a:buNone/>
+            </a:pPr>
+            <a:r>
+              <a:rPr lang="es-MX" dirty="0" smtClean="0"/>
+              <a:t>3.  </a:t>
+            </a:r>
+            <a:r>
+              <a:rPr lang="es-MX" dirty="0" smtClean="0"/>
+              <a:t>Comparación </a:t>
+            </a:r>
+            <a:r>
+              <a:rPr lang="es-MX" dirty="0" smtClean="0"/>
+              <a:t>entre los Puntajes de Confianza asignados en promedio a cada clase de estímulos</a:t>
+            </a:r>
+            <a:endParaRPr lang="es-MX" dirty="0"/>
+          </a:p>
+        </p:txBody>
+      </p:sp>
+      <p:sp>
+        <p:nvSpPr>
+          <p:cNvPr id="4" name="Título 1"/>
+          <p:cNvSpPr txBox="1">
+            <a:spLocks/>
+          </p:cNvSpPr>
+          <p:nvPr/>
+        </p:nvSpPr>
+        <p:spPr>
+          <a:xfrm>
+            <a:off x="5346356" y="739581"/>
+            <a:ext cx="6845643" cy="491095"/>
+          </a:xfrm>
+          <a:prstGeom prst="rect">
+            <a:avLst/>
+          </a:prstGeom>
+          <a:solidFill>
+            <a:schemeClr val="accent1">
+              <a:lumMod val="40000"/>
+              <a:lumOff val="60000"/>
+            </a:schemeClr>
+          </a:solidFill>
+        </p:spPr>
+        <p:txBody>
+          <a:bodyPr vert="horz" lIns="91440" tIns="45720" rIns="91440" bIns="45720" rtlCol="0" anchor="ctr">
+            <a:normAutofit fontScale="85000" lnSpcReduction="20000"/>
+          </a:bodyPr>
+          <a:lstStyle>
+            <a:lvl1pPr algn="l" defTabSz="914400" rtl="0" eaLnBrk="1" latinLnBrk="0" hangingPunct="1">
+              <a:lnSpc>
+                <a:spcPct val="90000"/>
+              </a:lnSpc>
+              <a:spcBef>
+                <a:spcPct val="0"/>
+              </a:spcBef>
+              <a:buNone/>
+              <a:defRPr sz="4400" kern="1200">
+                <a:solidFill>
+                  <a:schemeClr val="tx1"/>
+                </a:solidFill>
+                <a:latin typeface="+mj-lt"/>
+                <a:ea typeface="+mj-ea"/>
+                <a:cs typeface="+mj-cs"/>
+              </a:defRPr>
+            </a:lvl1pPr>
+          </a:lstStyle>
+          <a:p>
+            <a:pPr algn="r"/>
+            <a:r>
+              <a:rPr lang="es-MX" dirty="0" smtClean="0"/>
+              <a:t>PARTE II  </a:t>
+            </a:r>
+            <a:endParaRPr lang="es-MX" dirty="0"/>
+          </a:p>
+        </p:txBody>
+      </p:sp>
+      <p:pic>
+        <p:nvPicPr>
+          <p:cNvPr id="5" name="Imagen 4"/>
+          <p:cNvPicPr>
+            <a:picLocks noChangeAspect="1"/>
+          </p:cNvPicPr>
+          <p:nvPr/>
+        </p:nvPicPr>
+        <p:blipFill>
+          <a:blip r:embed="rId2"/>
+          <a:stretch>
+            <a:fillRect/>
+          </a:stretch>
+        </p:blipFill>
+        <p:spPr>
+          <a:xfrm>
+            <a:off x="2310713" y="2784389"/>
+            <a:ext cx="6846926" cy="3400940"/>
+          </a:xfrm>
+          <a:prstGeom prst="rect">
+            <a:avLst/>
+          </a:prstGeom>
+        </p:spPr>
+      </p:pic>
+    </p:spTree>
+    <p:extLst>
+      <p:ext uri="{BB962C8B-B14F-4D97-AF65-F5344CB8AC3E}">
+        <p14:creationId xmlns:p14="http://schemas.microsoft.com/office/powerpoint/2010/main" val="2187165659"/>
+      </p:ext>
+    </p:extLst>
+  </p:cSld>
+  <p:clrMapOvr>
+    <a:masterClrMapping/>
+  </p:clrMapOvr>
+  <p:timing>
+    <p:tnLst>
+      <p:par>
+        <p:cTn id="1" dur="indefinite" restart="never" nodeType="tmRoot"/>
+      </p:par>
+    </p:tnLst>
+  </p:timing>
+</p:sld>
+</file>
+
+<file path=ppt/slides/slide31.xml><?xml version="1.0" encoding="utf-8"?>
+<p:sld xmlns:a="http://schemas.openxmlformats.org/drawingml/2006/main" xmlns:r="http://schemas.openxmlformats.org/officeDocument/2006/relationships" xmlns:p="http://schemas.openxmlformats.org/presentationml/2006/main">
+  <p:cSld>
+    <p:spTree>
+      <p:nvGrpSpPr>
+        <p:cNvPr id="1" name=""/>
+        <p:cNvGrpSpPr/>
+        <p:nvPr/>
+      </p:nvGrpSpPr>
+      <p:grpSpPr>
+        <a:xfrm>
+          <a:off x="0" y="0"/>
+          <a:ext cx="0" cy="0"/>
+          <a:chOff x="0" y="0"/>
+          <a:chExt cx="0" cy="0"/>
+        </a:xfrm>
+      </p:grpSpPr>
+      <p:sp>
+        <p:nvSpPr>
+          <p:cNvPr id="2" name="Título 1"/>
+          <p:cNvSpPr>
+            <a:spLocks noGrp="1"/>
+          </p:cNvSpPr>
+          <p:nvPr>
+            <p:ph type="title"/>
+          </p:nvPr>
+        </p:nvSpPr>
+        <p:spPr>
+          <a:xfrm>
+            <a:off x="0" y="76800"/>
+            <a:ext cx="5016843" cy="1325563"/>
+          </a:xfrm>
+          <a:solidFill>
+            <a:schemeClr val="accent6">
+              <a:lumMod val="50000"/>
+            </a:schemeClr>
+          </a:solidFill>
+        </p:spPr>
+        <p:txBody>
+          <a:bodyPr/>
+          <a:lstStyle/>
+          <a:p>
+            <a:r>
+              <a:rPr lang="es-MX" b="1" dirty="0" smtClean="0">
+                <a:solidFill>
+                  <a:schemeClr val="bg1"/>
+                </a:solidFill>
+              </a:rPr>
+              <a:t>Discusión</a:t>
+            </a:r>
+            <a:r>
+              <a:rPr lang="es-MX" dirty="0" smtClean="0"/>
+              <a:t> </a:t>
+            </a:r>
+            <a:endParaRPr lang="es-MX" dirty="0"/>
+          </a:p>
+        </p:txBody>
+      </p:sp>
+      <p:sp>
+        <p:nvSpPr>
+          <p:cNvPr id="3" name="Marcador de contenido 2"/>
+          <p:cNvSpPr>
+            <a:spLocks noGrp="1"/>
+          </p:cNvSpPr>
+          <p:nvPr>
+            <p:ph idx="1"/>
+          </p:nvPr>
+        </p:nvSpPr>
+        <p:spPr/>
+        <p:txBody>
+          <a:bodyPr/>
+          <a:lstStyle/>
+          <a:p>
+            <a:r>
+              <a:rPr lang="es-MX" dirty="0"/>
+              <a:t>Los patrones identificados en la literatura del Efecto Espejo en </a:t>
+            </a:r>
+            <a:r>
+              <a:rPr lang="es-MX" dirty="0" smtClean="0"/>
+              <a:t>Memoria de </a:t>
+            </a:r>
+            <a:r>
+              <a:rPr lang="es-MX" dirty="0"/>
+              <a:t>Reconocimiento (el único dominio donde ha sido estudiado) </a:t>
+            </a:r>
+            <a:r>
+              <a:rPr lang="es-MX" dirty="0" smtClean="0"/>
+              <a:t>fueron hallados </a:t>
+            </a:r>
+            <a:r>
+              <a:rPr lang="es-MX" dirty="0"/>
+              <a:t>en las tareas perceptuales aquí presentadas, en una </a:t>
+            </a:r>
+            <a:r>
+              <a:rPr lang="es-MX" dirty="0" smtClean="0"/>
+              <a:t>proporción significativa </a:t>
+            </a:r>
+            <a:r>
+              <a:rPr lang="es-MX" dirty="0"/>
+              <a:t>contra el azar (entre el 85% y el 90% de los datos analizados).</a:t>
+            </a:r>
+            <a:endParaRPr lang="es-MX" dirty="0"/>
+          </a:p>
+        </p:txBody>
+      </p:sp>
+      <p:sp>
+        <p:nvSpPr>
+          <p:cNvPr id="4" name="Título 1"/>
+          <p:cNvSpPr txBox="1">
+            <a:spLocks/>
+          </p:cNvSpPr>
+          <p:nvPr/>
+        </p:nvSpPr>
+        <p:spPr>
+          <a:xfrm>
+            <a:off x="5346356" y="739581"/>
+            <a:ext cx="6845643" cy="491095"/>
+          </a:xfrm>
+          <a:prstGeom prst="rect">
+            <a:avLst/>
+          </a:prstGeom>
+          <a:solidFill>
+            <a:schemeClr val="accent6">
+              <a:lumMod val="20000"/>
+              <a:lumOff val="80000"/>
+            </a:schemeClr>
+          </a:solidFill>
+        </p:spPr>
+        <p:txBody>
+          <a:bodyPr vert="horz" lIns="91440" tIns="45720" rIns="91440" bIns="45720" rtlCol="0" anchor="ctr">
+            <a:normAutofit fontScale="85000" lnSpcReduction="20000"/>
+          </a:bodyPr>
+          <a:lstStyle>
+            <a:lvl1pPr algn="l" defTabSz="914400" rtl="0" eaLnBrk="1" latinLnBrk="0" hangingPunct="1">
+              <a:lnSpc>
+                <a:spcPct val="90000"/>
+              </a:lnSpc>
+              <a:spcBef>
+                <a:spcPct val="0"/>
+              </a:spcBef>
+              <a:buNone/>
+              <a:defRPr sz="4400" kern="1200">
+                <a:solidFill>
+                  <a:schemeClr val="tx1"/>
+                </a:solidFill>
+                <a:latin typeface="+mj-lt"/>
+                <a:ea typeface="+mj-ea"/>
+                <a:cs typeface="+mj-cs"/>
+              </a:defRPr>
+            </a:lvl1pPr>
+          </a:lstStyle>
+          <a:p>
+            <a:pPr algn="r"/>
+            <a:endParaRPr lang="es-MX" dirty="0"/>
+          </a:p>
+        </p:txBody>
+      </p:sp>
+    </p:spTree>
+    <p:extLst>
+      <p:ext uri="{BB962C8B-B14F-4D97-AF65-F5344CB8AC3E}">
+        <p14:creationId xmlns:p14="http://schemas.microsoft.com/office/powerpoint/2010/main" val="4047381481"/>
+      </p:ext>
+    </p:extLst>
+  </p:cSld>
+  <p:clrMapOvr>
+    <a:masterClrMapping/>
+  </p:clrMapOvr>
+  <p:timing>
+    <p:tnLst>
+      <p:par>
+        <p:cTn id="1" dur="indefinite" restart="never" nodeType="tmRoot"/>
+      </p:par>
+    </p:tnLst>
+  </p:timing>
+</p:sld>
+</file>
+
+<file path=ppt/slides/slide32.xml><?xml version="1.0" encoding="utf-8"?>
+<p:sld xmlns:a="http://schemas.openxmlformats.org/drawingml/2006/main" xmlns:r="http://schemas.openxmlformats.org/officeDocument/2006/relationships" xmlns:p="http://schemas.openxmlformats.org/presentationml/2006/main">
+  <p:cSld>
+    <p:spTree>
+      <p:nvGrpSpPr>
+        <p:cNvPr id="1" name=""/>
+        <p:cNvGrpSpPr/>
+        <p:nvPr/>
+      </p:nvGrpSpPr>
+      <p:grpSpPr>
+        <a:xfrm>
+          <a:off x="0" y="0"/>
+          <a:ext cx="0" cy="0"/>
+          <a:chOff x="0" y="0"/>
+          <a:chExt cx="0" cy="0"/>
+        </a:xfrm>
+      </p:grpSpPr>
+      <p:sp>
+        <p:nvSpPr>
+          <p:cNvPr id="2" name="Título 1"/>
+          <p:cNvSpPr>
+            <a:spLocks noGrp="1"/>
+          </p:cNvSpPr>
+          <p:nvPr>
+            <p:ph type="title"/>
+          </p:nvPr>
+        </p:nvSpPr>
+        <p:spPr>
+          <a:xfrm>
+            <a:off x="0" y="76800"/>
+            <a:ext cx="5016843" cy="1325563"/>
+          </a:xfrm>
+          <a:solidFill>
+            <a:schemeClr val="accent6">
+              <a:lumMod val="50000"/>
+            </a:schemeClr>
+          </a:solidFill>
+        </p:spPr>
+        <p:txBody>
+          <a:bodyPr/>
+          <a:lstStyle/>
+          <a:p>
+            <a:r>
+              <a:rPr lang="es-MX" b="1" dirty="0" smtClean="0">
+                <a:solidFill>
+                  <a:schemeClr val="bg1"/>
+                </a:solidFill>
+              </a:rPr>
+              <a:t>Discusión</a:t>
+            </a:r>
+            <a:r>
+              <a:rPr lang="es-MX" dirty="0" smtClean="0"/>
+              <a:t> </a:t>
+            </a:r>
+            <a:endParaRPr lang="es-MX" dirty="0"/>
+          </a:p>
+        </p:txBody>
+      </p:sp>
+      <p:sp>
+        <p:nvSpPr>
+          <p:cNvPr id="3" name="Marcador de contenido 2"/>
+          <p:cNvSpPr>
+            <a:spLocks noGrp="1"/>
+          </p:cNvSpPr>
+          <p:nvPr>
+            <p:ph idx="1"/>
+          </p:nvPr>
+        </p:nvSpPr>
+        <p:spPr/>
+        <p:txBody>
+          <a:bodyPr>
+            <a:normAutofit/>
+          </a:bodyPr>
+          <a:lstStyle/>
+          <a:p>
+            <a:r>
+              <a:rPr lang="es-MX" dirty="0"/>
+              <a:t>El presente trabajo es el primero en </a:t>
+            </a:r>
+            <a:r>
+              <a:rPr lang="es-MX" dirty="0" smtClean="0"/>
+              <a:t>explorar y encontrar evidencia de </a:t>
+            </a:r>
+            <a:r>
+              <a:rPr lang="es-MX" dirty="0"/>
+              <a:t>la </a:t>
+            </a:r>
+            <a:r>
+              <a:rPr lang="es-MX" dirty="0" err="1"/>
+              <a:t>generalizabilidad</a:t>
+            </a:r>
+            <a:r>
+              <a:rPr lang="es-MX" dirty="0"/>
+              <a:t> </a:t>
+            </a:r>
+            <a:r>
+              <a:rPr lang="es-MX" dirty="0" smtClean="0"/>
+              <a:t>del Efecto </a:t>
+            </a:r>
+            <a:r>
+              <a:rPr lang="es-MX" dirty="0"/>
+              <a:t>Espejo </a:t>
+            </a:r>
+            <a:r>
+              <a:rPr lang="es-MX" dirty="0" smtClean="0"/>
+              <a:t>a otras </a:t>
+            </a:r>
+            <a:r>
+              <a:rPr lang="es-MX" dirty="0"/>
+              <a:t>áreas </a:t>
+            </a:r>
+            <a:r>
+              <a:rPr lang="es-MX" dirty="0" smtClean="0"/>
+              <a:t>dentro de </a:t>
+            </a:r>
+            <a:r>
+              <a:rPr lang="es-MX" dirty="0"/>
+              <a:t>la Psicología </a:t>
+            </a:r>
+            <a:r>
+              <a:rPr lang="es-MX" dirty="0" smtClean="0"/>
+              <a:t>Experimental.</a:t>
+            </a:r>
+          </a:p>
+          <a:p>
+            <a:r>
+              <a:rPr lang="es-MX" dirty="0" smtClean="0"/>
+              <a:t>También </a:t>
+            </a:r>
+            <a:r>
+              <a:rPr lang="es-MX" dirty="0"/>
+              <a:t>puede atribuirse al presente trabajo el ser </a:t>
+            </a:r>
+            <a:r>
+              <a:rPr lang="es-MX" dirty="0" smtClean="0"/>
+              <a:t>el primero </a:t>
+            </a:r>
+            <a:r>
+              <a:rPr lang="es-MX" dirty="0"/>
+              <a:t>en evaluar la evidencia del Efecto Espejo mediante el uso de </a:t>
+            </a:r>
+            <a:r>
+              <a:rPr lang="es-MX" dirty="0" smtClean="0"/>
+              <a:t>métodos bayesianos</a:t>
+            </a:r>
+            <a:r>
+              <a:rPr lang="es-MX" dirty="0"/>
+              <a:t>, con la realización de análisis estadísticos y el </a:t>
+            </a:r>
+            <a:r>
+              <a:rPr lang="es-MX" dirty="0" smtClean="0"/>
+              <a:t>desarrollo de </a:t>
+            </a:r>
+            <a:r>
+              <a:rPr lang="es-MX" dirty="0"/>
+              <a:t>modelos. </a:t>
+            </a:r>
+            <a:endParaRPr lang="es-MX" dirty="0" smtClean="0"/>
+          </a:p>
+          <a:p>
+            <a:pPr lvl="1"/>
+            <a:r>
+              <a:rPr lang="es-MX" dirty="0" smtClean="0"/>
+              <a:t>Se </a:t>
+            </a:r>
+            <a:r>
+              <a:rPr lang="es-MX" dirty="0"/>
+              <a:t>presenta un referente empírico sobre las </a:t>
+            </a:r>
+            <a:r>
+              <a:rPr lang="es-MX" dirty="0" smtClean="0"/>
+              <a:t>ventajas que </a:t>
+            </a:r>
+            <a:r>
+              <a:rPr lang="es-MX" dirty="0"/>
+              <a:t>ofrece el uso de herramientas derivadas de la estadística bayesiana, </a:t>
+            </a:r>
+            <a:r>
+              <a:rPr lang="es-MX" dirty="0" smtClean="0"/>
+              <a:t>especialmente en </a:t>
+            </a:r>
+            <a:r>
+              <a:rPr lang="es-MX" dirty="0"/>
+              <a:t>el análisis de datos </a:t>
+            </a:r>
+            <a:r>
+              <a:rPr lang="es-MX" dirty="0" err="1"/>
+              <a:t>obtendos</a:t>
+            </a:r>
+            <a:r>
+              <a:rPr lang="es-MX" dirty="0"/>
+              <a:t> en tareas donde se asume </a:t>
+            </a:r>
+            <a:r>
+              <a:rPr lang="es-MX" dirty="0" smtClean="0"/>
+              <a:t>una estructura probabilística.</a:t>
+            </a:r>
+            <a:endParaRPr lang="es-MX" dirty="0"/>
+          </a:p>
+        </p:txBody>
+      </p:sp>
+      <p:sp>
+        <p:nvSpPr>
+          <p:cNvPr id="4" name="Título 1"/>
+          <p:cNvSpPr txBox="1">
+            <a:spLocks/>
+          </p:cNvSpPr>
+          <p:nvPr/>
+        </p:nvSpPr>
+        <p:spPr>
+          <a:xfrm>
+            <a:off x="5346356" y="739581"/>
+            <a:ext cx="6845643" cy="491095"/>
+          </a:xfrm>
+          <a:prstGeom prst="rect">
+            <a:avLst/>
+          </a:prstGeom>
+          <a:solidFill>
+            <a:schemeClr val="accent6">
+              <a:lumMod val="20000"/>
+              <a:lumOff val="80000"/>
+            </a:schemeClr>
+          </a:solidFill>
+        </p:spPr>
+        <p:txBody>
+          <a:bodyPr vert="horz" lIns="91440" tIns="45720" rIns="91440" bIns="45720" rtlCol="0" anchor="ctr">
+            <a:normAutofit fontScale="85000" lnSpcReduction="20000"/>
+          </a:bodyPr>
+          <a:lstStyle>
+            <a:lvl1pPr algn="l" defTabSz="914400" rtl="0" eaLnBrk="1" latinLnBrk="0" hangingPunct="1">
+              <a:lnSpc>
+                <a:spcPct val="90000"/>
+              </a:lnSpc>
+              <a:spcBef>
+                <a:spcPct val="0"/>
+              </a:spcBef>
+              <a:buNone/>
+              <a:defRPr sz="4400" kern="1200">
+                <a:solidFill>
+                  <a:schemeClr val="tx1"/>
+                </a:solidFill>
+                <a:latin typeface="+mj-lt"/>
+                <a:ea typeface="+mj-ea"/>
+                <a:cs typeface="+mj-cs"/>
+              </a:defRPr>
+            </a:lvl1pPr>
+          </a:lstStyle>
+          <a:p>
+            <a:pPr algn="r"/>
+            <a:endParaRPr lang="es-MX" dirty="0"/>
+          </a:p>
+        </p:txBody>
+      </p:sp>
+    </p:spTree>
+    <p:extLst>
+      <p:ext uri="{BB962C8B-B14F-4D97-AF65-F5344CB8AC3E}">
+        <p14:creationId xmlns:p14="http://schemas.microsoft.com/office/powerpoint/2010/main" val="1593789931"/>
+      </p:ext>
+    </p:extLst>
+  </p:cSld>
+  <p:clrMapOvr>
+    <a:masterClrMapping/>
+  </p:clrMapOvr>
+  <p:timing>
+    <p:tnLst>
+      <p:par>
+        <p:cTn id="1" dur="indefinite" restart="never" nodeType="tmRoot"/>
+      </p:par>
+    </p:tnLst>
+  </p:timing>
+</p:sld>
+</file>
+
+<file path=ppt/slides/slide33.xml><?xml version="1.0" encoding="utf-8"?>
+<p:sld xmlns:a="http://schemas.openxmlformats.org/drawingml/2006/main" xmlns:r="http://schemas.openxmlformats.org/officeDocument/2006/relationships" xmlns:p="http://schemas.openxmlformats.org/presentationml/2006/main">
+  <p:cSld>
+    <p:spTree>
+      <p:nvGrpSpPr>
+        <p:cNvPr id="1" name=""/>
+        <p:cNvGrpSpPr/>
+        <p:nvPr/>
+      </p:nvGrpSpPr>
+      <p:grpSpPr>
+        <a:xfrm>
+          <a:off x="0" y="0"/>
+          <a:ext cx="0" cy="0"/>
+          <a:chOff x="0" y="0"/>
+          <a:chExt cx="0" cy="0"/>
+        </a:xfrm>
+      </p:grpSpPr>
+      <p:sp>
+        <p:nvSpPr>
+          <p:cNvPr id="2" name="Título 1"/>
+          <p:cNvSpPr>
+            <a:spLocks noGrp="1"/>
+          </p:cNvSpPr>
+          <p:nvPr>
+            <p:ph type="title"/>
+          </p:nvPr>
+        </p:nvSpPr>
+        <p:spPr>
+          <a:xfrm>
+            <a:off x="0" y="76800"/>
+            <a:ext cx="5016843" cy="1325563"/>
+          </a:xfrm>
+          <a:solidFill>
+            <a:schemeClr val="accent2">
+              <a:lumMod val="50000"/>
+            </a:schemeClr>
+          </a:solidFill>
+        </p:spPr>
+        <p:txBody>
+          <a:bodyPr/>
+          <a:lstStyle/>
+          <a:p>
+            <a:r>
+              <a:rPr lang="es-MX" b="1" dirty="0" smtClean="0">
+                <a:solidFill>
+                  <a:schemeClr val="bg1"/>
+                </a:solidFill>
+              </a:rPr>
+              <a:t>Conclusiones</a:t>
+            </a:r>
+            <a:r>
+              <a:rPr lang="es-MX" dirty="0" smtClean="0"/>
+              <a:t> </a:t>
+            </a:r>
+            <a:endParaRPr lang="es-MX" dirty="0"/>
+          </a:p>
+        </p:txBody>
+      </p:sp>
+      <p:sp>
+        <p:nvSpPr>
+          <p:cNvPr id="3" name="Marcador de contenido 2"/>
+          <p:cNvSpPr>
+            <a:spLocks noGrp="1"/>
+          </p:cNvSpPr>
+          <p:nvPr>
+            <p:ph idx="1"/>
+          </p:nvPr>
+        </p:nvSpPr>
+        <p:spPr>
+          <a:xfrm>
+            <a:off x="271849" y="1614616"/>
+            <a:ext cx="11081951" cy="4562347"/>
+          </a:xfrm>
+        </p:spPr>
+        <p:txBody>
+          <a:bodyPr>
+            <a:normAutofit/>
+          </a:bodyPr>
+          <a:lstStyle/>
+          <a:p>
+            <a:r>
+              <a:rPr lang="es-MX" dirty="0"/>
+              <a:t>Los resultados encontrados en el presente estudio pueden ser </a:t>
+            </a:r>
+            <a:r>
+              <a:rPr lang="es-MX" dirty="0" smtClean="0"/>
+              <a:t>interpretados en </a:t>
+            </a:r>
+            <a:r>
+              <a:rPr lang="es-MX" dirty="0"/>
+              <a:t>dos direcciones: </a:t>
+            </a:r>
+            <a:endParaRPr lang="es-MX" dirty="0" smtClean="0"/>
+          </a:p>
+          <a:p>
+            <a:endParaRPr lang="es-MX" dirty="0" smtClean="0"/>
+          </a:p>
+          <a:p>
+            <a:pPr lvl="1"/>
+            <a:r>
+              <a:rPr lang="es-MX" dirty="0" smtClean="0"/>
+              <a:t>Primero</a:t>
+            </a:r>
+            <a:r>
+              <a:rPr lang="es-MX" dirty="0"/>
+              <a:t>, como evidencia de que el Efecto </a:t>
+            </a:r>
+            <a:r>
+              <a:rPr lang="es-MX" dirty="0" smtClean="0"/>
+              <a:t>Espejo no </a:t>
+            </a:r>
+            <a:r>
+              <a:rPr lang="es-MX" dirty="0"/>
+              <a:t>es un fenómeno exclusivo de la Memoria de Reconocimiento y </a:t>
+            </a:r>
+            <a:r>
+              <a:rPr lang="es-MX" dirty="0" smtClean="0"/>
+              <a:t>debería ser </a:t>
+            </a:r>
+            <a:r>
+              <a:rPr lang="es-MX" dirty="0"/>
+              <a:t>abordado como una regularidad propia de las situaciones de </a:t>
+            </a:r>
+            <a:r>
+              <a:rPr lang="es-MX" dirty="0" smtClean="0"/>
+              <a:t>detección que </a:t>
+            </a:r>
+            <a:r>
+              <a:rPr lang="es-MX" dirty="0"/>
+              <a:t>incorporan distintos niveles de </a:t>
+            </a:r>
+            <a:r>
+              <a:rPr lang="es-MX" dirty="0" smtClean="0"/>
+              <a:t>d’. </a:t>
+            </a:r>
+          </a:p>
+          <a:p>
+            <a:pPr lvl="1"/>
+            <a:endParaRPr lang="es-MX" dirty="0" smtClean="0"/>
+          </a:p>
+          <a:p>
+            <a:pPr lvl="1"/>
+            <a:r>
+              <a:rPr lang="es-MX" dirty="0" smtClean="0"/>
+              <a:t>Segundo</a:t>
+            </a:r>
+            <a:r>
+              <a:rPr lang="es-MX" dirty="0"/>
+              <a:t>, como un referente </a:t>
+            </a:r>
+            <a:r>
+              <a:rPr lang="es-MX" dirty="0" smtClean="0"/>
+              <a:t>empírico sobre </a:t>
+            </a:r>
+            <a:r>
+              <a:rPr lang="es-MX" dirty="0"/>
+              <a:t>las ventajas que presenta el análisis de datos bayesiano sobre </a:t>
+            </a:r>
+            <a:r>
+              <a:rPr lang="es-MX" dirty="0" smtClean="0"/>
+              <a:t>el análisis </a:t>
+            </a:r>
+            <a:r>
+              <a:rPr lang="es-MX" dirty="0" err="1" smtClean="0"/>
+              <a:t>frecuentista</a:t>
+            </a:r>
+            <a:r>
+              <a:rPr lang="es-MX" dirty="0"/>
+              <a:t>.</a:t>
+            </a:r>
+            <a:endParaRPr lang="es-MX" dirty="0"/>
+          </a:p>
+        </p:txBody>
+      </p:sp>
+      <p:sp>
+        <p:nvSpPr>
+          <p:cNvPr id="4" name="Título 1"/>
+          <p:cNvSpPr txBox="1">
+            <a:spLocks/>
+          </p:cNvSpPr>
+          <p:nvPr/>
+        </p:nvSpPr>
+        <p:spPr>
+          <a:xfrm>
+            <a:off x="5346356" y="739581"/>
+            <a:ext cx="6845643" cy="491095"/>
+          </a:xfrm>
+          <a:prstGeom prst="rect">
+            <a:avLst/>
+          </a:prstGeom>
+          <a:solidFill>
+            <a:schemeClr val="accent2">
+              <a:lumMod val="20000"/>
+              <a:lumOff val="80000"/>
+            </a:schemeClr>
+          </a:solidFill>
+        </p:spPr>
+        <p:txBody>
+          <a:bodyPr vert="horz" lIns="91440" tIns="45720" rIns="91440" bIns="45720" rtlCol="0" anchor="ctr">
+            <a:normAutofit fontScale="85000" lnSpcReduction="20000"/>
+          </a:bodyPr>
+          <a:lstStyle>
+            <a:lvl1pPr algn="l" defTabSz="914400" rtl="0" eaLnBrk="1" latinLnBrk="0" hangingPunct="1">
+              <a:lnSpc>
+                <a:spcPct val="90000"/>
+              </a:lnSpc>
+              <a:spcBef>
+                <a:spcPct val="0"/>
+              </a:spcBef>
+              <a:buNone/>
+              <a:defRPr sz="4400" kern="1200">
+                <a:solidFill>
+                  <a:schemeClr val="tx1"/>
+                </a:solidFill>
+                <a:latin typeface="+mj-lt"/>
+                <a:ea typeface="+mj-ea"/>
+                <a:cs typeface="+mj-cs"/>
+              </a:defRPr>
+            </a:lvl1pPr>
+          </a:lstStyle>
+          <a:p>
+            <a:pPr algn="r"/>
+            <a:endParaRPr lang="es-MX" dirty="0"/>
+          </a:p>
+        </p:txBody>
+      </p:sp>
+    </p:spTree>
+    <p:extLst>
+      <p:ext uri="{BB962C8B-B14F-4D97-AF65-F5344CB8AC3E}">
+        <p14:creationId xmlns:p14="http://schemas.microsoft.com/office/powerpoint/2010/main" val="625117926"/>
+      </p:ext>
+    </p:extLst>
+  </p:cSld>
+  <p:clrMapOvr>
+    <a:masterClrMapping/>
+  </p:clrMapOvr>
+</p:sld>
+</file>
+
+<file path=ppt/slides/slide4.xml><?xml version="1.0" encoding="utf-8"?>
+<p:sld xmlns:a="http://schemas.openxmlformats.org/drawingml/2006/main" xmlns:r="http://schemas.openxmlformats.org/officeDocument/2006/relationships" xmlns:p="http://schemas.openxmlformats.org/presentationml/2006/main">
+  <p:cSld>
+    <p:spTree>
+      <p:nvGrpSpPr>
+        <p:cNvPr id="1" name=""/>
+        <p:cNvGrpSpPr/>
+        <p:nvPr/>
+      </p:nvGrpSpPr>
+      <p:grpSpPr>
+        <a:xfrm>
+          <a:off x="0" y="0"/>
+          <a:ext cx="0" cy="0"/>
+          <a:chOff x="0" y="0"/>
+          <a:chExt cx="0" cy="0"/>
+        </a:xfrm>
+      </p:grpSpPr>
+      <p:sp>
+        <p:nvSpPr>
+          <p:cNvPr id="6" name="Marcador de contenido 5"/>
+          <p:cNvSpPr>
+            <a:spLocks noGrp="1"/>
+          </p:cNvSpPr>
+          <p:nvPr>
+            <p:ph idx="1"/>
+          </p:nvPr>
+        </p:nvSpPr>
+        <p:spPr>
+          <a:xfrm>
+            <a:off x="689919" y="1984268"/>
+            <a:ext cx="10515600" cy="4351338"/>
+          </a:xfrm>
+        </p:spPr>
+        <p:txBody>
+          <a:bodyPr/>
+          <a:lstStyle/>
+          <a:p>
+            <a:endParaRPr lang="es-MX" dirty="0" smtClean="0"/>
+          </a:p>
+          <a:p>
+            <a:endParaRPr lang="es-MX" dirty="0"/>
+          </a:p>
+        </p:txBody>
+      </p:sp>
+      <p:sp>
+        <p:nvSpPr>
+          <p:cNvPr id="8" name="CuadroTexto 7"/>
+          <p:cNvSpPr txBox="1"/>
+          <p:nvPr/>
+        </p:nvSpPr>
+        <p:spPr>
+          <a:xfrm>
+            <a:off x="1210962" y="5233457"/>
+            <a:ext cx="4300151" cy="769441"/>
+          </a:xfrm>
+          <a:prstGeom prst="rect">
+            <a:avLst/>
+          </a:prstGeom>
+          <a:noFill/>
+        </p:spPr>
+        <p:txBody>
+          <a:bodyPr wrap="square" rtlCol="0">
+            <a:spAutoFit/>
+          </a:bodyPr>
+          <a:lstStyle/>
           <a:p>
             <a:pPr marL="285750" indent="-285750">
               <a:buFont typeface="Arial" panose="020B0604020202020204" pitchFamily="34" charset="0"/>
               <a:buChar char="•"/>
             </a:pPr>
-            <a:r>
-              <a:rPr lang="es-MX" dirty="0" smtClean="0"/>
-              <a:t>Curvas ROC</a:t>
-            </a:r>
+            <a:endParaRPr lang="es-MX" sz="2200" dirty="0" smtClean="0"/>
           </a:p>
           <a:p>
             <a:pPr marL="285750" indent="-285750">
               <a:buFont typeface="Arial" panose="020B0604020202020204" pitchFamily="34" charset="0"/>
               <a:buChar char="•"/>
             </a:pPr>
-            <a:endParaRPr lang="es-MX" dirty="0"/>
-          </a:p>
-          <a:p>
-            <a:pPr marL="285750" indent="-285750">
-              <a:buFont typeface="Arial" panose="020B0604020202020204" pitchFamily="34" charset="0"/>
-              <a:buChar char="•"/>
-            </a:pPr>
-            <a:r>
-              <a:rPr lang="es-MX" dirty="0" smtClean="0"/>
-              <a:t>Tareas de elección</a:t>
-            </a:r>
+            <a:r>
+              <a:rPr lang="es-MX" sz="2200" dirty="0" smtClean="0"/>
+              <a:t>Curvas ROC</a:t>
+            </a:r>
+            <a:endParaRPr lang="es-MX" sz="2200" dirty="0" smtClean="0"/>
           </a:p>
         </p:txBody>
       </p:sp>
@@ -6731,14 +9370,151 @@
         </p:blipFill>
         <p:spPr>
           <a:xfrm>
-            <a:off x="1281147" y="1777969"/>
-            <a:ext cx="9333144" cy="3302061"/>
+            <a:off x="838199" y="1153298"/>
+            <a:ext cx="10702615" cy="3786579"/>
           </a:xfrm>
           <a:prstGeom prst="rect">
             <a:avLst/>
           </a:prstGeom>
         </p:spPr>
       </p:pic>
+      <p:sp>
+        <p:nvSpPr>
+          <p:cNvPr id="5" name="Título 4"/>
+          <p:cNvSpPr>
+            <a:spLocks noGrp="1"/>
+          </p:cNvSpPr>
+          <p:nvPr>
+            <p:ph type="title"/>
+          </p:nvPr>
+        </p:nvSpPr>
+        <p:spPr/>
+        <p:txBody>
+          <a:bodyPr/>
+          <a:lstStyle/>
+          <a:p>
+            <a:endParaRPr lang="es-MX"/>
+          </a:p>
+        </p:txBody>
+      </p:sp>
+      <p:sp>
+        <p:nvSpPr>
+          <p:cNvPr id="9" name="Título 1"/>
+          <p:cNvSpPr txBox="1">
+            <a:spLocks/>
+          </p:cNvSpPr>
+          <p:nvPr/>
+        </p:nvSpPr>
+        <p:spPr>
+          <a:xfrm>
+            <a:off x="0" y="76800"/>
+            <a:ext cx="5016843" cy="788173"/>
+          </a:xfrm>
+          <a:prstGeom prst="rect">
+            <a:avLst/>
+          </a:prstGeom>
+          <a:solidFill>
+            <a:schemeClr val="accent4">
+              <a:lumMod val="50000"/>
+            </a:schemeClr>
+          </a:solidFill>
+        </p:spPr>
+        <p:txBody>
+          <a:bodyPr vert="horz" lIns="91440" tIns="45720" rIns="91440" bIns="45720" rtlCol="0" anchor="ctr">
+            <a:normAutofit/>
+          </a:bodyPr>
+          <a:lstStyle>
+            <a:lvl1pPr algn="l" defTabSz="914400" rtl="0" eaLnBrk="1" latinLnBrk="0" hangingPunct="1">
+              <a:lnSpc>
+                <a:spcPct val="90000"/>
+              </a:lnSpc>
+              <a:spcBef>
+                <a:spcPct val="0"/>
+              </a:spcBef>
+              <a:buNone/>
+              <a:defRPr sz="4400" kern="1200">
+                <a:solidFill>
+                  <a:schemeClr val="tx1"/>
+                </a:solidFill>
+                <a:latin typeface="+mj-lt"/>
+                <a:ea typeface="+mj-ea"/>
+                <a:cs typeface="+mj-cs"/>
+              </a:defRPr>
+            </a:lvl1pPr>
+          </a:lstStyle>
+          <a:p>
+            <a:r>
+              <a:rPr lang="es-MX" b="1" smtClean="0">
+                <a:solidFill>
+                  <a:schemeClr val="bg1"/>
+                </a:solidFill>
+              </a:rPr>
+              <a:t>Marco Teórico</a:t>
+            </a:r>
+            <a:r>
+              <a:rPr lang="es-MX" smtClean="0"/>
+              <a:t> </a:t>
+            </a:r>
+            <a:endParaRPr lang="es-MX" dirty="0"/>
+          </a:p>
+        </p:txBody>
+      </p:sp>
+      <p:sp>
+        <p:nvSpPr>
+          <p:cNvPr id="10" name="Título 1"/>
+          <p:cNvSpPr txBox="1">
+            <a:spLocks/>
+          </p:cNvSpPr>
+          <p:nvPr/>
+        </p:nvSpPr>
+        <p:spPr>
+          <a:xfrm>
+            <a:off x="5346357" y="225338"/>
+            <a:ext cx="6845643" cy="491095"/>
+          </a:xfrm>
+          <a:prstGeom prst="rect">
+            <a:avLst/>
+          </a:prstGeom>
+          <a:solidFill>
+            <a:schemeClr val="accent4">
+              <a:lumMod val="40000"/>
+              <a:lumOff val="60000"/>
+            </a:schemeClr>
+          </a:solidFill>
+        </p:spPr>
+        <p:txBody>
+          <a:bodyPr vert="horz" lIns="91440" tIns="45720" rIns="91440" bIns="45720" rtlCol="0" anchor="ctr">
+            <a:normAutofit fontScale="85000" lnSpcReduction="20000"/>
+          </a:bodyPr>
+          <a:lstStyle>
+            <a:lvl1pPr algn="l" defTabSz="914400" rtl="0" eaLnBrk="1" latinLnBrk="0" hangingPunct="1">
+              <a:lnSpc>
+                <a:spcPct val="90000"/>
+              </a:lnSpc>
+              <a:spcBef>
+                <a:spcPct val="0"/>
+              </a:spcBef>
+              <a:buNone/>
+              <a:defRPr sz="4400" kern="1200">
+                <a:solidFill>
+                  <a:schemeClr val="tx1"/>
+                </a:solidFill>
+                <a:latin typeface="+mj-lt"/>
+                <a:ea typeface="+mj-ea"/>
+                <a:cs typeface="+mj-cs"/>
+              </a:defRPr>
+            </a:lvl1pPr>
+          </a:lstStyle>
+          <a:p>
+            <a:pPr algn="r"/>
+            <a:r>
+              <a:rPr lang="es-MX" dirty="0" smtClean="0"/>
+              <a:t>Teoría de Detección de Señales</a:t>
+            </a:r>
+            <a:endParaRPr lang="es-MX" dirty="0"/>
+          </a:p>
+        </p:txBody>
+      </p:sp>
     </p:spTree>
     <p:extLst>
       <p:ext uri="{BB962C8B-B14F-4D97-AF65-F5344CB8AC3E}">
@@ -6749,6 +9525,13 @@
   <p:clrMapOvr>
     <a:masterClrMapping/>
   </p:clrMapOvr>
+  <p:timing>
+    <p:tnLst>
+      <p:par>
+        <p:cTn id="1" dur="indefinite" restart="never" nodeType="tmRoot"/>
+      </p:par>
+    </p:tnLst>
+  </p:timing>
 </p:sld>
 </file>
 
@@ -6771,7 +9554,150 @@
       </p:grpSpPr>
       <p:sp>
         <p:nvSpPr>
-          <p:cNvPr id="2" name="Título 1"/>
+          <p:cNvPr id="3" name="Marcador de contenido 2"/>
+          <p:cNvSpPr>
+            <a:spLocks noGrp="1"/>
+          </p:cNvSpPr>
+          <p:nvPr>
+            <p:ph idx="1"/>
+          </p:nvPr>
+        </p:nvSpPr>
+        <p:spPr>
+          <a:xfrm>
+            <a:off x="368643" y="1004758"/>
+            <a:ext cx="10985157" cy="5172205"/>
+          </a:xfrm>
+        </p:spPr>
+        <p:txBody>
+          <a:bodyPr>
+            <a:normAutofit/>
+          </a:bodyPr>
+          <a:lstStyle/>
+          <a:p>
+            <a:r>
+              <a:rPr lang="es-MX" dirty="0" smtClean="0"/>
+              <a:t>Tareas de Elección</a:t>
+            </a:r>
+          </a:p>
+          <a:p>
+            <a:pPr lvl="1"/>
+            <a:r>
+              <a:rPr lang="es-MX" dirty="0" smtClean="0"/>
+              <a:t>Tareas de detección binaria</a:t>
+            </a:r>
+          </a:p>
+          <a:p>
+            <a:pPr marL="457200" lvl="1" indent="0">
+              <a:buNone/>
+            </a:pPr>
+            <a:endParaRPr lang="es-MX" dirty="0"/>
+          </a:p>
+          <a:p>
+            <a:pPr marL="457200" lvl="1" indent="0">
+              <a:buNone/>
+            </a:pPr>
+            <a:endParaRPr lang="es-MX" dirty="0" smtClean="0"/>
+          </a:p>
+          <a:p>
+            <a:pPr marL="457200" lvl="1" indent="0">
+              <a:buNone/>
+            </a:pPr>
+            <a:endParaRPr lang="es-MX" dirty="0"/>
+          </a:p>
+          <a:p>
+            <a:pPr marL="457200" lvl="1" indent="0">
+              <a:buNone/>
+            </a:pPr>
+            <a:endParaRPr lang="es-MX" dirty="0" smtClean="0"/>
+          </a:p>
+          <a:p>
+            <a:pPr lvl="1"/>
+            <a:r>
+              <a:rPr lang="es-MX" dirty="0" smtClean="0"/>
+              <a:t>Tareas con escala de confianza</a:t>
+            </a:r>
+            <a:endParaRPr lang="es-MX" dirty="0" smtClean="0"/>
+          </a:p>
+          <a:p>
+            <a:endParaRPr lang="es-MX" dirty="0" smtClean="0"/>
+          </a:p>
+        </p:txBody>
+      </p:sp>
+      <p:pic>
+        <p:nvPicPr>
+          <p:cNvPr id="5" name="Imagen 4"/>
+          <p:cNvPicPr>
+            <a:picLocks noChangeAspect="1"/>
+          </p:cNvPicPr>
+          <p:nvPr/>
+        </p:nvPicPr>
+        <p:blipFill>
+          <a:blip r:embed="rId2"/>
+          <a:stretch>
+            <a:fillRect/>
+          </a:stretch>
+        </p:blipFill>
+        <p:spPr>
+          <a:xfrm>
+            <a:off x="123825" y="4493966"/>
+            <a:ext cx="4974627" cy="1245640"/>
+          </a:xfrm>
+          <a:prstGeom prst="rect">
+            <a:avLst/>
+          </a:prstGeom>
+        </p:spPr>
+      </p:pic>
+      <p:pic>
+        <p:nvPicPr>
+          <p:cNvPr id="6" name="Imagen 5"/>
+          <p:cNvPicPr>
+            <a:picLocks noChangeAspect="1"/>
+          </p:cNvPicPr>
+          <p:nvPr/>
+        </p:nvPicPr>
+        <p:blipFill>
+          <a:blip r:embed="rId3"/>
+          <a:stretch>
+            <a:fillRect/>
+          </a:stretch>
+        </p:blipFill>
+        <p:spPr>
+          <a:xfrm>
+            <a:off x="5530420" y="3692304"/>
+            <a:ext cx="4256130" cy="3088592"/>
+          </a:xfrm>
+          <a:prstGeom prst="rect">
+            <a:avLst/>
+          </a:prstGeom>
+        </p:spPr>
+      </p:pic>
+      <p:pic>
+        <p:nvPicPr>
+          <p:cNvPr id="7" name="Imagen 6"/>
+          <p:cNvPicPr>
+            <a:picLocks noChangeAspect="1"/>
+          </p:cNvPicPr>
+          <p:nvPr/>
+        </p:nvPicPr>
+        <p:blipFill>
+          <a:blip r:embed="rId4"/>
+          <a:stretch>
+            <a:fillRect/>
+          </a:stretch>
+        </p:blipFill>
+        <p:spPr>
+          <a:xfrm>
+            <a:off x="5530420" y="852660"/>
+            <a:ext cx="3925850" cy="2576340"/>
+          </a:xfrm>
+          <a:prstGeom prst="rect">
+            <a:avLst/>
+          </a:prstGeom>
+        </p:spPr>
+      </p:pic>
+      <p:sp>
+        <p:nvSpPr>
+          <p:cNvPr id="8" name="Título 7"/>
           <p:cNvSpPr>
             <a:spLocks noGrp="1"/>
           </p:cNvSpPr>
@@ -6779,11 +9705,38 @@
             <p:ph type="title"/>
           </p:nvPr>
         </p:nvSpPr>
+        <p:spPr/>
+        <p:txBody>
+          <a:bodyPr/>
+          <a:lstStyle/>
+          <a:p>
+            <a:r>
+              <a:rPr lang="es-MX" dirty="0" smtClean="0"/>
+              <a:t/>
+            </a:r>
+            <a:br>
+              <a:rPr lang="es-MX" dirty="0" smtClean="0"/>
+            </a:br>
+            <a:endParaRPr lang="es-MX" dirty="0"/>
+          </a:p>
+        </p:txBody>
+      </p:sp>
+      <p:sp>
+        <p:nvSpPr>
+          <p:cNvPr id="9" name="Título 1"/>
+          <p:cNvSpPr txBox="1">
+            <a:spLocks/>
+          </p:cNvSpPr>
+          <p:nvPr/>
+        </p:nvSpPr>
         <p:spPr>
           <a:xfrm>
             <a:off x="0" y="76800"/>
-            <a:ext cx="5016843" cy="1325563"/>
-          </a:xfrm>
+            <a:ext cx="5016843" cy="788173"/>
+          </a:xfrm>
+          <a:prstGeom prst="rect">
+            <a:avLst/>
+          </a:prstGeom>
           <a:solidFill>
             <a:schemeClr val="accent4">
               <a:lumMod val="50000"/>
@@ -6791,74 +9744,8 @@
           </a:solidFill>
         </p:spPr>
         <p:txBody>
-          <a:bodyPr/>
-          <a:lstStyle/>
-          <a:p>
-            <a:r>
-              <a:rPr lang="es-MX" b="1" dirty="0" smtClean="0">
-                <a:solidFill>
-                  <a:schemeClr val="bg1"/>
-                </a:solidFill>
-              </a:rPr>
-              <a:t>Marco Teórico</a:t>
-            </a:r>
-            <a:r>
-              <a:rPr lang="es-MX" dirty="0" smtClean="0"/>
-              <a:t> </a:t>
-            </a:r>
-            <a:endParaRPr lang="es-MX" dirty="0"/>
-          </a:p>
-        </p:txBody>
-      </p:sp>
-      <p:sp>
-        <p:nvSpPr>
-          <p:cNvPr id="3" name="Marcador de contenido 2"/>
-          <p:cNvSpPr>
-            <a:spLocks noGrp="1"/>
-          </p:cNvSpPr>
-          <p:nvPr>
-            <p:ph idx="1"/>
-          </p:nvPr>
-        </p:nvSpPr>
-        <p:spPr/>
-        <p:txBody>
-          <a:bodyPr/>
-          <a:lstStyle/>
-          <a:p>
-            <a:r>
-              <a:rPr lang="es-MX" dirty="0" smtClean="0"/>
-              <a:t>Réplica paso a paso de los análisis reportados en literatura de Memoria de Reconocimiento.</a:t>
-            </a:r>
-            <a:endParaRPr lang="es-MX" dirty="0"/>
-          </a:p>
-        </p:txBody>
-      </p:sp>
-      <p:sp>
-        <p:nvSpPr>
-          <p:cNvPr id="4" name="Título 1"/>
-          <p:cNvSpPr txBox="1">
-            <a:spLocks/>
-          </p:cNvSpPr>
-          <p:nvPr/>
-        </p:nvSpPr>
-        <p:spPr>
-          <a:xfrm>
-            <a:off x="5346356" y="739581"/>
-            <a:ext cx="6845643" cy="491095"/>
-          </a:xfrm>
-          <a:prstGeom prst="rect">
-            <a:avLst/>
-          </a:prstGeom>
-          <a:solidFill>
-            <a:schemeClr val="accent4">
-              <a:lumMod val="40000"/>
-              <a:lumOff val="60000"/>
-            </a:schemeClr>
-          </a:solidFill>
-        </p:spPr>
-        <p:txBody>
           <a:bodyPr vert="horz" lIns="91440" tIns="45720" rIns="91440" bIns="45720" rtlCol="0" anchor="ctr">
-            <a:normAutofit fontScale="77500" lnSpcReduction="20000"/>
+            <a:normAutofit/>
           </a:bodyPr>
           <a:lstStyle>
             <a:lvl1pPr algn="l" defTabSz="914400" rtl="0" eaLnBrk="1" latinLnBrk="0" hangingPunct="1">
@@ -6880,10 +9767,73 @@
             </a:lvl1pPr>
           </a:lstStyle>
           <a:p>
+            <a:r>
+              <a:rPr lang="es-MX" b="1" smtClean="0">
+                <a:solidFill>
+                  <a:schemeClr val="bg1"/>
+                </a:solidFill>
+              </a:rPr>
+              <a:t>Marco Teórico</a:t>
+            </a:r>
+            <a:r>
+              <a:rPr lang="es-MX" smtClean="0"/>
+              <a:t> </a:t>
+            </a:r>
+            <a:endParaRPr lang="es-MX" dirty="0"/>
+          </a:p>
+        </p:txBody>
+      </p:sp>
+      <p:sp>
+        <p:nvSpPr>
+          <p:cNvPr id="10" name="Título 1"/>
+          <p:cNvSpPr txBox="1">
+            <a:spLocks/>
+          </p:cNvSpPr>
+          <p:nvPr/>
+        </p:nvSpPr>
+        <p:spPr>
+          <a:xfrm>
+            <a:off x="5346357" y="225338"/>
+            <a:ext cx="6845643" cy="491095"/>
+          </a:xfrm>
+          <a:prstGeom prst="rect">
+            <a:avLst/>
+          </a:prstGeom>
+          <a:solidFill>
+            <a:schemeClr val="accent4">
+              <a:lumMod val="40000"/>
+              <a:lumOff val="60000"/>
+            </a:schemeClr>
+          </a:solidFill>
+        </p:spPr>
+        <p:txBody>
+          <a:bodyPr vert="horz" lIns="91440" tIns="45720" rIns="91440" bIns="45720" rtlCol="0" anchor="ctr">
+            <a:normAutofit fontScale="85000" lnSpcReduction="20000"/>
+          </a:bodyPr>
+          <a:lstStyle>
+            <a:lvl1pPr algn="l" defTabSz="914400" rtl="0" eaLnBrk="1" latinLnBrk="0" hangingPunct="1">
+              <a:lnSpc>
+                <a:spcPct val="90000"/>
+              </a:lnSpc>
+              <a:spcBef>
+                <a:spcPct val="0"/>
+              </a:spcBef>
+              <a:buNone/>
+              <a:defRPr sz="4400" kern="1200">
+                <a:solidFill>
+                  <a:schemeClr val="tx1"/>
+                </a:solidFill>
+                <a:latin typeface="+mj-lt"/>
+                <a:ea typeface="+mj-ea"/>
+                <a:cs typeface="+mj-cs"/>
+              </a:defRPr>
+            </a:lvl1pPr>
+          </a:lstStyle>
+          <a:p>
             <a:pPr algn="r"/>
             <a:r>
               <a:rPr lang="es-MX" dirty="0" smtClean="0"/>
-              <a:t>TDS en Memoria de Reconocimiento</a:t>
+              <a:t>Teoría de Detección de Señales</a:t>
             </a:r>
             <a:endParaRPr lang="es-MX" dirty="0"/>
           </a:p>
@@ -6892,7 +9842,7 @@
     </p:spTree>
     <p:extLst>
       <p:ext uri="{BB962C8B-B14F-4D97-AF65-F5344CB8AC3E}">
-        <p14:creationId xmlns:p14="http://schemas.microsoft.com/office/powerpoint/2010/main" val="1883589035"/>
+        <p14:creationId xmlns:p14="http://schemas.microsoft.com/office/powerpoint/2010/main" val="3966707177"/>
       </p:ext>
     </p:extLst>
   </p:cSld>
@@ -6928,7 +9878,35 @@
       </p:grpSpPr>
       <p:sp>
         <p:nvSpPr>
-          <p:cNvPr id="2" name="Título 1"/>
+          <p:cNvPr id="3" name="Marcador de contenido 2"/>
+          <p:cNvSpPr>
+            <a:spLocks noGrp="1"/>
+          </p:cNvSpPr>
+          <p:nvPr>
+            <p:ph idx="1"/>
+          </p:nvPr>
+        </p:nvSpPr>
+        <p:spPr>
+          <a:xfrm>
+            <a:off x="387178" y="1326292"/>
+            <a:ext cx="10966622" cy="4850671"/>
+          </a:xfrm>
+        </p:spPr>
+        <p:txBody>
+          <a:bodyPr/>
+          <a:lstStyle/>
+          <a:p>
+            <a:r>
+              <a:rPr lang="es-MX" dirty="0" smtClean="0"/>
+              <a:t>Tareas de Reconocimiento:</a:t>
+            </a:r>
+            <a:endParaRPr lang="es-MX" dirty="0"/>
+          </a:p>
+        </p:txBody>
+      </p:sp>
+      <p:sp>
+        <p:nvSpPr>
+          <p:cNvPr id="5" name="Título 4"/>
           <p:cNvSpPr>
             <a:spLocks noGrp="1"/>
           </p:cNvSpPr>
@@ -6936,11 +9914,38 @@
             <p:ph type="title"/>
           </p:nvPr>
         </p:nvSpPr>
+        <p:spPr/>
+        <p:txBody>
+          <a:bodyPr/>
+          <a:lstStyle/>
+          <a:p>
+            <a:r>
+              <a:rPr lang="es-MX" dirty="0" smtClean="0"/>
+              <a:t/>
+            </a:r>
+            <a:br>
+              <a:rPr lang="es-MX" dirty="0" smtClean="0"/>
+            </a:br>
+            <a:endParaRPr lang="es-MX" dirty="0"/>
+          </a:p>
+        </p:txBody>
+      </p:sp>
+      <p:sp>
+        <p:nvSpPr>
+          <p:cNvPr id="6" name="Título 1"/>
+          <p:cNvSpPr txBox="1">
+            <a:spLocks/>
+          </p:cNvSpPr>
+          <p:nvPr/>
+        </p:nvSpPr>
         <p:spPr>
           <a:xfrm>
             <a:off x="0" y="76800"/>
-            <a:ext cx="5016843" cy="1325563"/>
-          </a:xfrm>
+            <a:ext cx="5016843" cy="788173"/>
+          </a:xfrm>
+          <a:prstGeom prst="rect">
+            <a:avLst/>
+          </a:prstGeom>
           <a:solidFill>
             <a:schemeClr val="accent4">
               <a:lumMod val="50000"/>
@@ -6948,74 +9953,8 @@
           </a:solidFill>
         </p:spPr>
         <p:txBody>
-          <a:bodyPr/>
-          <a:lstStyle/>
-          <a:p>
-            <a:r>
-              <a:rPr lang="es-MX" b="1" dirty="0" smtClean="0">
-                <a:solidFill>
-                  <a:schemeClr val="bg1"/>
-                </a:solidFill>
-              </a:rPr>
-              <a:t>Marco Teórico</a:t>
-            </a:r>
-            <a:r>
-              <a:rPr lang="es-MX" dirty="0" smtClean="0"/>
-              <a:t> </a:t>
-            </a:r>
-            <a:endParaRPr lang="es-MX" dirty="0"/>
-          </a:p>
-        </p:txBody>
-      </p:sp>
-      <p:sp>
-        <p:nvSpPr>
-          <p:cNvPr id="3" name="Marcador de contenido 2"/>
-          <p:cNvSpPr>
-            <a:spLocks noGrp="1"/>
-          </p:cNvSpPr>
-          <p:nvPr>
-            <p:ph idx="1"/>
-          </p:nvPr>
-        </p:nvSpPr>
-        <p:spPr/>
-        <p:txBody>
-          <a:bodyPr/>
-          <a:lstStyle/>
-          <a:p>
-            <a:r>
-              <a:rPr lang="es-MX" dirty="0" smtClean="0"/>
-              <a:t>Réplica paso a paso de los análisis reportados en literatura de Memoria de Reconocimiento.</a:t>
-            </a:r>
-            <a:endParaRPr lang="es-MX" dirty="0"/>
-          </a:p>
-        </p:txBody>
-      </p:sp>
-      <p:sp>
-        <p:nvSpPr>
-          <p:cNvPr id="4" name="Título 1"/>
-          <p:cNvSpPr txBox="1">
-            <a:spLocks/>
-          </p:cNvSpPr>
-          <p:nvPr/>
-        </p:nvSpPr>
-        <p:spPr>
-          <a:xfrm>
-            <a:off x="5346356" y="739581"/>
-            <a:ext cx="6845643" cy="491095"/>
-          </a:xfrm>
-          <a:prstGeom prst="rect">
-            <a:avLst/>
-          </a:prstGeom>
-          <a:solidFill>
-            <a:schemeClr val="accent4">
-              <a:lumMod val="40000"/>
-              <a:lumOff val="60000"/>
-            </a:schemeClr>
-          </a:solidFill>
-        </p:spPr>
-        <p:txBody>
           <a:bodyPr vert="horz" lIns="91440" tIns="45720" rIns="91440" bIns="45720" rtlCol="0" anchor="ctr">
-            <a:normAutofit fontScale="85000" lnSpcReduction="20000"/>
+            <a:normAutofit/>
           </a:bodyPr>
           <a:lstStyle>
             <a:lvl1pPr algn="l" defTabSz="914400" rtl="0" eaLnBrk="1" latinLnBrk="0" hangingPunct="1">
@@ -7037,19 +9976,381 @@
             </a:lvl1pPr>
           </a:lstStyle>
           <a:p>
+            <a:r>
+              <a:rPr lang="es-MX" b="1" smtClean="0">
+                <a:solidFill>
+                  <a:schemeClr val="bg1"/>
+                </a:solidFill>
+              </a:rPr>
+              <a:t>Marco Teórico</a:t>
+            </a:r>
+            <a:r>
+              <a:rPr lang="es-MX" smtClean="0"/>
+              <a:t> </a:t>
+            </a:r>
+            <a:endParaRPr lang="es-MX" dirty="0"/>
+          </a:p>
+        </p:txBody>
+      </p:sp>
+      <p:sp>
+        <p:nvSpPr>
+          <p:cNvPr id="7" name="Título 1"/>
+          <p:cNvSpPr txBox="1">
+            <a:spLocks/>
+          </p:cNvSpPr>
+          <p:nvPr/>
+        </p:nvSpPr>
+        <p:spPr>
+          <a:xfrm>
+            <a:off x="5346357" y="225338"/>
+            <a:ext cx="6845643" cy="491095"/>
+          </a:xfrm>
+          <a:prstGeom prst="rect">
+            <a:avLst/>
+          </a:prstGeom>
+          <a:solidFill>
+            <a:schemeClr val="accent4">
+              <a:lumMod val="40000"/>
+              <a:lumOff val="60000"/>
+            </a:schemeClr>
+          </a:solidFill>
+        </p:spPr>
+        <p:txBody>
+          <a:bodyPr vert="horz" lIns="91440" tIns="45720" rIns="91440" bIns="45720" rtlCol="0" anchor="ctr">
+            <a:normAutofit fontScale="77500" lnSpcReduction="20000"/>
+          </a:bodyPr>
+          <a:lstStyle>
+            <a:lvl1pPr algn="l" defTabSz="914400" rtl="0" eaLnBrk="1" latinLnBrk="0" hangingPunct="1">
+              <a:lnSpc>
+                <a:spcPct val="90000"/>
+              </a:lnSpc>
+              <a:spcBef>
+                <a:spcPct val="0"/>
+              </a:spcBef>
+              <a:buNone/>
+              <a:defRPr sz="4400" kern="1200">
+                <a:solidFill>
+                  <a:schemeClr val="tx1"/>
+                </a:solidFill>
+                <a:latin typeface="+mj-lt"/>
+                <a:ea typeface="+mj-ea"/>
+                <a:cs typeface="+mj-cs"/>
+              </a:defRPr>
+            </a:lvl1pPr>
+          </a:lstStyle>
+          <a:p>
             <a:pPr algn="r"/>
             <a:r>
               <a:rPr lang="es-MX" dirty="0" smtClean="0"/>
-              <a:t>Efecto Espejo</a:t>
-            </a:r>
-            <a:endParaRPr lang="es-MX" dirty="0"/>
+              <a:t>TDS en Memoria de Reconocimiento</a:t>
+            </a:r>
+            <a:endParaRPr lang="es-MX" dirty="0"/>
+          </a:p>
+        </p:txBody>
+      </p:sp>
+      <p:sp>
+        <p:nvSpPr>
+          <p:cNvPr id="8" name="CuadroTexto 7"/>
+          <p:cNvSpPr txBox="1"/>
+          <p:nvPr/>
+        </p:nvSpPr>
+        <p:spPr>
+          <a:xfrm>
+            <a:off x="1005016" y="2115881"/>
+            <a:ext cx="2183027" cy="369332"/>
+          </a:xfrm>
+          <a:prstGeom prst="rect">
+            <a:avLst/>
+          </a:prstGeom>
+          <a:solidFill>
+            <a:schemeClr val="accent4">
+              <a:lumMod val="75000"/>
+            </a:schemeClr>
+          </a:solidFill>
+        </p:spPr>
+        <p:txBody>
+          <a:bodyPr wrap="square" rtlCol="0">
+            <a:spAutoFit/>
+          </a:bodyPr>
+          <a:lstStyle/>
+          <a:p>
+            <a:pPr algn="ctr"/>
+            <a:r>
+              <a:rPr lang="es-MX" dirty="0" smtClean="0"/>
+              <a:t>FASE DE ESTUDIO </a:t>
+            </a:r>
+            <a:endParaRPr lang="es-MX" dirty="0"/>
+          </a:p>
+        </p:txBody>
+      </p:sp>
+      <p:sp>
+        <p:nvSpPr>
+          <p:cNvPr id="9" name="CuadroTexto 8"/>
+          <p:cNvSpPr txBox="1"/>
+          <p:nvPr/>
+        </p:nvSpPr>
+        <p:spPr>
+          <a:xfrm>
+            <a:off x="5087894" y="2115881"/>
+            <a:ext cx="2183027" cy="369332"/>
+          </a:xfrm>
+          <a:prstGeom prst="rect">
+            <a:avLst/>
+          </a:prstGeom>
+          <a:solidFill>
+            <a:schemeClr val="accent4">
+              <a:lumMod val="75000"/>
+            </a:schemeClr>
+          </a:solidFill>
+        </p:spPr>
+        <p:txBody>
+          <a:bodyPr wrap="square" rtlCol="0">
+            <a:spAutoFit/>
+          </a:bodyPr>
+          <a:lstStyle/>
+          <a:p>
+            <a:pPr algn="ctr"/>
+            <a:r>
+              <a:rPr lang="es-MX" dirty="0" smtClean="0"/>
+              <a:t>FASE EXPERIMENTAL</a:t>
+            </a:r>
+            <a:endParaRPr lang="es-MX" dirty="0"/>
+          </a:p>
+        </p:txBody>
+      </p:sp>
+      <p:sp>
+        <p:nvSpPr>
+          <p:cNvPr id="10" name="CuadroTexto 9"/>
+          <p:cNvSpPr txBox="1"/>
+          <p:nvPr/>
+        </p:nvSpPr>
+        <p:spPr>
+          <a:xfrm>
+            <a:off x="387178" y="2949146"/>
+            <a:ext cx="3616411" cy="2308324"/>
+          </a:xfrm>
+          <a:prstGeom prst="rect">
+            <a:avLst/>
+          </a:prstGeom>
+          <a:solidFill>
+            <a:schemeClr val="accent4">
+              <a:lumMod val="40000"/>
+              <a:lumOff val="60000"/>
+            </a:schemeClr>
+          </a:solidFill>
+        </p:spPr>
+        <p:txBody>
+          <a:bodyPr wrap="square" rtlCol="0">
+            <a:spAutoFit/>
+          </a:bodyPr>
+          <a:lstStyle/>
+          <a:p>
+            <a:r>
+              <a:rPr lang="es-MX" dirty="0" smtClean="0"/>
+              <a:t>Se presenta a los participantes una lista de elementos con los que debe interactuar para su posterior reconocimiento:</a:t>
+            </a:r>
+          </a:p>
+          <a:p>
+            <a:endParaRPr lang="es-MX" dirty="0"/>
+          </a:p>
+          <a:p>
+            <a:r>
+              <a:rPr lang="es-MX" dirty="0" smtClean="0"/>
+              <a:t>-&gt; fase de estudio INTENCIONAL</a:t>
+            </a:r>
+          </a:p>
+          <a:p>
+            <a:endParaRPr lang="es-MX" dirty="0"/>
+          </a:p>
+          <a:p>
+            <a:r>
+              <a:rPr lang="es-MX" dirty="0" smtClean="0"/>
+              <a:t>-&gt; fase de estudio INCIDENTAL</a:t>
+            </a:r>
+          </a:p>
+        </p:txBody>
+      </p:sp>
+      <p:sp>
+        <p:nvSpPr>
+          <p:cNvPr id="13" name="CuadroTexto 12"/>
+          <p:cNvSpPr txBox="1"/>
+          <p:nvPr/>
+        </p:nvSpPr>
+        <p:spPr>
+          <a:xfrm>
+            <a:off x="4740359" y="3087645"/>
+            <a:ext cx="2878095" cy="2031325"/>
+          </a:xfrm>
+          <a:prstGeom prst="rect">
+            <a:avLst/>
+          </a:prstGeom>
+          <a:solidFill>
+            <a:schemeClr val="accent2">
+              <a:lumMod val="20000"/>
+              <a:lumOff val="80000"/>
+            </a:schemeClr>
+          </a:solidFill>
+        </p:spPr>
+        <p:txBody>
+          <a:bodyPr wrap="square" rtlCol="0">
+            <a:spAutoFit/>
+          </a:bodyPr>
+          <a:lstStyle/>
+          <a:p>
+            <a:pPr algn="ctr"/>
+            <a:r>
+              <a:rPr lang="es-MX" dirty="0" smtClean="0"/>
+              <a:t>Se presenta a los participantes una lista de elementos donde los </a:t>
+            </a:r>
+            <a:r>
+              <a:rPr lang="es-MX" b="1" dirty="0" smtClean="0">
+                <a:solidFill>
+                  <a:schemeClr val="accent4"/>
+                </a:solidFill>
+              </a:rPr>
+              <a:t>elementos presentados en la fase de estudio</a:t>
+            </a:r>
+            <a:r>
+              <a:rPr lang="es-MX" dirty="0" smtClean="0"/>
+              <a:t>, aparecen junto con </a:t>
+            </a:r>
+            <a:r>
+              <a:rPr lang="es-MX" b="1" dirty="0" smtClean="0">
+                <a:solidFill>
+                  <a:schemeClr val="accent2">
+                    <a:lumMod val="50000"/>
+                  </a:schemeClr>
+                </a:solidFill>
+              </a:rPr>
+              <a:t>elementos completamente nuevos.</a:t>
+            </a:r>
+            <a:endParaRPr lang="es-MX" b="1" dirty="0">
+              <a:solidFill>
+                <a:schemeClr val="accent2">
+                  <a:lumMod val="50000"/>
+                </a:schemeClr>
+              </a:solidFill>
+            </a:endParaRPr>
+          </a:p>
+        </p:txBody>
+      </p:sp>
+      <p:sp>
+        <p:nvSpPr>
+          <p:cNvPr id="14" name="Flecha derecha 13"/>
+          <p:cNvSpPr/>
+          <p:nvPr/>
+        </p:nvSpPr>
+        <p:spPr>
+          <a:xfrm>
+            <a:off x="4003589" y="4103307"/>
+            <a:ext cx="736770" cy="246271"/>
+          </a:xfrm>
+          <a:prstGeom prst="rightArrow">
+            <a:avLst/>
+          </a:prstGeom>
+        </p:spPr>
+        <p:style>
+          <a:lnRef idx="2">
+            <a:schemeClr val="accent4"/>
+          </a:lnRef>
+          <a:fillRef idx="1">
+            <a:schemeClr val="lt1"/>
+          </a:fillRef>
+          <a:effectRef idx="0">
+            <a:schemeClr val="accent4"/>
+          </a:effectRef>
+          <a:fontRef idx="minor">
+            <a:schemeClr val="dk1"/>
+          </a:fontRef>
+        </p:style>
+        <p:txBody>
+          <a:bodyPr rtlCol="0" anchor="ctr"/>
+          <a:lstStyle/>
+          <a:p>
+            <a:pPr algn="ctr"/>
+            <a:endParaRPr lang="es-MX"/>
+          </a:p>
+        </p:txBody>
+      </p:sp>
+      <p:sp>
+        <p:nvSpPr>
+          <p:cNvPr id="15" name="CuadroTexto 14"/>
+          <p:cNvSpPr txBox="1"/>
+          <p:nvPr/>
+        </p:nvSpPr>
+        <p:spPr>
+          <a:xfrm>
+            <a:off x="8666205" y="3179805"/>
+            <a:ext cx="2990336" cy="1754326"/>
+          </a:xfrm>
+          <a:prstGeom prst="rect">
+            <a:avLst/>
+          </a:prstGeom>
+          <a:noFill/>
+          <a:ln>
+            <a:solidFill>
+              <a:schemeClr val="bg1">
+                <a:lumMod val="50000"/>
+              </a:schemeClr>
+            </a:solidFill>
+          </a:ln>
+        </p:spPr>
+        <p:txBody>
+          <a:bodyPr wrap="square" rtlCol="0">
+            <a:spAutoFit/>
+          </a:bodyPr>
+          <a:lstStyle/>
+          <a:p>
+            <a:r>
+              <a:rPr lang="es-MX" dirty="0" smtClean="0"/>
+              <a:t>De los estímulos que se te presentarán a continuación, indica cuáles de ellos ya se te habían presentado durante la primera fase de este experimento.</a:t>
+            </a:r>
+            <a:endParaRPr lang="es-MX" dirty="0"/>
+          </a:p>
+        </p:txBody>
+      </p:sp>
+      <p:sp>
+        <p:nvSpPr>
+          <p:cNvPr id="16" name="Flecha derecha 15"/>
+          <p:cNvSpPr/>
+          <p:nvPr/>
+        </p:nvSpPr>
+        <p:spPr>
+          <a:xfrm>
+            <a:off x="7773944" y="3857036"/>
+            <a:ext cx="736770" cy="246271"/>
+          </a:xfrm>
+          <a:prstGeom prst="rightArrow">
+            <a:avLst/>
+          </a:prstGeom>
+        </p:spPr>
+        <p:style>
+          <a:lnRef idx="2">
+            <a:schemeClr val="accent4"/>
+          </a:lnRef>
+          <a:fillRef idx="1">
+            <a:schemeClr val="lt1"/>
+          </a:fillRef>
+          <a:effectRef idx="0">
+            <a:schemeClr val="accent4"/>
+          </a:effectRef>
+          <a:fontRef idx="minor">
+            <a:schemeClr val="dk1"/>
+          </a:fontRef>
+        </p:style>
+        <p:txBody>
+          <a:bodyPr rtlCol="0" anchor="ctr"/>
+          <a:lstStyle/>
+          <a:p>
+            <a:pPr algn="ctr"/>
+            <a:endParaRPr lang="es-MX"/>
           </a:p>
         </p:txBody>
       </p:sp>
     </p:spTree>
     <p:extLst>
       <p:ext uri="{BB962C8B-B14F-4D97-AF65-F5344CB8AC3E}">
-        <p14:creationId xmlns:p14="http://schemas.microsoft.com/office/powerpoint/2010/main" val="30814327"/>
+        <p14:creationId xmlns:p14="http://schemas.microsoft.com/office/powerpoint/2010/main" val="1883589035"/>
       </p:ext>
     </p:extLst>
   </p:cSld>
@@ -7093,11 +10394,123 @@
             <p:ph type="title"/>
           </p:nvPr>
         </p:nvSpPr>
+        <p:spPr/>
+        <p:txBody>
+          <a:bodyPr/>
+          <a:lstStyle/>
+          <a:p>
+            <a:r>
+              <a:rPr lang="es-MX" dirty="0" smtClean="0"/>
+              <a:t/>
+            </a:r>
+            <a:br>
+              <a:rPr lang="es-MX" dirty="0" smtClean="0"/>
+            </a:br>
+            <a:endParaRPr lang="es-MX" dirty="0"/>
+          </a:p>
+        </p:txBody>
+      </p:sp>
+      <p:sp>
+        <p:nvSpPr>
+          <p:cNvPr id="3" name="Marcador de contenido 2"/>
+          <p:cNvSpPr>
+            <a:spLocks noGrp="1"/>
+          </p:cNvSpPr>
+          <p:nvPr>
+            <p:ph idx="1"/>
+          </p:nvPr>
+        </p:nvSpPr>
+        <p:spPr>
+          <a:xfrm>
+            <a:off x="73111" y="1153298"/>
+            <a:ext cx="7909354" cy="5453448"/>
+          </a:xfrm>
+        </p:spPr>
+        <p:txBody>
+          <a:bodyPr>
+            <a:normAutofit/>
+          </a:bodyPr>
+          <a:lstStyle/>
+          <a:p>
+            <a:r>
+              <a:rPr lang="es-MX" dirty="0" smtClean="0"/>
+              <a:t>Implicaciones:</a:t>
+            </a:r>
+          </a:p>
+          <a:p>
+            <a:pPr lvl="1"/>
+            <a:r>
+              <a:rPr lang="es-MX" dirty="0" smtClean="0"/>
+              <a:t>La idea de que existe tal cosa como una ‘fuerza de memoria’</a:t>
+            </a:r>
+          </a:p>
+          <a:p>
+            <a:pPr lvl="2"/>
+            <a:r>
+              <a:rPr lang="es-MX" dirty="0" smtClean="0"/>
+              <a:t>‘familiaridad’ o ‘</a:t>
+            </a:r>
+            <a:r>
+              <a:rPr lang="es-MX" dirty="0" err="1" smtClean="0"/>
+              <a:t>relacionabilidad</a:t>
+            </a:r>
+            <a:r>
+              <a:rPr lang="es-MX" dirty="0" smtClean="0"/>
+              <a:t>’</a:t>
+            </a:r>
+          </a:p>
+          <a:p>
+            <a:pPr lvl="2"/>
+            <a:endParaRPr lang="es-MX" dirty="0" smtClean="0"/>
+          </a:p>
+          <a:p>
+            <a:pPr lvl="1"/>
+            <a:r>
+              <a:rPr lang="es-MX" dirty="0" smtClean="0"/>
+              <a:t>El criterio de elección como opuesto a la idea de los Umbrales de memoria.</a:t>
+            </a:r>
+          </a:p>
+          <a:p>
+            <a:pPr lvl="1"/>
+            <a:endParaRPr lang="es-MX" dirty="0"/>
+          </a:p>
+          <a:p>
+            <a:pPr lvl="1"/>
+            <a:r>
+              <a:rPr lang="es-MX" dirty="0" smtClean="0"/>
+              <a:t>El trazo de curvas ROC (MOC) permite evaluar la naturaleza de las distribuciones subyacentes al proceso de decisión implicado.</a:t>
+            </a:r>
+          </a:p>
+          <a:p>
+            <a:pPr lvl="1"/>
+            <a:endParaRPr lang="es-MX" dirty="0"/>
+          </a:p>
+          <a:p>
+            <a:pPr lvl="1"/>
+            <a:r>
+              <a:rPr lang="es-MX" dirty="0" smtClean="0"/>
+              <a:t>Herramienta para el análisis de datos</a:t>
+            </a:r>
+            <a:endParaRPr lang="es-MX" dirty="0"/>
+          </a:p>
+        </p:txBody>
+      </p:sp>
+      <p:sp>
+        <p:nvSpPr>
+          <p:cNvPr id="4" name="Título 1"/>
+          <p:cNvSpPr txBox="1">
+            <a:spLocks/>
+          </p:cNvSpPr>
+          <p:nvPr/>
+        </p:nvSpPr>
         <p:spPr>
           <a:xfrm>
             <a:off x="0" y="76800"/>
-            <a:ext cx="5016843" cy="1325563"/>
-          </a:xfrm>
+            <a:ext cx="5016843" cy="788173"/>
+          </a:xfrm>
+          <a:prstGeom prst="rect">
+            <a:avLst/>
+          </a:prstGeom>
           <a:solidFill>
             <a:schemeClr val="accent4">
               <a:lumMod val="50000"/>
@@ -7105,11 +10518,31 @@
           </a:solidFill>
         </p:spPr>
         <p:txBody>
-          <a:bodyPr/>
-          <a:lstStyle/>
-          <a:p>
-            <a:r>
-              <a:rPr lang="es-MX" b="1" dirty="0" smtClean="0">
+          <a:bodyPr vert="horz" lIns="91440" tIns="45720" rIns="91440" bIns="45720" rtlCol="0" anchor="ctr">
+            <a:normAutofit/>
+          </a:bodyPr>
+          <a:lstStyle>
+            <a:lvl1pPr algn="l" defTabSz="914400" rtl="0" eaLnBrk="1" latinLnBrk="0" hangingPunct="1">
+              <a:lnSpc>
+                <a:spcPct val="90000"/>
+              </a:lnSpc>
+              <a:spcBef>
+                <a:spcPct val="0"/>
+              </a:spcBef>
+              <a:buNone/>
+              <a:defRPr sz="4400" kern="1200">
+                <a:solidFill>
+                  <a:schemeClr val="tx1"/>
+                </a:solidFill>
+                <a:latin typeface="+mj-lt"/>
+                <a:ea typeface="+mj-ea"/>
+                <a:cs typeface="+mj-cs"/>
+              </a:defRPr>
+            </a:lvl1pPr>
+          </a:lstStyle>
+          <a:p>
+            <a:r>
+              <a:rPr lang="es-MX" b="1" smtClean="0">
                 <a:solidFill>
                   <a:schemeClr val="bg1"/>
                 </a:solidFill>
@@ -7117,7 +10550,7 @@
               <a:t>Marco Teórico</a:t>
             </a:r>
             <a:r>
-              <a:rPr lang="es-MX" dirty="0" smtClean="0"/>
+              <a:rPr lang="es-MX" smtClean="0"/>
               <a:t> </a:t>
             </a:r>
             <a:endParaRPr lang="es-MX" dirty="0"/>
@@ -7126,30 +10559,7 @@
       </p:sp>
       <p:sp>
         <p:nvSpPr>
-          <p:cNvPr id="3" name="Marcador de contenido 2"/>
-          <p:cNvSpPr>
-            <a:spLocks noGrp="1"/>
-          </p:cNvSpPr>
-          <p:nvPr>
-            <p:ph idx="1"/>
-          </p:nvPr>
-        </p:nvSpPr>
-        <p:spPr/>
-        <p:txBody>
-          <a:bodyPr/>
-          <a:lstStyle/>
-          <a:p>
-            <a:r>
-              <a:rPr lang="es-MX" dirty="0" smtClean="0"/>
-              <a:t>El Efecto Espejo sólo ha sido reportado y abordado en estudios de Memoria de Reconocimiento.</a:t>
-            </a:r>
-            <a:endParaRPr lang="es-MX" dirty="0"/>
-          </a:p>
-        </p:txBody>
-      </p:sp>
-      <p:sp>
-        <p:nvSpPr>
-          <p:cNvPr id="4" name="Título 1"/>
+          <p:cNvPr id="5" name="Título 1"/>
           <p:cNvSpPr txBox="1">
             <a:spLocks/>
           </p:cNvSpPr>
@@ -7157,7 +10567,279 @@
         </p:nvSpPr>
         <p:spPr>
           <a:xfrm>
-            <a:off x="5346356" y="739581"/>
+            <a:off x="5346357" y="225338"/>
+            <a:ext cx="6845643" cy="491095"/>
+          </a:xfrm>
+          <a:prstGeom prst="rect">
+            <a:avLst/>
+          </a:prstGeom>
+          <a:solidFill>
+            <a:schemeClr val="accent4">
+              <a:lumMod val="40000"/>
+              <a:lumOff val="60000"/>
+            </a:schemeClr>
+          </a:solidFill>
+        </p:spPr>
+        <p:txBody>
+          <a:bodyPr vert="horz" lIns="91440" tIns="45720" rIns="91440" bIns="45720" rtlCol="0" anchor="ctr">
+            <a:normAutofit fontScale="77500" lnSpcReduction="20000"/>
+          </a:bodyPr>
+          <a:lstStyle>
+            <a:lvl1pPr algn="l" defTabSz="914400" rtl="0" eaLnBrk="1" latinLnBrk="0" hangingPunct="1">
+              <a:lnSpc>
+                <a:spcPct val="90000"/>
+              </a:lnSpc>
+              <a:spcBef>
+                <a:spcPct val="0"/>
+              </a:spcBef>
+              <a:buNone/>
+              <a:defRPr sz="4400" kern="1200">
+                <a:solidFill>
+                  <a:schemeClr val="tx1"/>
+                </a:solidFill>
+                <a:latin typeface="+mj-lt"/>
+                <a:ea typeface="+mj-ea"/>
+                <a:cs typeface="+mj-cs"/>
+              </a:defRPr>
+            </a:lvl1pPr>
+          </a:lstStyle>
+          <a:p>
+            <a:pPr algn="r"/>
+            <a:r>
+              <a:rPr lang="es-MX" dirty="0" smtClean="0"/>
+              <a:t>TDS en Memoria de Reconocimiento</a:t>
+            </a:r>
+            <a:endParaRPr lang="es-MX" dirty="0"/>
+          </a:p>
+        </p:txBody>
+      </p:sp>
+      <p:pic>
+        <p:nvPicPr>
+          <p:cNvPr id="6" name="Imagen 5"/>
+          <p:cNvPicPr>
+            <a:picLocks noChangeAspect="1"/>
+          </p:cNvPicPr>
+          <p:nvPr/>
+        </p:nvPicPr>
+        <p:blipFill>
+          <a:blip r:embed="rId2"/>
+          <a:stretch>
+            <a:fillRect/>
+          </a:stretch>
+        </p:blipFill>
+        <p:spPr>
+          <a:xfrm>
+            <a:off x="7982465" y="2208898"/>
+            <a:ext cx="4391025" cy="3000375"/>
+          </a:xfrm>
+          <a:prstGeom prst="rect">
+            <a:avLst/>
+          </a:prstGeom>
+        </p:spPr>
+      </p:pic>
+    </p:spTree>
+    <p:extLst>
+      <p:ext uri="{BB962C8B-B14F-4D97-AF65-F5344CB8AC3E}">
+        <p14:creationId xmlns:p14="http://schemas.microsoft.com/office/powerpoint/2010/main" val="892684363"/>
+      </p:ext>
+    </p:extLst>
+  </p:cSld>
+  <p:clrMapOvr>
+    <a:masterClrMapping/>
+  </p:clrMapOvr>
+</p:sld>
+</file>
+
+<file path=ppt/slides/slide8.xml><?xml version="1.0" encoding="utf-8"?>
+<p:sld xmlns:a="http://schemas.openxmlformats.org/drawingml/2006/main" xmlns:r="http://schemas.openxmlformats.org/officeDocument/2006/relationships" xmlns:p="http://schemas.openxmlformats.org/presentationml/2006/main">
+  <p:cSld>
+    <p:spTree>
+      <p:nvGrpSpPr>
+        <p:cNvPr id="1" name=""/>
+        <p:cNvGrpSpPr/>
+        <p:nvPr/>
+      </p:nvGrpSpPr>
+      <p:grpSpPr>
+        <a:xfrm>
+          <a:off x="0" y="0"/>
+          <a:ext cx="0" cy="0"/>
+          <a:chOff x="0" y="0"/>
+          <a:chExt cx="0" cy="0"/>
+        </a:xfrm>
+      </p:grpSpPr>
+      <p:sp>
+        <p:nvSpPr>
+          <p:cNvPr id="3" name="Marcador de contenido 2"/>
+          <p:cNvSpPr>
+            <a:spLocks noGrp="1"/>
+          </p:cNvSpPr>
+          <p:nvPr>
+            <p:ph idx="1"/>
+          </p:nvPr>
+        </p:nvSpPr>
+        <p:spPr>
+          <a:xfrm>
+            <a:off x="838200" y="1004758"/>
+            <a:ext cx="10515600" cy="5651415"/>
+          </a:xfrm>
+        </p:spPr>
+        <p:txBody>
+          <a:bodyPr>
+            <a:normAutofit/>
+          </a:bodyPr>
+          <a:lstStyle/>
+          <a:p>
+            <a:r>
+              <a:rPr lang="es-MX" dirty="0" smtClean="0"/>
+              <a:t>Patrón de respuestas consistentemente reportado en estudios de memoria de reconocimiento donde el desempeño de los participantes es comparado entre dos clases de estímulos A y B, donde:</a:t>
+            </a:r>
+          </a:p>
+          <a:p>
+            <a:endParaRPr lang="es-MX" dirty="0"/>
+          </a:p>
+          <a:p>
+            <a:endParaRPr lang="es-MX" dirty="0" smtClean="0"/>
+          </a:p>
+          <a:p>
+            <a:endParaRPr lang="es-MX" dirty="0"/>
+          </a:p>
+          <a:p>
+            <a:endParaRPr lang="es-MX" dirty="0" smtClean="0"/>
+          </a:p>
+          <a:p>
+            <a:r>
+              <a:rPr lang="es-MX" dirty="0" smtClean="0"/>
+              <a:t>Evidencia reportada a través de distintos procedimientos:</a:t>
+            </a:r>
+          </a:p>
+          <a:p>
+            <a:pPr lvl="1"/>
+            <a:r>
+              <a:rPr lang="es-MX" dirty="0" smtClean="0"/>
+              <a:t>Tareas binarias</a:t>
+            </a:r>
+          </a:p>
+          <a:p>
+            <a:pPr lvl="1"/>
+            <a:r>
+              <a:rPr lang="es-MX" dirty="0" smtClean="0"/>
+              <a:t>Tareas de escala de confianza</a:t>
+            </a:r>
+          </a:p>
+          <a:p>
+            <a:pPr lvl="1"/>
+            <a:r>
+              <a:rPr lang="es-MX" dirty="0" smtClean="0"/>
+              <a:t>Tareas de elección forzada de 2 alternativas</a:t>
+            </a:r>
+          </a:p>
+          <a:p>
+            <a:endParaRPr lang="es-MX" dirty="0" smtClean="0"/>
+          </a:p>
+          <a:p>
+            <a:endParaRPr lang="es-MX" dirty="0"/>
+          </a:p>
+        </p:txBody>
+      </p:sp>
+      <p:sp>
+        <p:nvSpPr>
+          <p:cNvPr id="5" name="Título 4"/>
+          <p:cNvSpPr>
+            <a:spLocks noGrp="1"/>
+          </p:cNvSpPr>
+          <p:nvPr>
+            <p:ph type="title"/>
+          </p:nvPr>
+        </p:nvSpPr>
+        <p:spPr/>
+        <p:txBody>
+          <a:bodyPr/>
+          <a:lstStyle/>
+          <a:p>
+            <a:r>
+              <a:rPr lang="es-MX" dirty="0" smtClean="0"/>
+              <a:t/>
+            </a:r>
+            <a:br>
+              <a:rPr lang="es-MX" dirty="0" smtClean="0"/>
+            </a:br>
+            <a:endParaRPr lang="es-MX" dirty="0"/>
+          </a:p>
+        </p:txBody>
+      </p:sp>
+      <p:sp>
+        <p:nvSpPr>
+          <p:cNvPr id="6" name="Título 1"/>
+          <p:cNvSpPr txBox="1">
+            <a:spLocks/>
+          </p:cNvSpPr>
+          <p:nvPr/>
+        </p:nvSpPr>
+        <p:spPr>
+          <a:xfrm>
+            <a:off x="0" y="76800"/>
+            <a:ext cx="5016843" cy="788173"/>
+          </a:xfrm>
+          <a:prstGeom prst="rect">
+            <a:avLst/>
+          </a:prstGeom>
+          <a:solidFill>
+            <a:schemeClr val="accent4">
+              <a:lumMod val="50000"/>
+            </a:schemeClr>
+          </a:solidFill>
+        </p:spPr>
+        <p:txBody>
+          <a:bodyPr vert="horz" lIns="91440" tIns="45720" rIns="91440" bIns="45720" rtlCol="0" anchor="ctr">
+            <a:normAutofit/>
+          </a:bodyPr>
+          <a:lstStyle>
+            <a:lvl1pPr algn="l" defTabSz="914400" rtl="0" eaLnBrk="1" latinLnBrk="0" hangingPunct="1">
+              <a:lnSpc>
+                <a:spcPct val="90000"/>
+              </a:lnSpc>
+              <a:spcBef>
+                <a:spcPct val="0"/>
+              </a:spcBef>
+              <a:buNone/>
+              <a:defRPr sz="4400" kern="1200">
+                <a:solidFill>
+                  <a:schemeClr val="tx1"/>
+                </a:solidFill>
+                <a:latin typeface="+mj-lt"/>
+                <a:ea typeface="+mj-ea"/>
+                <a:cs typeface="+mj-cs"/>
+              </a:defRPr>
+            </a:lvl1pPr>
+          </a:lstStyle>
+          <a:p>
+            <a:r>
+              <a:rPr lang="es-MX" b="1" smtClean="0">
+                <a:solidFill>
+                  <a:schemeClr val="bg1"/>
+                </a:solidFill>
+              </a:rPr>
+              <a:t>Marco Teórico</a:t>
+            </a:r>
+            <a:r>
+              <a:rPr lang="es-MX" smtClean="0"/>
+              <a:t> </a:t>
+            </a:r>
+            <a:endParaRPr lang="es-MX" dirty="0"/>
+          </a:p>
+        </p:txBody>
+      </p:sp>
+      <p:sp>
+        <p:nvSpPr>
+          <p:cNvPr id="7" name="Título 1"/>
+          <p:cNvSpPr txBox="1">
+            <a:spLocks/>
+          </p:cNvSpPr>
+          <p:nvPr/>
+        </p:nvSpPr>
+        <p:spPr>
+          <a:xfrm>
+            <a:off x="5346357" y="225338"/>
             <a:ext cx="6845643" cy="491095"/>
           </a:xfrm>
           <a:prstGeom prst="rect">
@@ -7197,7 +10879,206 @@
             <a:pPr algn="r"/>
             <a:r>
               <a:rPr lang="es-MX" dirty="0" smtClean="0"/>
-              <a:t>Planteamiento del problema</a:t>
+              <a:t>Efecto Espejo</a:t>
+            </a:r>
+            <a:endParaRPr lang="es-MX" dirty="0"/>
+          </a:p>
+        </p:txBody>
+      </p:sp>
+      <p:pic>
+        <p:nvPicPr>
+          <p:cNvPr id="9" name="Imagen 8"/>
+          <p:cNvPicPr>
+            <a:picLocks noChangeAspect="1"/>
+          </p:cNvPicPr>
+          <p:nvPr/>
+        </p:nvPicPr>
+        <p:blipFill>
+          <a:blip r:embed="rId2"/>
+          <a:stretch>
+            <a:fillRect/>
+          </a:stretch>
+        </p:blipFill>
+        <p:spPr>
+          <a:xfrm>
+            <a:off x="4169119" y="2454745"/>
+            <a:ext cx="1177238" cy="800522"/>
+          </a:xfrm>
+          <a:prstGeom prst="rect">
+            <a:avLst/>
+          </a:prstGeom>
+        </p:spPr>
+      </p:pic>
+      <p:pic>
+        <p:nvPicPr>
+          <p:cNvPr id="10" name="Imagen 9"/>
+          <p:cNvPicPr>
+            <a:picLocks noChangeAspect="1"/>
+          </p:cNvPicPr>
+          <p:nvPr/>
+        </p:nvPicPr>
+        <p:blipFill>
+          <a:blip r:embed="rId3"/>
+          <a:stretch>
+            <a:fillRect/>
+          </a:stretch>
+        </p:blipFill>
+        <p:spPr>
+          <a:xfrm>
+            <a:off x="5935990" y="2454745"/>
+            <a:ext cx="1198990" cy="719394"/>
+          </a:xfrm>
+          <a:prstGeom prst="rect">
+            <a:avLst/>
+          </a:prstGeom>
+        </p:spPr>
+      </p:pic>
+      <p:sp>
+        <p:nvSpPr>
+          <p:cNvPr id="11" name="Forma en L 10"/>
+          <p:cNvSpPr/>
+          <p:nvPr/>
+        </p:nvSpPr>
+        <p:spPr>
+          <a:xfrm rot="19293079" flipH="1">
+            <a:off x="5464500" y="2804657"/>
+            <a:ext cx="214422" cy="200007"/>
+          </a:xfrm>
+          <a:prstGeom prst="corner">
+            <a:avLst/>
+          </a:prstGeom>
+          <a:solidFill>
+            <a:srgbClr val="FF0000"/>
+          </a:solidFill>
+        </p:spPr>
+        <p:style>
+          <a:lnRef idx="2">
+            <a:schemeClr val="accent1">
+              <a:shade val="50000"/>
+            </a:schemeClr>
+          </a:lnRef>
+          <a:fillRef idx="1">
+            <a:schemeClr val="accent1"/>
+          </a:fillRef>
+          <a:effectRef idx="0">
+            <a:schemeClr val="accent1"/>
+          </a:effectRef>
+          <a:fontRef idx="minor">
+            <a:schemeClr val="lt1"/>
+          </a:fontRef>
+        </p:style>
+        <p:txBody>
+          <a:bodyPr rtlCol="0" anchor="ctr"/>
+          <a:lstStyle/>
+          <a:p>
+            <a:pPr algn="ctr"/>
+            <a:endParaRPr lang="es-MX"/>
+          </a:p>
+        </p:txBody>
+      </p:sp>
+      <p:sp>
+        <p:nvSpPr>
+          <p:cNvPr id="2" name="CuadroTexto 1"/>
+          <p:cNvSpPr txBox="1"/>
+          <p:nvPr/>
+        </p:nvSpPr>
+        <p:spPr>
+          <a:xfrm>
+            <a:off x="2629230" y="3255267"/>
+            <a:ext cx="2796333" cy="923330"/>
+          </a:xfrm>
+          <a:prstGeom prst="rect">
+            <a:avLst/>
+          </a:prstGeom>
+          <a:noFill/>
+        </p:spPr>
+        <p:txBody>
+          <a:bodyPr wrap="square" rtlCol="0">
+            <a:spAutoFit/>
+          </a:bodyPr>
+          <a:lstStyle/>
+          <a:p>
+            <a:pPr marL="285750" indent="-285750">
+              <a:buFont typeface="Arial" panose="020B0604020202020204" pitchFamily="34" charset="0"/>
+              <a:buChar char="•"/>
+            </a:pPr>
+            <a:r>
+              <a:rPr lang="es-MX" dirty="0" smtClean="0"/>
+              <a:t>Palabras poco comunes</a:t>
+            </a:r>
+          </a:p>
+          <a:p>
+            <a:pPr marL="285750" indent="-285750">
+              <a:buFont typeface="Arial" panose="020B0604020202020204" pitchFamily="34" charset="0"/>
+              <a:buChar char="•"/>
+            </a:pPr>
+            <a:r>
+              <a:rPr lang="es-MX" dirty="0" smtClean="0"/>
+              <a:t>Imágenes</a:t>
+            </a:r>
+          </a:p>
+          <a:p>
+            <a:pPr marL="285750" indent="-285750">
+              <a:buFont typeface="Arial" panose="020B0604020202020204" pitchFamily="34" charset="0"/>
+              <a:buChar char="•"/>
+            </a:pPr>
+            <a:r>
+              <a:rPr lang="es-MX" dirty="0" smtClean="0"/>
+              <a:t>Conceptos abstractos</a:t>
+            </a:r>
+            <a:endParaRPr lang="es-MX" dirty="0"/>
+          </a:p>
+        </p:txBody>
+      </p:sp>
+      <p:sp>
+        <p:nvSpPr>
+          <p:cNvPr id="13" name="CuadroTexto 12"/>
+          <p:cNvSpPr txBox="1"/>
+          <p:nvPr/>
+        </p:nvSpPr>
+        <p:spPr>
+          <a:xfrm>
+            <a:off x="5736813" y="3227614"/>
+            <a:ext cx="2796333" cy="923330"/>
+          </a:xfrm>
+          <a:prstGeom prst="rect">
+            <a:avLst/>
+          </a:prstGeom>
+          <a:noFill/>
+        </p:spPr>
+        <p:txBody>
+          <a:bodyPr wrap="square" rtlCol="0">
+            <a:spAutoFit/>
+          </a:bodyPr>
+          <a:lstStyle/>
+          <a:p>
+            <a:pPr marL="285750" indent="-285750">
+              <a:buFont typeface="Arial" panose="020B0604020202020204" pitchFamily="34" charset="0"/>
+              <a:buChar char="•"/>
+            </a:pPr>
+            <a:r>
+              <a:rPr lang="es-MX" dirty="0" smtClean="0"/>
+              <a:t>Palabras muy comunes</a:t>
+            </a:r>
+          </a:p>
+          <a:p>
+            <a:pPr marL="285750" indent="-285750">
+              <a:buFont typeface="Arial" panose="020B0604020202020204" pitchFamily="34" charset="0"/>
+              <a:buChar char="•"/>
+            </a:pPr>
+            <a:r>
+              <a:rPr lang="es-MX" dirty="0" smtClean="0"/>
+              <a:t>Palabras</a:t>
+            </a:r>
+          </a:p>
+          <a:p>
+            <a:pPr marL="285750" indent="-285750">
+              <a:buFont typeface="Arial" panose="020B0604020202020204" pitchFamily="34" charset="0"/>
+              <a:buChar char="•"/>
+            </a:pPr>
+            <a:r>
+              <a:rPr lang="es-MX" dirty="0" smtClean="0"/>
+              <a:t>Conceptos concretos</a:t>
             </a:r>
             <a:endParaRPr lang="es-MX" dirty="0"/>
           </a:p>
@@ -7206,225 +11087,7 @@
     </p:spTree>
     <p:extLst>
       <p:ext uri="{BB962C8B-B14F-4D97-AF65-F5344CB8AC3E}">
-        <p14:creationId xmlns:p14="http://schemas.microsoft.com/office/powerpoint/2010/main" val="3275110836"/>
-      </p:ext>
-    </p:extLst>
-  </p:cSld>
-  <p:clrMapOvr>
-    <a:masterClrMapping/>
-  </p:clrMapOvr>
-  <p:timing>
-    <p:tnLst>
-      <p:par>
-        <p:cTn id="1" dur="indefinite" restart="never" nodeType="tmRoot"/>
-      </p:par>
-    </p:tnLst>
-  </p:timing>
-</p:sld>
-</file>
-
-<file path=ppt/slides/slide8.xml><?xml version="1.0" encoding="utf-8"?>
-<p:sld xmlns:a="http://schemas.openxmlformats.org/drawingml/2006/main" xmlns:r="http://schemas.openxmlformats.org/officeDocument/2006/relationships" xmlns:p="http://schemas.openxmlformats.org/presentationml/2006/main">
-  <p:cSld>
-    <p:spTree>
-      <p:nvGrpSpPr>
-        <p:cNvPr id="1" name=""/>
-        <p:cNvGrpSpPr/>
-        <p:nvPr/>
-      </p:nvGrpSpPr>
-      <p:grpSpPr>
-        <a:xfrm>
-          <a:off x="0" y="0"/>
-          <a:ext cx="0" cy="0"/>
-          <a:chOff x="0" y="0"/>
-          <a:chExt cx="0" cy="0"/>
-        </a:xfrm>
-      </p:grpSpPr>
-      <p:sp>
-        <p:nvSpPr>
-          <p:cNvPr id="2" name="Título 1"/>
-          <p:cNvSpPr>
-            <a:spLocks noGrp="1"/>
-          </p:cNvSpPr>
-          <p:nvPr>
-            <p:ph type="title"/>
-          </p:nvPr>
-        </p:nvSpPr>
-        <p:spPr>
-          <a:xfrm>
-            <a:off x="0" y="76800"/>
-            <a:ext cx="5016843" cy="1325563"/>
-          </a:xfrm>
-          <a:solidFill>
-            <a:srgbClr val="7030A0"/>
-          </a:solidFill>
-        </p:spPr>
-        <p:txBody>
-          <a:bodyPr/>
-          <a:lstStyle/>
-          <a:p>
-            <a:r>
-              <a:rPr lang="es-MX" b="1" dirty="0" smtClean="0">
-                <a:solidFill>
-                  <a:schemeClr val="bg1"/>
-                </a:solidFill>
-              </a:rPr>
-              <a:t>Método</a:t>
-            </a:r>
-            <a:endParaRPr lang="es-MX" dirty="0"/>
-          </a:p>
-        </p:txBody>
-      </p:sp>
-      <p:sp>
-        <p:nvSpPr>
-          <p:cNvPr id="3" name="Marcador de contenido 2"/>
-          <p:cNvSpPr>
-            <a:spLocks noGrp="1"/>
-          </p:cNvSpPr>
-          <p:nvPr>
-            <p:ph idx="1"/>
-          </p:nvPr>
-        </p:nvSpPr>
-        <p:spPr/>
-        <p:txBody>
-          <a:bodyPr>
-            <a:normAutofit/>
-          </a:bodyPr>
-          <a:lstStyle/>
-          <a:p>
-            <a:r>
-              <a:rPr lang="es-MX" dirty="0"/>
-              <a:t>Buscar evidencia del Efecto Espejo fuera del área de Memoria de </a:t>
-            </a:r>
-            <a:r>
-              <a:rPr lang="es-MX" dirty="0" smtClean="0"/>
-              <a:t>Reconocimiento, en una tarea de detección perceptual.</a:t>
-            </a:r>
-          </a:p>
-          <a:p>
-            <a:endParaRPr lang="es-MX" dirty="0" smtClean="0"/>
-          </a:p>
-          <a:p>
-            <a:pPr lvl="1"/>
-            <a:r>
-              <a:rPr lang="es-MX" dirty="0" smtClean="0"/>
-              <a:t>Con ello, se evalúa </a:t>
-            </a:r>
-            <a:r>
-              <a:rPr lang="es-MX" dirty="0"/>
-              <a:t>la posibilidad de que los patrones de </a:t>
-            </a:r>
-            <a:r>
-              <a:rPr lang="es-MX" dirty="0" smtClean="0"/>
-              <a:t>respuesta reportados sean </a:t>
-            </a:r>
-            <a:r>
-              <a:rPr lang="es-MX" dirty="0"/>
-              <a:t>producto de la aplicación de la </a:t>
-            </a:r>
-            <a:r>
-              <a:rPr lang="es-MX" dirty="0" smtClean="0"/>
-              <a:t>SDT al </a:t>
-            </a:r>
-            <a:r>
-              <a:rPr lang="es-MX" dirty="0"/>
-              <a:t>análisis </a:t>
-            </a:r>
-            <a:r>
-              <a:rPr lang="es-MX" dirty="0" smtClean="0"/>
-              <a:t>de </a:t>
-            </a:r>
-            <a:r>
-              <a:rPr lang="es-MX" dirty="0"/>
-              <a:t>la ejecución de los </a:t>
-            </a:r>
-            <a:r>
-              <a:rPr lang="es-MX" dirty="0" smtClean="0"/>
-              <a:t>participantes y no de </a:t>
-            </a:r>
-            <a:r>
-              <a:rPr lang="es-MX" dirty="0"/>
-              <a:t>una discrepancia en </a:t>
-            </a:r>
-            <a:r>
-              <a:rPr lang="es-MX" dirty="0" smtClean="0"/>
-              <a:t>su </a:t>
-            </a:r>
-            <a:r>
-              <a:rPr lang="es-MX" dirty="0"/>
-              <a:t>procesamiento durante la </a:t>
-            </a:r>
-            <a:r>
-              <a:rPr lang="es-MX" dirty="0" smtClean="0"/>
-              <a:t>fase de </a:t>
-            </a:r>
-            <a:r>
-              <a:rPr lang="es-MX" dirty="0"/>
-              <a:t>estudio.</a:t>
-            </a:r>
-          </a:p>
-        </p:txBody>
-      </p:sp>
-      <p:sp>
-        <p:nvSpPr>
-          <p:cNvPr id="4" name="Título 1"/>
-          <p:cNvSpPr txBox="1">
-            <a:spLocks/>
-          </p:cNvSpPr>
-          <p:nvPr/>
-        </p:nvSpPr>
-        <p:spPr>
-          <a:xfrm>
-            <a:off x="5346356" y="739581"/>
-            <a:ext cx="6845643" cy="491095"/>
-          </a:xfrm>
-          <a:prstGeom prst="rect">
-            <a:avLst/>
-          </a:prstGeom>
-          <a:solidFill>
-            <a:schemeClr val="accent3">
-              <a:lumMod val="40000"/>
-              <a:lumOff val="60000"/>
-            </a:schemeClr>
-          </a:solidFill>
-        </p:spPr>
-        <p:txBody>
-          <a:bodyPr vert="horz" lIns="91440" tIns="45720" rIns="91440" bIns="45720" rtlCol="0" anchor="ctr">
-            <a:normAutofit fontScale="85000" lnSpcReduction="20000"/>
-          </a:bodyPr>
-          <a:lstStyle>
-            <a:lvl1pPr algn="l" defTabSz="914400" rtl="0" eaLnBrk="1" latinLnBrk="0" hangingPunct="1">
-              <a:lnSpc>
-                <a:spcPct val="90000"/>
-              </a:lnSpc>
-              <a:spcBef>
-                <a:spcPct val="0"/>
-              </a:spcBef>
-              <a:buNone/>
-              <a:defRPr sz="4400" kern="1200">
-                <a:solidFill>
-                  <a:schemeClr val="tx1"/>
-                </a:solidFill>
-                <a:latin typeface="+mj-lt"/>
-                <a:ea typeface="+mj-ea"/>
-                <a:cs typeface="+mj-cs"/>
-              </a:defRPr>
-            </a:lvl1pPr>
-          </a:lstStyle>
-          <a:p>
-            <a:pPr algn="r"/>
-            <a:r>
-              <a:rPr lang="es-MX" dirty="0" smtClean="0"/>
-              <a:t>Planteamiento general</a:t>
-            </a:r>
-            <a:endParaRPr lang="es-MX" dirty="0"/>
-          </a:p>
-        </p:txBody>
-      </p:sp>
-    </p:spTree>
-    <p:extLst>
-      <p:ext uri="{BB962C8B-B14F-4D97-AF65-F5344CB8AC3E}">
-        <p14:creationId xmlns:p14="http://schemas.microsoft.com/office/powerpoint/2010/main" val="1181663096"/>
+        <p14:creationId xmlns:p14="http://schemas.microsoft.com/office/powerpoint/2010/main" val="69684558"/>
       </p:ext>
     </p:extLst>
   </p:cSld>
@@ -7460,7 +11123,43 @@
       </p:grpSpPr>
       <p:sp>
         <p:nvSpPr>
-          <p:cNvPr id="2" name="Título 1"/>
+          <p:cNvPr id="3" name="Marcador de contenido 2"/>
+          <p:cNvSpPr>
+            <a:spLocks noGrp="1"/>
+          </p:cNvSpPr>
+          <p:nvPr>
+            <p:ph idx="1"/>
+          </p:nvPr>
+        </p:nvSpPr>
+        <p:spPr>
+          <a:xfrm>
+            <a:off x="838200" y="1004758"/>
+            <a:ext cx="10515600" cy="5172205"/>
+          </a:xfrm>
+        </p:spPr>
+        <p:txBody>
+          <a:bodyPr/>
+          <a:lstStyle/>
+          <a:p>
+            <a:r>
+              <a:rPr lang="es-MX" dirty="0" smtClean="0"/>
+              <a:t>En tareas de detección binaria:</a:t>
+            </a:r>
+          </a:p>
+          <a:p>
+            <a:endParaRPr lang="es-MX" dirty="0" smtClean="0"/>
+          </a:p>
+          <a:p>
+            <a:endParaRPr lang="es-MX" dirty="0" smtClean="0"/>
+          </a:p>
+          <a:p>
+            <a:endParaRPr lang="es-MX" dirty="0"/>
+          </a:p>
+        </p:txBody>
+      </p:sp>
+      <p:sp>
+        <p:nvSpPr>
+          <p:cNvPr id="5" name="Título 4"/>
           <p:cNvSpPr>
             <a:spLocks noGrp="1"/>
           </p:cNvSpPr>
@@ -7468,93 +11167,87 @@
             <p:ph type="title"/>
           </p:nvPr>
         </p:nvSpPr>
+        <p:spPr/>
+        <p:txBody>
+          <a:bodyPr/>
+          <a:lstStyle/>
+          <a:p>
+            <a:r>
+              <a:rPr lang="es-MX" dirty="0" smtClean="0"/>
+              <a:t/>
+            </a:r>
+            <a:br>
+              <a:rPr lang="es-MX" dirty="0" smtClean="0"/>
+            </a:br>
+            <a:endParaRPr lang="es-MX" dirty="0"/>
+          </a:p>
+        </p:txBody>
+      </p:sp>
+      <p:sp>
+        <p:nvSpPr>
+          <p:cNvPr id="6" name="Título 1"/>
+          <p:cNvSpPr txBox="1">
+            <a:spLocks/>
+          </p:cNvSpPr>
+          <p:nvPr/>
+        </p:nvSpPr>
         <p:spPr>
           <a:xfrm>
             <a:off x="0" y="76800"/>
-            <a:ext cx="5016843" cy="1325563"/>
-          </a:xfrm>
+            <a:ext cx="5016843" cy="788173"/>
+          </a:xfrm>
+          <a:prstGeom prst="rect">
+            <a:avLst/>
+          </a:prstGeom>
           <a:solidFill>
-            <a:srgbClr val="7030A0"/>
+            <a:schemeClr val="accent4">
+              <a:lumMod val="50000"/>
+            </a:schemeClr>
           </a:solidFill>
         </p:spPr>
         <p:txBody>
-          <a:bodyPr/>
-          <a:lstStyle/>
-          <a:p>
-            <a:r>
-              <a:rPr lang="es-MX" b="1" dirty="0" smtClean="0">
+          <a:bodyPr vert="horz" lIns="91440" tIns="45720" rIns="91440" bIns="45720" rtlCol="0" anchor="ctr">
+            <a:normAutofit/>
+          </a:bodyPr>
+          <a:lstStyle>
+            <a:lvl1pPr algn="l" defTabSz="914400" rtl="0" eaLnBrk="1" latinLnBrk="0" hangingPunct="1">
+              <a:lnSpc>
+                <a:spcPct val="90000"/>
+              </a:lnSpc>
+              <a:spcBef>
+                <a:spcPct val="0"/>
+              </a:spcBef>
+              <a:buNone/>
+              <a:defRPr sz="4400" kern="1200">
+                <a:solidFill>
+                  <a:schemeClr val="tx1"/>
+                </a:solidFill>
+                <a:latin typeface="+mj-lt"/>
+                <a:ea typeface="+mj-ea"/>
+                <a:cs typeface="+mj-cs"/>
+              </a:defRPr>
+            </a:lvl1pPr>
+          </a:lstStyle>
+          <a:p>
+            <a:r>
+              <a:rPr lang="es-MX" b="1" smtClean="0">
                 <a:solidFill>
                   <a:schemeClr val="bg1"/>
                 </a:solidFill>
               </a:rPr>
-              <a:t>Método</a:t>
-            </a:r>
-            <a:endParaRPr lang="es-MX" dirty="0"/>
-          </a:p>
-        </p:txBody>
-      </p:sp>
-      <p:sp>
-        <p:nvSpPr>
-          <p:cNvPr id="3" name="Marcador de contenido 2"/>
-          <p:cNvSpPr>
-            <a:spLocks noGrp="1"/>
-          </p:cNvSpPr>
-          <p:nvPr>
-            <p:ph idx="1"/>
-          </p:nvPr>
-        </p:nvSpPr>
-        <p:spPr/>
-        <p:txBody>
-          <a:bodyPr>
-            <a:normAutofit/>
-          </a:bodyPr>
-          <a:lstStyle/>
-          <a:p>
-            <a:r>
-              <a:rPr lang="es-MX" dirty="0"/>
-              <a:t>Se diseñó una tarea perceptual donde los participantes tenían </a:t>
-            </a:r>
-            <a:r>
-              <a:rPr lang="es-MX" dirty="0" smtClean="0"/>
-              <a:t>que comparar el </a:t>
-            </a:r>
-            <a:r>
-              <a:rPr lang="es-MX" dirty="0"/>
-              <a:t>tamaño de dos círculos mostrados en pantalla y </a:t>
-            </a:r>
-            <a:r>
-              <a:rPr lang="es-MX" dirty="0" smtClean="0"/>
-              <a:t>señalar cuando estos fueran del </a:t>
-            </a:r>
-            <a:r>
-              <a:rPr lang="es-MX" dirty="0"/>
-              <a:t>mismo diámetro (</a:t>
-            </a:r>
-            <a:r>
-              <a:rPr lang="es-MX" dirty="0" smtClean="0"/>
-              <a:t>señal).</a:t>
-            </a:r>
-          </a:p>
-          <a:p>
-            <a:pPr lvl="1"/>
-            <a:r>
-              <a:rPr lang="es-MX" dirty="0" smtClean="0"/>
-              <a:t>Tarea de detección binaria (Sí/No)</a:t>
-            </a:r>
-          </a:p>
-          <a:p>
-            <a:pPr lvl="1"/>
-            <a:r>
-              <a:rPr lang="es-MX" dirty="0" smtClean="0"/>
-              <a:t>Escala de Confianza (1,2,3)</a:t>
-            </a:r>
-            <a:endParaRPr lang="es-MX" dirty="0"/>
-          </a:p>
-        </p:txBody>
-      </p:sp>
-      <p:sp>
-        <p:nvSpPr>
-          <p:cNvPr id="4" name="Título 1"/>
+              <a:t>Marco Teórico</a:t>
+            </a:r>
+            <a:r>
+              <a:rPr lang="es-MX" smtClean="0"/>
+              <a:t> </a:t>
+            </a:r>
+            <a:endParaRPr lang="es-MX" dirty="0"/>
+          </a:p>
+        </p:txBody>
+      </p:sp>
+      <p:sp>
+        <p:nvSpPr>
+          <p:cNvPr id="7" name="Título 1"/>
           <p:cNvSpPr txBox="1">
             <a:spLocks/>
           </p:cNvSpPr>
@@ -7562,14 +11255,14 @@
         </p:nvSpPr>
         <p:spPr>
           <a:xfrm>
-            <a:off x="5346356" y="739581"/>
+            <a:off x="5346357" y="225338"/>
             <a:ext cx="6845643" cy="491095"/>
           </a:xfrm>
           <a:prstGeom prst="rect">
             <a:avLst/>
           </a:prstGeom>
           <a:solidFill>
-            <a:schemeClr val="accent3">
+            <a:schemeClr val="accent4">
               <a:lumMod val="40000"/>
               <a:lumOff val="60000"/>
             </a:schemeClr>
@@ -7602,338 +11295,101 @@
             <a:pPr algn="r"/>
             <a:r>
               <a:rPr lang="es-MX" dirty="0" smtClean="0"/>
-              <a:t>Planteamiento general</a:t>
-            </a:r>
-            <a:endParaRPr lang="es-MX" dirty="0"/>
-          </a:p>
-        </p:txBody>
-      </p:sp>
-      <p:sp>
-        <p:nvSpPr>
-          <p:cNvPr id="6" name="CuadroTexto 5"/>
-          <p:cNvSpPr txBox="1"/>
+              <a:t>Efecto Espejo</a:t>
+            </a:r>
+            <a:endParaRPr lang="es-MX" dirty="0"/>
+          </a:p>
+        </p:txBody>
+      </p:sp>
+      <p:pic>
+        <p:nvPicPr>
+          <p:cNvPr id="8" name="Imagen 7"/>
+          <p:cNvPicPr>
+            <a:picLocks noChangeAspect="1"/>
+          </p:cNvPicPr>
           <p:nvPr/>
-        </p:nvSpPr>
-        <p:spPr>
-          <a:xfrm>
-            <a:off x="609599" y="4001294"/>
-            <a:ext cx="4053017" cy="2308324"/>
+        </p:nvPicPr>
+        <p:blipFill>
+          <a:blip r:embed="rId2"/>
+          <a:stretch>
+            <a:fillRect/>
+          </a:stretch>
+        </p:blipFill>
+        <p:spPr>
+          <a:xfrm>
+            <a:off x="1368639" y="1857310"/>
+            <a:ext cx="8805188" cy="734840"/>
           </a:xfrm>
           <a:prstGeom prst="rect">
             <a:avLst/>
           </a:prstGeom>
-          <a:solidFill>
-            <a:schemeClr val="accent5">
-              <a:lumMod val="40000"/>
-              <a:lumOff val="60000"/>
-            </a:schemeClr>
-          </a:solidFill>
-        </p:spPr>
-        <p:txBody>
-          <a:bodyPr wrap="square" rtlCol="0">
-            <a:spAutoFit/>
-          </a:bodyPr>
-          <a:lstStyle/>
-          <a:p>
-            <a:pPr algn="ctr"/>
-            <a:r>
-              <a:rPr lang="es-MX" dirty="0" smtClean="0"/>
-              <a:t>Experimento 1</a:t>
-            </a:r>
-          </a:p>
-          <a:p>
-            <a:pPr algn="ctr"/>
-            <a:endParaRPr lang="es-MX" dirty="0"/>
-          </a:p>
-          <a:p>
-            <a:pPr algn="ctr"/>
-            <a:endParaRPr lang="es-MX" dirty="0" smtClean="0"/>
-          </a:p>
-          <a:p>
-            <a:pPr algn="ctr"/>
-            <a:endParaRPr lang="es-MX" dirty="0"/>
-          </a:p>
-          <a:p>
-            <a:pPr algn="ctr"/>
-            <a:endParaRPr lang="es-MX" dirty="0" smtClean="0"/>
-          </a:p>
-          <a:p>
-            <a:pPr algn="ctr"/>
-            <a:endParaRPr lang="es-MX" dirty="0"/>
-          </a:p>
-          <a:p>
-            <a:pPr algn="ctr"/>
-            <a:endParaRPr lang="es-MX" dirty="0" smtClean="0"/>
-          </a:p>
-          <a:p>
-            <a:pPr algn="ctr"/>
-            <a:endParaRPr lang="es-MX" dirty="0" smtClean="0"/>
-          </a:p>
-        </p:txBody>
-      </p:sp>
-      <p:sp>
-        <p:nvSpPr>
-          <p:cNvPr id="7" name="CuadroTexto 6"/>
-          <p:cNvSpPr txBox="1"/>
+        </p:spPr>
+      </p:pic>
+      <p:pic>
+        <p:nvPicPr>
+          <p:cNvPr id="14" name="Imagen 13"/>
+          <p:cNvPicPr>
+            <a:picLocks noChangeAspect="1"/>
+          </p:cNvPicPr>
           <p:nvPr/>
-        </p:nvSpPr>
-        <p:spPr>
-          <a:xfrm>
-            <a:off x="6742668" y="3934967"/>
-            <a:ext cx="4053017" cy="2308324"/>
+        </p:nvPicPr>
+        <p:blipFill>
+          <a:blip r:embed="rId3"/>
+          <a:stretch>
+            <a:fillRect/>
+          </a:stretch>
+        </p:blipFill>
+        <p:spPr>
+          <a:xfrm>
+            <a:off x="3465792" y="2880475"/>
+            <a:ext cx="5016349" cy="623501"/>
           </a:xfrm>
           <a:prstGeom prst="rect">
             <a:avLst/>
           </a:prstGeom>
-          <a:solidFill>
-            <a:schemeClr val="accent5">
-              <a:lumMod val="40000"/>
-              <a:lumOff val="60000"/>
-            </a:schemeClr>
-          </a:solidFill>
-        </p:spPr>
-        <p:txBody>
-          <a:bodyPr wrap="square" rtlCol="0">
-            <a:spAutoFit/>
-          </a:bodyPr>
-          <a:lstStyle/>
-          <a:p>
-            <a:pPr algn="ctr"/>
-            <a:r>
-              <a:rPr lang="es-MX" dirty="0" smtClean="0"/>
-              <a:t>Experimento 2</a:t>
-            </a:r>
-          </a:p>
-          <a:p>
-            <a:pPr algn="ctr"/>
-            <a:endParaRPr lang="es-MX" dirty="0"/>
-          </a:p>
-          <a:p>
-            <a:pPr algn="ctr"/>
-            <a:endParaRPr lang="es-MX" dirty="0" smtClean="0"/>
-          </a:p>
-          <a:p>
-            <a:pPr algn="ctr"/>
-            <a:endParaRPr lang="es-MX" dirty="0"/>
-          </a:p>
-          <a:p>
-            <a:pPr algn="ctr"/>
-            <a:endParaRPr lang="es-MX" dirty="0" smtClean="0"/>
-          </a:p>
-          <a:p>
-            <a:pPr algn="ctr"/>
-            <a:endParaRPr lang="es-MX" dirty="0"/>
-          </a:p>
-          <a:p>
-            <a:pPr algn="ctr"/>
-            <a:endParaRPr lang="es-MX" dirty="0" smtClean="0"/>
-          </a:p>
-          <a:p>
-            <a:pPr algn="ctr"/>
-            <a:endParaRPr lang="es-MX" dirty="0" smtClean="0"/>
-          </a:p>
-        </p:txBody>
-      </p:sp>
-      <p:sp>
-        <p:nvSpPr>
-          <p:cNvPr id="8" name="Elipse 7"/>
-          <p:cNvSpPr/>
+        </p:spPr>
+      </p:pic>
+      <p:pic>
+        <p:nvPicPr>
+          <p:cNvPr id="15" name="Imagen 14"/>
+          <p:cNvPicPr>
+            <a:picLocks noChangeAspect="1"/>
+          </p:cNvPicPr>
           <p:nvPr/>
-        </p:nvSpPr>
-        <p:spPr>
-          <a:xfrm>
-            <a:off x="675501" y="4621427"/>
-            <a:ext cx="1614617" cy="1351006"/>
-          </a:xfrm>
-          <a:prstGeom prst="ellipse">
+        </p:nvPicPr>
+        <p:blipFill>
+          <a:blip r:embed="rId4"/>
+          <a:stretch>
+            <a:fillRect/>
+          </a:stretch>
+        </p:blipFill>
+        <p:spPr>
+          <a:xfrm>
+            <a:off x="3670069" y="3744102"/>
+            <a:ext cx="4202327" cy="3072494"/>
+          </a:xfrm>
+          <a:prstGeom prst="rect">
             <a:avLst/>
           </a:prstGeom>
         </p:spPr>
-        <p:style>
-          <a:lnRef idx="2">
-            <a:schemeClr val="accent1">
-              <a:shade val="50000"/>
-            </a:schemeClr>
-          </a:lnRef>
-          <a:fillRef idx="1">
-            <a:schemeClr val="accent1"/>
-          </a:fillRef>
-          <a:effectRef idx="0">
-            <a:schemeClr val="accent1"/>
-          </a:effectRef>
-          <a:fontRef idx="minor">
-            <a:schemeClr val="lt1"/>
-          </a:fontRef>
-        </p:style>
-        <p:txBody>
-          <a:bodyPr rtlCol="0" anchor="ctr"/>
-          <a:lstStyle/>
-          <a:p>
-            <a:pPr algn="ctr"/>
-            <a:r>
-              <a:rPr lang="es-MX" sz="1500" dirty="0" err="1" smtClean="0"/>
-              <a:t>Ebbinghaus</a:t>
-            </a:r>
-            <a:endParaRPr lang="es-MX" sz="1500" dirty="0"/>
-          </a:p>
-        </p:txBody>
-      </p:sp>
-      <p:sp>
-        <p:nvSpPr>
-          <p:cNvPr id="9" name="Elipse 8"/>
-          <p:cNvSpPr/>
-          <p:nvPr/>
-        </p:nvSpPr>
-        <p:spPr>
-          <a:xfrm>
-            <a:off x="6825047" y="4621427"/>
-            <a:ext cx="1614617" cy="1351006"/>
-          </a:xfrm>
-          <a:prstGeom prst="ellipse">
-            <a:avLst/>
-          </a:prstGeom>
-        </p:spPr>
-        <p:style>
-          <a:lnRef idx="2">
-            <a:schemeClr val="accent1">
-              <a:shade val="50000"/>
-            </a:schemeClr>
-          </a:lnRef>
-          <a:fillRef idx="1">
-            <a:schemeClr val="accent1"/>
-          </a:fillRef>
-          <a:effectRef idx="0">
-            <a:schemeClr val="accent1"/>
-          </a:effectRef>
-          <a:fontRef idx="minor">
-            <a:schemeClr val="lt1"/>
-          </a:fontRef>
-        </p:style>
-        <p:txBody>
-          <a:bodyPr rtlCol="0" anchor="ctr"/>
-          <a:lstStyle/>
-          <a:p>
-            <a:pPr algn="ctr"/>
-            <a:r>
-              <a:rPr lang="es-MX" sz="1500" dirty="0" err="1" smtClean="0"/>
-              <a:t>Ebbinghaus</a:t>
-            </a:r>
-            <a:endParaRPr lang="es-MX" sz="1500" dirty="0"/>
-          </a:p>
-        </p:txBody>
-      </p:sp>
-      <p:sp>
-        <p:nvSpPr>
-          <p:cNvPr id="10" name="Elipse 9"/>
-          <p:cNvSpPr/>
-          <p:nvPr/>
-        </p:nvSpPr>
-        <p:spPr>
-          <a:xfrm>
-            <a:off x="9073976" y="4608221"/>
-            <a:ext cx="1614617" cy="1351006"/>
-          </a:xfrm>
-          <a:prstGeom prst="ellipse">
-            <a:avLst/>
-          </a:prstGeom>
-        </p:spPr>
-        <p:style>
-          <a:lnRef idx="2">
-            <a:schemeClr val="accent1">
-              <a:shade val="50000"/>
-            </a:schemeClr>
-          </a:lnRef>
-          <a:fillRef idx="1">
-            <a:schemeClr val="accent1"/>
-          </a:fillRef>
-          <a:effectRef idx="0">
-            <a:schemeClr val="accent1"/>
-          </a:effectRef>
-          <a:fontRef idx="minor">
-            <a:schemeClr val="lt1"/>
-          </a:fontRef>
-        </p:style>
-        <p:txBody>
-          <a:bodyPr rtlCol="0" anchor="ctr"/>
-          <a:lstStyle/>
-          <a:p>
-            <a:pPr algn="ctr"/>
-            <a:r>
-              <a:rPr lang="es-MX" sz="1500" dirty="0" err="1" smtClean="0"/>
-              <a:t>Ebbinghaus</a:t>
-            </a:r>
-            <a:endParaRPr lang="es-MX" sz="1500" dirty="0"/>
-          </a:p>
-        </p:txBody>
-      </p:sp>
-      <p:sp>
-        <p:nvSpPr>
-          <p:cNvPr id="11" name="Elipse 10"/>
-          <p:cNvSpPr/>
-          <p:nvPr/>
-        </p:nvSpPr>
-        <p:spPr>
-          <a:xfrm>
-            <a:off x="3171568" y="4736757"/>
-            <a:ext cx="1070917" cy="1029730"/>
-          </a:xfrm>
-          <a:prstGeom prst="ellipse">
-            <a:avLst/>
-          </a:prstGeom>
-          <a:solidFill>
-            <a:schemeClr val="accent3">
-              <a:lumMod val="20000"/>
-              <a:lumOff val="80000"/>
-            </a:schemeClr>
-          </a:solidFill>
-        </p:spPr>
-        <p:style>
-          <a:lnRef idx="2">
-            <a:schemeClr val="accent1">
-              <a:shade val="50000"/>
-            </a:schemeClr>
-          </a:lnRef>
-          <a:fillRef idx="1">
-            <a:schemeClr val="accent1"/>
-          </a:fillRef>
-          <a:effectRef idx="0">
-            <a:schemeClr val="accent1"/>
-          </a:effectRef>
-          <a:fontRef idx="minor">
-            <a:schemeClr val="lt1"/>
-          </a:fontRef>
-        </p:style>
-        <p:txBody>
-          <a:bodyPr rtlCol="0" anchor="ctr"/>
-          <a:lstStyle/>
-          <a:p>
-            <a:pPr algn="ctr"/>
-            <a:r>
-              <a:rPr lang="es-MX" sz="1500" dirty="0" smtClean="0">
-                <a:solidFill>
-                  <a:schemeClr val="tx1"/>
-                </a:solidFill>
-              </a:rPr>
-              <a:t>Circulo Aislado</a:t>
-            </a:r>
-            <a:endParaRPr lang="es-MX" sz="1500" dirty="0">
-              <a:solidFill>
-                <a:schemeClr val="tx1"/>
-              </a:solidFill>
-            </a:endParaRPr>
-          </a:p>
-        </p:txBody>
-      </p:sp>
+      </p:pic>
     </p:spTree>
     <p:extLst>
       <p:ext uri="{BB962C8B-B14F-4D97-AF65-F5344CB8AC3E}">
-        <p14:creationId xmlns:p14="http://schemas.microsoft.com/office/powerpoint/2010/main" val="4265090562"/>
+        <p14:creationId xmlns:p14="http://schemas.microsoft.com/office/powerpoint/2010/main" val="30814327"/>
       </p:ext>
     </p:extLst>
   </p:cSld>
   <p:clrMapOvr>
     <a:masterClrMapping/>
   </p:clrMapOvr>
+  <p:timing>
+    <p:tnLst>
+      <p:par>
+        <p:cTn id="1" dur="indefinite" restart="never" nodeType="tmRoot"/>
+      </p:par>
+    </p:tnLst>
+  </p:timing>
 </p:sld>
 </file>
 
